--- a/ch4/第四章 part1.pptx
+++ b/ch4/第四章 part1.pptx
@@ -39,6 +39,7 @@
     <p:sldId id="288" r:id="rId33"/>
     <p:sldId id="289" r:id="rId34"/>
     <p:sldId id="290" r:id="rId35"/>
+    <p:sldId id="291" r:id="rId36"/>
   </p:sldIdLst>
   <p:sldSz cx="12192000" cy="6858000"/>
   <p:notesSz cx="6858000" cy="9144000"/>
@@ -137,6 +138,11 @@
       </a:defRPr>
     </a:lvl9pPr>
   </p:defaultTextStyle>
+  <p:extLst>
+    <p:ext uri="{EFAFB233-063F-42B5-8137-9DF3F51BA10A}">
+      <p15:sldGuideLst xmlns:p15="http://schemas.microsoft.com/office/powerpoint/2012/main"/>
+    </p:ext>
+  </p:extLst>
 </p:presentation>
 </file>
 
@@ -287,7 +293,7 @@
           <a:p>
             <a:fld id="{D4CFBBBD-DB2F-F641-939B-B00A71D9CE0E}" type="datetimeFigureOut">
               <a:rPr kumimoji="1" lang="zh-CN" altLang="en-US" smtClean="0"/>
-              <a:t>2020/3/31</a:t>
+              <a:t>2020/4/8</a:t>
             </a:fld>
             <a:endParaRPr kumimoji="1" lang="zh-CN" altLang="en-US"/>
           </a:p>
@@ -485,7 +491,7 @@
           <a:p>
             <a:fld id="{D4CFBBBD-DB2F-F641-939B-B00A71D9CE0E}" type="datetimeFigureOut">
               <a:rPr kumimoji="1" lang="zh-CN" altLang="en-US" smtClean="0"/>
-              <a:t>2020/3/31</a:t>
+              <a:t>2020/4/8</a:t>
             </a:fld>
             <a:endParaRPr kumimoji="1" lang="zh-CN" altLang="en-US"/>
           </a:p>
@@ -693,7 +699,7 @@
           <a:p>
             <a:fld id="{D4CFBBBD-DB2F-F641-939B-B00A71D9CE0E}" type="datetimeFigureOut">
               <a:rPr kumimoji="1" lang="zh-CN" altLang="en-US" smtClean="0"/>
-              <a:t>2020/3/31</a:t>
+              <a:t>2020/4/8</a:t>
             </a:fld>
             <a:endParaRPr kumimoji="1" lang="zh-CN" altLang="en-US"/>
           </a:p>
@@ -891,7 +897,7 @@
           <a:p>
             <a:fld id="{D4CFBBBD-DB2F-F641-939B-B00A71D9CE0E}" type="datetimeFigureOut">
               <a:rPr kumimoji="1" lang="zh-CN" altLang="en-US" smtClean="0"/>
-              <a:t>2020/3/31</a:t>
+              <a:t>2020/4/8</a:t>
             </a:fld>
             <a:endParaRPr kumimoji="1" lang="zh-CN" altLang="en-US"/>
           </a:p>
@@ -1166,7 +1172,7 @@
           <a:p>
             <a:fld id="{D4CFBBBD-DB2F-F641-939B-B00A71D9CE0E}" type="datetimeFigureOut">
               <a:rPr kumimoji="1" lang="zh-CN" altLang="en-US" smtClean="0"/>
-              <a:t>2020/3/31</a:t>
+              <a:t>2020/4/8</a:t>
             </a:fld>
             <a:endParaRPr kumimoji="1" lang="zh-CN" altLang="en-US"/>
           </a:p>
@@ -1431,7 +1437,7 @@
           <a:p>
             <a:fld id="{D4CFBBBD-DB2F-F641-939B-B00A71D9CE0E}" type="datetimeFigureOut">
               <a:rPr kumimoji="1" lang="zh-CN" altLang="en-US" smtClean="0"/>
-              <a:t>2020/3/31</a:t>
+              <a:t>2020/4/8</a:t>
             </a:fld>
             <a:endParaRPr kumimoji="1" lang="zh-CN" altLang="en-US"/>
           </a:p>
@@ -1843,7 +1849,7 @@
           <a:p>
             <a:fld id="{D4CFBBBD-DB2F-F641-939B-B00A71D9CE0E}" type="datetimeFigureOut">
               <a:rPr kumimoji="1" lang="zh-CN" altLang="en-US" smtClean="0"/>
-              <a:t>2020/3/31</a:t>
+              <a:t>2020/4/8</a:t>
             </a:fld>
             <a:endParaRPr kumimoji="1" lang="zh-CN" altLang="en-US"/>
           </a:p>
@@ -1984,7 +1990,7 @@
           <a:p>
             <a:fld id="{D4CFBBBD-DB2F-F641-939B-B00A71D9CE0E}" type="datetimeFigureOut">
               <a:rPr kumimoji="1" lang="zh-CN" altLang="en-US" smtClean="0"/>
-              <a:t>2020/3/31</a:t>
+              <a:t>2020/4/8</a:t>
             </a:fld>
             <a:endParaRPr kumimoji="1" lang="zh-CN" altLang="en-US"/>
           </a:p>
@@ -2097,7 +2103,7 @@
           <a:p>
             <a:fld id="{D4CFBBBD-DB2F-F641-939B-B00A71D9CE0E}" type="datetimeFigureOut">
               <a:rPr kumimoji="1" lang="zh-CN" altLang="en-US" smtClean="0"/>
-              <a:t>2020/3/31</a:t>
+              <a:t>2020/4/8</a:t>
             </a:fld>
             <a:endParaRPr kumimoji="1" lang="zh-CN" altLang="en-US"/>
           </a:p>
@@ -2408,7 +2414,7 @@
           <a:p>
             <a:fld id="{D4CFBBBD-DB2F-F641-939B-B00A71D9CE0E}" type="datetimeFigureOut">
               <a:rPr kumimoji="1" lang="zh-CN" altLang="en-US" smtClean="0"/>
-              <a:t>2020/3/31</a:t>
+              <a:t>2020/4/8</a:t>
             </a:fld>
             <a:endParaRPr kumimoji="1" lang="zh-CN" altLang="en-US"/>
           </a:p>
@@ -2696,7 +2702,7 @@
           <a:p>
             <a:fld id="{D4CFBBBD-DB2F-F641-939B-B00A71D9CE0E}" type="datetimeFigureOut">
               <a:rPr kumimoji="1" lang="zh-CN" altLang="en-US" smtClean="0"/>
-              <a:t>2020/3/31</a:t>
+              <a:t>2020/4/8</a:t>
             </a:fld>
             <a:endParaRPr kumimoji="1" lang="zh-CN" altLang="en-US"/>
           </a:p>
@@ -2937,7 +2943,7 @@
           <a:p>
             <a:fld id="{D4CFBBBD-DB2F-F641-939B-B00A71D9CE0E}" type="datetimeFigureOut">
               <a:rPr kumimoji="1" lang="zh-CN" altLang="en-US" smtClean="0"/>
-              <a:t>2020/3/31</a:t>
+              <a:t>2020/4/8</a:t>
             </a:fld>
             <a:endParaRPr kumimoji="1" lang="zh-CN" altLang="en-US"/>
           </a:p>
@@ -10157,6 +10163,144 @@
 </p:sld>
 </file>
 
+<file path=ppt/slides/slide35.xml><?xml version="1.0" encoding="utf-8"?>
+<p:sld xmlns:a="http://schemas.openxmlformats.org/drawingml/2006/main" xmlns:r="http://schemas.openxmlformats.org/officeDocument/2006/relationships" xmlns:p="http://schemas.openxmlformats.org/presentationml/2006/main">
+  <p:cSld>
+    <p:spTree>
+      <p:nvGrpSpPr>
+        <p:cNvPr id="1" name=""/>
+        <p:cNvGrpSpPr/>
+        <p:nvPr/>
+      </p:nvGrpSpPr>
+      <p:grpSpPr>
+        <a:xfrm>
+          <a:off x="0" y="0"/>
+          <a:ext cx="0" cy="0"/>
+          <a:chOff x="0" y="0"/>
+          <a:chExt cx="0" cy="0"/>
+        </a:xfrm>
+      </p:grpSpPr>
+      <p:sp>
+        <p:nvSpPr>
+          <p:cNvPr id="2" name="标题 1">
+            <a:extLst>
+              <a:ext uri="{FF2B5EF4-FFF2-40B4-BE49-F238E27FC236}">
+                <a16:creationId xmlns:a16="http://schemas.microsoft.com/office/drawing/2014/main" id="{C0E28B90-A98C-E148-AC06-342466DEA1DC}"/>
+              </a:ext>
+            </a:extLst>
+          </p:cNvPr>
+          <p:cNvSpPr>
+            <a:spLocks noGrp="1"/>
+          </p:cNvSpPr>
+          <p:nvPr>
+            <p:ph type="title"/>
+          </p:nvPr>
+        </p:nvSpPr>
+        <p:spPr/>
+        <p:txBody>
+          <a:bodyPr/>
+          <a:lstStyle/>
+          <a:p>
+            <a:r>
+              <a:rPr kumimoji="1" lang="zh-CN" altLang="en-US" dirty="0"/>
+              <a:t>课后作业</a:t>
+            </a:r>
+          </a:p>
+        </p:txBody>
+      </p:sp>
+      <p:sp>
+        <p:nvSpPr>
+          <p:cNvPr id="3" name="内容占位符 2">
+            <a:extLst>
+              <a:ext uri="{FF2B5EF4-FFF2-40B4-BE49-F238E27FC236}">
+                <a16:creationId xmlns:a16="http://schemas.microsoft.com/office/drawing/2014/main" id="{77282427-179C-F847-A8AE-4BD11C0A44A9}"/>
+              </a:ext>
+            </a:extLst>
+          </p:cNvPr>
+          <p:cNvSpPr>
+            <a:spLocks noGrp="1"/>
+          </p:cNvSpPr>
+          <p:nvPr>
+            <p:ph idx="1"/>
+          </p:nvPr>
+        </p:nvSpPr>
+        <p:spPr/>
+        <p:txBody>
+          <a:bodyPr/>
+          <a:lstStyle/>
+          <a:p>
+            <a:pPr marL="514350" indent="-514350">
+              <a:buFont typeface="+mj-lt"/>
+              <a:buAutoNum type="arabicPeriod"/>
+            </a:pPr>
+            <a:r>
+              <a:rPr kumimoji="1" lang="zh-CN" altLang="en-US" dirty="0"/>
+              <a:t>定义两个二维数组，实现二维数组之间的</a:t>
+            </a:r>
+            <a:r>
+              <a:rPr kumimoji="1" lang="en-US" altLang="zh-CN" dirty="0"/>
+              <a:t>copy,</a:t>
+            </a:r>
+            <a:r>
+              <a:rPr kumimoji="1" lang="zh-CN" altLang="en-US" dirty="0"/>
+              <a:t> 可以指定源数据二维区域的左上角坐标和右下角坐标，到目的数据数组的拷贝，放到给定左上角坐标和右下角坐标区域内。</a:t>
+            </a:r>
+            <a:endParaRPr kumimoji="1" lang="en-US" altLang="zh-CN" dirty="0"/>
+          </a:p>
+          <a:p>
+            <a:pPr marL="514350" indent="-514350">
+              <a:buFont typeface="+mj-lt"/>
+              <a:buAutoNum type="arabicPeriod"/>
+            </a:pPr>
+            <a:r>
+              <a:rPr kumimoji="1" lang="zh-CN" altLang="en-US" dirty="0"/>
+              <a:t>利用</a:t>
+            </a:r>
+            <a:r>
+              <a:rPr kumimoji="1" lang="en-US" altLang="zh-CN" dirty="0"/>
+              <a:t>Vector</a:t>
+            </a:r>
+            <a:r>
+              <a:rPr kumimoji="1" lang="zh-CN" altLang="en-US" dirty="0"/>
+              <a:t>模拟一下</a:t>
+            </a:r>
+            <a:r>
+              <a:rPr kumimoji="1" lang="en-US" altLang="zh-CN" dirty="0"/>
+              <a:t>Queue</a:t>
+            </a:r>
+            <a:r>
+              <a:rPr kumimoji="1" lang="zh-CN" altLang="en-US" dirty="0"/>
+              <a:t>，写出入队、出</a:t>
+            </a:r>
+            <a:r>
+              <a:rPr kumimoji="1" lang="zh-CN" altLang="en-US"/>
+              <a:t>队、队空</a:t>
+            </a:r>
+            <a:r>
+              <a:rPr kumimoji="1" lang="zh-CN" altLang="en-US" dirty="0"/>
+              <a:t>、队满操作</a:t>
+            </a:r>
+            <a:r>
+              <a:rPr kumimoji="1" lang="en-US" altLang="zh-CN" dirty="0"/>
+              <a:t>;</a:t>
+            </a:r>
+            <a:endParaRPr kumimoji="1" lang="zh-CN" altLang="en-US" dirty="0"/>
+          </a:p>
+        </p:txBody>
+      </p:sp>
+    </p:spTree>
+    <p:extLst>
+      <p:ext uri="{BB962C8B-B14F-4D97-AF65-F5344CB8AC3E}">
+        <p14:creationId xmlns:p14="http://schemas.microsoft.com/office/powerpoint/2010/main" val="400957401"/>
+      </p:ext>
+    </p:extLst>
+  </p:cSld>
+  <p:clrMapOvr>
+    <a:masterClrMapping/>
+  </p:clrMapOvr>
+</p:sld>
+</file>
+
 <file path=ppt/slides/slide4.xml><?xml version="1.0" encoding="utf-8"?>
 <p:sld xmlns:a="http://schemas.openxmlformats.org/drawingml/2006/main" xmlns:r="http://schemas.openxmlformats.org/officeDocument/2006/relationships" xmlns:p="http://schemas.openxmlformats.org/presentationml/2006/main">
   <p:cSld>

--- a/ch4/第四章 part1.pptx
+++ b/ch4/第四章 part1.pptx
@@ -1,45 +1,45 @@
 
 <file path=ppt/presentation.xml><?xml version="1.0" encoding="utf-8"?>
-<p:presentation xmlns:a="http://schemas.openxmlformats.org/drawingml/2006/main" xmlns:r="http://schemas.openxmlformats.org/officeDocument/2006/relationships" xmlns:p="http://schemas.openxmlformats.org/presentationml/2006/main" saveSubsetFonts="1" autoCompressPictures="0">
+<p:presentation xmlns:a="http://schemas.openxmlformats.org/drawingml/2006/main" xmlns:r="http://schemas.openxmlformats.org/officeDocument/2006/relationships" xmlns:p="http://schemas.openxmlformats.org/presentationml/2006/main" autoCompressPictures="0">
   <p:sldMasterIdLst>
     <p:sldMasterId id="2147483648" r:id="rId1"/>
   </p:sldMasterIdLst>
   <p:sldIdLst>
-    <p:sldId id="257" r:id="rId2"/>
-    <p:sldId id="258" r:id="rId3"/>
-    <p:sldId id="259" r:id="rId4"/>
-    <p:sldId id="260" r:id="rId5"/>
-    <p:sldId id="261" r:id="rId6"/>
-    <p:sldId id="262" r:id="rId7"/>
-    <p:sldId id="263" r:id="rId8"/>
-    <p:sldId id="265" r:id="rId9"/>
-    <p:sldId id="264" r:id="rId10"/>
-    <p:sldId id="266" r:id="rId11"/>
-    <p:sldId id="267" r:id="rId12"/>
-    <p:sldId id="268" r:id="rId13"/>
-    <p:sldId id="269" r:id="rId14"/>
-    <p:sldId id="270" r:id="rId15"/>
-    <p:sldId id="271" r:id="rId16"/>
-    <p:sldId id="272" r:id="rId17"/>
-    <p:sldId id="274" r:id="rId18"/>
-    <p:sldId id="273" r:id="rId19"/>
-    <p:sldId id="275" r:id="rId20"/>
-    <p:sldId id="276" r:id="rId21"/>
-    <p:sldId id="277" r:id="rId22"/>
-    <p:sldId id="278" r:id="rId23"/>
-    <p:sldId id="279" r:id="rId24"/>
-    <p:sldId id="280" r:id="rId25"/>
-    <p:sldId id="281" r:id="rId26"/>
-    <p:sldId id="282" r:id="rId27"/>
-    <p:sldId id="283" r:id="rId28"/>
-    <p:sldId id="284" r:id="rId29"/>
-    <p:sldId id="285" r:id="rId30"/>
-    <p:sldId id="286" r:id="rId31"/>
-    <p:sldId id="287" r:id="rId32"/>
-    <p:sldId id="288" r:id="rId33"/>
-    <p:sldId id="289" r:id="rId34"/>
-    <p:sldId id="290" r:id="rId35"/>
-    <p:sldId id="291" r:id="rId36"/>
+    <p:sldId id="257" r:id="rId3"/>
+    <p:sldId id="258" r:id="rId4"/>
+    <p:sldId id="259" r:id="rId5"/>
+    <p:sldId id="260" r:id="rId6"/>
+    <p:sldId id="261" r:id="rId7"/>
+    <p:sldId id="262" r:id="rId8"/>
+    <p:sldId id="263" r:id="rId9"/>
+    <p:sldId id="265" r:id="rId10"/>
+    <p:sldId id="264" r:id="rId11"/>
+    <p:sldId id="266" r:id="rId12"/>
+    <p:sldId id="267" r:id="rId13"/>
+    <p:sldId id="268" r:id="rId14"/>
+    <p:sldId id="269" r:id="rId15"/>
+    <p:sldId id="270" r:id="rId16"/>
+    <p:sldId id="271" r:id="rId17"/>
+    <p:sldId id="272" r:id="rId18"/>
+    <p:sldId id="274" r:id="rId19"/>
+    <p:sldId id="273" r:id="rId20"/>
+    <p:sldId id="275" r:id="rId21"/>
+    <p:sldId id="276" r:id="rId22"/>
+    <p:sldId id="277" r:id="rId23"/>
+    <p:sldId id="278" r:id="rId24"/>
+    <p:sldId id="279" r:id="rId25"/>
+    <p:sldId id="280" r:id="rId26"/>
+    <p:sldId id="281" r:id="rId27"/>
+    <p:sldId id="282" r:id="rId28"/>
+    <p:sldId id="283" r:id="rId29"/>
+    <p:sldId id="284" r:id="rId30"/>
+    <p:sldId id="285" r:id="rId31"/>
+    <p:sldId id="286" r:id="rId32"/>
+    <p:sldId id="287" r:id="rId33"/>
+    <p:sldId id="288" r:id="rId34"/>
+    <p:sldId id="289" r:id="rId35"/>
+    <p:sldId id="290" r:id="rId36"/>
+    <p:sldId id="291" r:id="rId37"/>
   </p:sldIdLst>
   <p:sldSz cx="12192000" cy="6858000"/>
   <p:notesSz cx="6858000" cy="9144000"/>
@@ -138,11 +138,6 @@
       </a:defRPr>
     </a:lvl9pPr>
   </p:defaultTextStyle>
-  <p:extLst>
-    <p:ext uri="{EFAFB233-063F-42B5-8137-9DF3F51BA10A}">
-      <p15:sldGuideLst xmlns:p15="http://schemas.microsoft.com/office/powerpoint/2012/main"/>
-    </p:ext>
-  </p:extLst>
 </p:presentation>
 </file>
 
@@ -165,13 +160,7 @@
       </p:grpSpPr>
       <p:sp>
         <p:nvSpPr>
-          <p:cNvPr id="2" name="标题 1">
-            <a:extLst>
-              <a:ext uri="{FF2B5EF4-FFF2-40B4-BE49-F238E27FC236}">
-                <a16:creationId xmlns:a16="http://schemas.microsoft.com/office/drawing/2014/main" id="{FF21847C-12F3-4C41-9C8E-3917C11A6363}"/>
-              </a:ext>
-            </a:extLst>
-          </p:cNvPr>
+          <p:cNvPr id="2" name="标题 1"/>
           <p:cNvSpPr>
             <a:spLocks noGrp="1"/>
           </p:cNvSpPr>
@@ -197,18 +186,13 @@
               <a:rPr kumimoji="1" lang="zh-CN" altLang="en-US"/>
               <a:t>单击此处编辑母版标题样式</a:t>
             </a:r>
-          </a:p>
-        </p:txBody>
-      </p:sp>
-      <p:sp>
-        <p:nvSpPr>
-          <p:cNvPr id="3" name="副标题 2">
-            <a:extLst>
-              <a:ext uri="{FF2B5EF4-FFF2-40B4-BE49-F238E27FC236}">
-                <a16:creationId xmlns:a16="http://schemas.microsoft.com/office/drawing/2014/main" id="{F8C9A039-CD4B-F34C-8E87-C43A815C79A3}"/>
-              </a:ext>
-            </a:extLst>
-          </p:cNvPr>
+            <a:endParaRPr kumimoji="1" lang="zh-CN" altLang="en-US"/>
+          </a:p>
+        </p:txBody>
+      </p:sp>
+      <p:sp>
+        <p:nvSpPr>
+          <p:cNvPr id="3" name="副标题 2"/>
           <p:cNvSpPr>
             <a:spLocks noGrp="1"/>
           </p:cNvSpPr>
@@ -267,18 +251,13 @@
               <a:rPr kumimoji="1" lang="zh-CN" altLang="en-US"/>
               <a:t>单击此处编辑母版副标题样式</a:t>
             </a:r>
-          </a:p>
-        </p:txBody>
-      </p:sp>
-      <p:sp>
-        <p:nvSpPr>
-          <p:cNvPr id="4" name="日期占位符 3">
-            <a:extLst>
-              <a:ext uri="{FF2B5EF4-FFF2-40B4-BE49-F238E27FC236}">
-                <a16:creationId xmlns:a16="http://schemas.microsoft.com/office/drawing/2014/main" id="{4F7AFAFB-3806-4F46-8548-0AC343199463}"/>
-              </a:ext>
-            </a:extLst>
-          </p:cNvPr>
+            <a:endParaRPr kumimoji="1" lang="zh-CN" altLang="en-US"/>
+          </a:p>
+        </p:txBody>
+      </p:sp>
+      <p:sp>
+        <p:nvSpPr>
+          <p:cNvPr id="4" name="日期占位符 3"/>
           <p:cNvSpPr>
             <a:spLocks noGrp="1"/>
           </p:cNvSpPr>
@@ -293,7 +272,6 @@
           <a:p>
             <a:fld id="{D4CFBBBD-DB2F-F641-939B-B00A71D9CE0E}" type="datetimeFigureOut">
               <a:rPr kumimoji="1" lang="zh-CN" altLang="en-US" smtClean="0"/>
-              <a:t>2020/4/8</a:t>
             </a:fld>
             <a:endParaRPr kumimoji="1" lang="zh-CN" altLang="en-US"/>
           </a:p>
@@ -301,13 +279,7 @@
       </p:sp>
       <p:sp>
         <p:nvSpPr>
-          <p:cNvPr id="5" name="页脚占位符 4">
-            <a:extLst>
-              <a:ext uri="{FF2B5EF4-FFF2-40B4-BE49-F238E27FC236}">
-                <a16:creationId xmlns:a16="http://schemas.microsoft.com/office/drawing/2014/main" id="{E9B801A7-6E53-8F4F-98C1-86609ABAAB85}"/>
-              </a:ext>
-            </a:extLst>
-          </p:cNvPr>
+          <p:cNvPr id="5" name="页脚占位符 4"/>
           <p:cNvSpPr>
             <a:spLocks noGrp="1"/>
           </p:cNvSpPr>
@@ -326,13 +298,7 @@
       </p:sp>
       <p:sp>
         <p:nvSpPr>
-          <p:cNvPr id="6" name="灯片编号占位符 5">
-            <a:extLst>
-              <a:ext uri="{FF2B5EF4-FFF2-40B4-BE49-F238E27FC236}">
-                <a16:creationId xmlns:a16="http://schemas.microsoft.com/office/drawing/2014/main" id="{0F67ABC8-98F0-F04A-A79C-21ECF95CFD32}"/>
-              </a:ext>
-            </a:extLst>
-          </p:cNvPr>
+          <p:cNvPr id="6" name="灯片编号占位符 5"/>
           <p:cNvSpPr>
             <a:spLocks noGrp="1"/>
           </p:cNvSpPr>
@@ -347,18 +313,12 @@
           <a:p>
             <a:fld id="{477C2526-073D-C547-BD2E-62977487A5AE}" type="slidenum">
               <a:rPr kumimoji="1" lang="zh-CN" altLang="en-US" smtClean="0"/>
-              <a:t>‹#›</a:t>
             </a:fld>
             <a:endParaRPr kumimoji="1" lang="zh-CN" altLang="en-US"/>
           </a:p>
         </p:txBody>
       </p:sp>
     </p:spTree>
-    <p:extLst>
-      <p:ext uri="{BB962C8B-B14F-4D97-AF65-F5344CB8AC3E}">
-        <p14:creationId xmlns:p14="http://schemas.microsoft.com/office/powerpoint/2010/main" val="1582920923"/>
-      </p:ext>
-    </p:extLst>
   </p:cSld>
   <p:clrMapOvr>
     <a:masterClrMapping/>
@@ -385,13 +345,7 @@
       </p:grpSpPr>
       <p:sp>
         <p:nvSpPr>
-          <p:cNvPr id="2" name="标题 1">
-            <a:extLst>
-              <a:ext uri="{FF2B5EF4-FFF2-40B4-BE49-F238E27FC236}">
-                <a16:creationId xmlns:a16="http://schemas.microsoft.com/office/drawing/2014/main" id="{3A2F4C75-573D-F149-8508-7DA91B00F105}"/>
-              </a:ext>
-            </a:extLst>
-          </p:cNvPr>
+          <p:cNvPr id="2" name="标题 1"/>
           <p:cNvSpPr>
             <a:spLocks noGrp="1"/>
           </p:cNvSpPr>
@@ -408,18 +362,13 @@
               <a:rPr kumimoji="1" lang="zh-CN" altLang="en-US"/>
               <a:t>单击此处编辑母版标题样式</a:t>
             </a:r>
-          </a:p>
-        </p:txBody>
-      </p:sp>
-      <p:sp>
-        <p:nvSpPr>
-          <p:cNvPr id="3" name="竖排文字占位符 2">
-            <a:extLst>
-              <a:ext uri="{FF2B5EF4-FFF2-40B4-BE49-F238E27FC236}">
-                <a16:creationId xmlns:a16="http://schemas.microsoft.com/office/drawing/2014/main" id="{98571B70-6B86-2E48-A47C-86FAA6F627C9}"/>
-              </a:ext>
-            </a:extLst>
-          </p:cNvPr>
+            <a:endParaRPr kumimoji="1" lang="zh-CN" altLang="en-US"/>
+          </a:p>
+        </p:txBody>
+      </p:sp>
+      <p:sp>
+        <p:nvSpPr>
+          <p:cNvPr id="3" name="竖排文字占位符 2"/>
           <p:cNvSpPr>
             <a:spLocks noGrp="1"/>
           </p:cNvSpPr>
@@ -437,6 +386,7 @@
               <a:rPr kumimoji="1" lang="zh-CN" altLang="en-US"/>
               <a:t>单击此处编辑母版文本样式</a:t>
             </a:r>
+            <a:endParaRPr kumimoji="1" lang="zh-CN" altLang="en-US"/>
           </a:p>
           <a:p>
             <a:pPr lvl="1"/>
@@ -444,6 +394,7 @@
               <a:rPr kumimoji="1" lang="zh-CN" altLang="en-US"/>
               <a:t>二级</a:t>
             </a:r>
+            <a:endParaRPr kumimoji="1" lang="zh-CN" altLang="en-US"/>
           </a:p>
           <a:p>
             <a:pPr lvl="2"/>
@@ -451,6 +402,7 @@
               <a:rPr kumimoji="1" lang="zh-CN" altLang="en-US"/>
               <a:t>三级</a:t>
             </a:r>
+            <a:endParaRPr kumimoji="1" lang="zh-CN" altLang="en-US"/>
           </a:p>
           <a:p>
             <a:pPr lvl="3"/>
@@ -458,6 +410,7 @@
               <a:rPr kumimoji="1" lang="zh-CN" altLang="en-US"/>
               <a:t>四级</a:t>
             </a:r>
+            <a:endParaRPr kumimoji="1" lang="zh-CN" altLang="en-US"/>
           </a:p>
           <a:p>
             <a:pPr lvl="4"/>
@@ -465,18 +418,13 @@
               <a:rPr kumimoji="1" lang="zh-CN" altLang="en-US"/>
               <a:t>五级</a:t>
             </a:r>
-          </a:p>
-        </p:txBody>
-      </p:sp>
-      <p:sp>
-        <p:nvSpPr>
-          <p:cNvPr id="4" name="日期占位符 3">
-            <a:extLst>
-              <a:ext uri="{FF2B5EF4-FFF2-40B4-BE49-F238E27FC236}">
-                <a16:creationId xmlns:a16="http://schemas.microsoft.com/office/drawing/2014/main" id="{EA52DDC9-3341-7B42-91CA-2DEFCEFB9ABA}"/>
-              </a:ext>
-            </a:extLst>
-          </p:cNvPr>
+            <a:endParaRPr kumimoji="1" lang="zh-CN" altLang="en-US"/>
+          </a:p>
+        </p:txBody>
+      </p:sp>
+      <p:sp>
+        <p:nvSpPr>
+          <p:cNvPr id="4" name="日期占位符 3"/>
           <p:cNvSpPr>
             <a:spLocks noGrp="1"/>
           </p:cNvSpPr>
@@ -491,7 +439,6 @@
           <a:p>
             <a:fld id="{D4CFBBBD-DB2F-F641-939B-B00A71D9CE0E}" type="datetimeFigureOut">
               <a:rPr kumimoji="1" lang="zh-CN" altLang="en-US" smtClean="0"/>
-              <a:t>2020/4/8</a:t>
             </a:fld>
             <a:endParaRPr kumimoji="1" lang="zh-CN" altLang="en-US"/>
           </a:p>
@@ -499,13 +446,7 @@
       </p:sp>
       <p:sp>
         <p:nvSpPr>
-          <p:cNvPr id="5" name="页脚占位符 4">
-            <a:extLst>
-              <a:ext uri="{FF2B5EF4-FFF2-40B4-BE49-F238E27FC236}">
-                <a16:creationId xmlns:a16="http://schemas.microsoft.com/office/drawing/2014/main" id="{7C556996-7ADA-304E-B39B-E2FF3FA83BE7}"/>
-              </a:ext>
-            </a:extLst>
-          </p:cNvPr>
+          <p:cNvPr id="5" name="页脚占位符 4"/>
           <p:cNvSpPr>
             <a:spLocks noGrp="1"/>
           </p:cNvSpPr>
@@ -524,13 +465,7 @@
       </p:sp>
       <p:sp>
         <p:nvSpPr>
-          <p:cNvPr id="6" name="灯片编号占位符 5">
-            <a:extLst>
-              <a:ext uri="{FF2B5EF4-FFF2-40B4-BE49-F238E27FC236}">
-                <a16:creationId xmlns:a16="http://schemas.microsoft.com/office/drawing/2014/main" id="{57846561-F88F-2B4D-BC43-F3E47D7E6228}"/>
-              </a:ext>
-            </a:extLst>
-          </p:cNvPr>
+          <p:cNvPr id="6" name="灯片编号占位符 5"/>
           <p:cNvSpPr>
             <a:spLocks noGrp="1"/>
           </p:cNvSpPr>
@@ -545,18 +480,12 @@
           <a:p>
             <a:fld id="{477C2526-073D-C547-BD2E-62977487A5AE}" type="slidenum">
               <a:rPr kumimoji="1" lang="zh-CN" altLang="en-US" smtClean="0"/>
-              <a:t>‹#›</a:t>
             </a:fld>
             <a:endParaRPr kumimoji="1" lang="zh-CN" altLang="en-US"/>
           </a:p>
         </p:txBody>
       </p:sp>
     </p:spTree>
-    <p:extLst>
-      <p:ext uri="{BB962C8B-B14F-4D97-AF65-F5344CB8AC3E}">
-        <p14:creationId xmlns:p14="http://schemas.microsoft.com/office/powerpoint/2010/main" val="1411986781"/>
-      </p:ext>
-    </p:extLst>
   </p:cSld>
   <p:clrMapOvr>
     <a:masterClrMapping/>
@@ -583,13 +512,7 @@
       </p:grpSpPr>
       <p:sp>
         <p:nvSpPr>
-          <p:cNvPr id="2" name="竖排标题 1">
-            <a:extLst>
-              <a:ext uri="{FF2B5EF4-FFF2-40B4-BE49-F238E27FC236}">
-                <a16:creationId xmlns:a16="http://schemas.microsoft.com/office/drawing/2014/main" id="{69F72A53-5DD6-5B49-B95C-CD96633EA7BE}"/>
-              </a:ext>
-            </a:extLst>
-          </p:cNvPr>
+          <p:cNvPr id="2" name="竖排标题 1"/>
           <p:cNvSpPr>
             <a:spLocks noGrp="1"/>
           </p:cNvSpPr>
@@ -611,18 +534,13 @@
               <a:rPr kumimoji="1" lang="zh-CN" altLang="en-US"/>
               <a:t>单击此处编辑母版标题样式</a:t>
             </a:r>
-          </a:p>
-        </p:txBody>
-      </p:sp>
-      <p:sp>
-        <p:nvSpPr>
-          <p:cNvPr id="3" name="竖排文字占位符 2">
-            <a:extLst>
-              <a:ext uri="{FF2B5EF4-FFF2-40B4-BE49-F238E27FC236}">
-                <a16:creationId xmlns:a16="http://schemas.microsoft.com/office/drawing/2014/main" id="{DB4966CC-CAC3-4044-9F58-4B733BF70321}"/>
-              </a:ext>
-            </a:extLst>
-          </p:cNvPr>
+            <a:endParaRPr kumimoji="1" lang="zh-CN" altLang="en-US"/>
+          </a:p>
+        </p:txBody>
+      </p:sp>
+      <p:sp>
+        <p:nvSpPr>
+          <p:cNvPr id="3" name="竖排文字占位符 2"/>
           <p:cNvSpPr>
             <a:spLocks noGrp="1"/>
           </p:cNvSpPr>
@@ -645,6 +563,7 @@
               <a:rPr kumimoji="1" lang="zh-CN" altLang="en-US"/>
               <a:t>单击此处编辑母版文本样式</a:t>
             </a:r>
+            <a:endParaRPr kumimoji="1" lang="zh-CN" altLang="en-US"/>
           </a:p>
           <a:p>
             <a:pPr lvl="1"/>
@@ -652,6 +571,7 @@
               <a:rPr kumimoji="1" lang="zh-CN" altLang="en-US"/>
               <a:t>二级</a:t>
             </a:r>
+            <a:endParaRPr kumimoji="1" lang="zh-CN" altLang="en-US"/>
           </a:p>
           <a:p>
             <a:pPr lvl="2"/>
@@ -659,6 +579,7 @@
               <a:rPr kumimoji="1" lang="zh-CN" altLang="en-US"/>
               <a:t>三级</a:t>
             </a:r>
+            <a:endParaRPr kumimoji="1" lang="zh-CN" altLang="en-US"/>
           </a:p>
           <a:p>
             <a:pPr lvl="3"/>
@@ -666,6 +587,7 @@
               <a:rPr kumimoji="1" lang="zh-CN" altLang="en-US"/>
               <a:t>四级</a:t>
             </a:r>
+            <a:endParaRPr kumimoji="1" lang="zh-CN" altLang="en-US"/>
           </a:p>
           <a:p>
             <a:pPr lvl="4"/>
@@ -673,18 +595,13 @@
               <a:rPr kumimoji="1" lang="zh-CN" altLang="en-US"/>
               <a:t>五级</a:t>
             </a:r>
-          </a:p>
-        </p:txBody>
-      </p:sp>
-      <p:sp>
-        <p:nvSpPr>
-          <p:cNvPr id="4" name="日期占位符 3">
-            <a:extLst>
-              <a:ext uri="{FF2B5EF4-FFF2-40B4-BE49-F238E27FC236}">
-                <a16:creationId xmlns:a16="http://schemas.microsoft.com/office/drawing/2014/main" id="{C3B29368-F904-224F-8D07-F4D2489F605E}"/>
-              </a:ext>
-            </a:extLst>
-          </p:cNvPr>
+            <a:endParaRPr kumimoji="1" lang="zh-CN" altLang="en-US"/>
+          </a:p>
+        </p:txBody>
+      </p:sp>
+      <p:sp>
+        <p:nvSpPr>
+          <p:cNvPr id="4" name="日期占位符 3"/>
           <p:cNvSpPr>
             <a:spLocks noGrp="1"/>
           </p:cNvSpPr>
@@ -699,7 +616,6 @@
           <a:p>
             <a:fld id="{D4CFBBBD-DB2F-F641-939B-B00A71D9CE0E}" type="datetimeFigureOut">
               <a:rPr kumimoji="1" lang="zh-CN" altLang="en-US" smtClean="0"/>
-              <a:t>2020/4/8</a:t>
             </a:fld>
             <a:endParaRPr kumimoji="1" lang="zh-CN" altLang="en-US"/>
           </a:p>
@@ -707,13 +623,7 @@
       </p:sp>
       <p:sp>
         <p:nvSpPr>
-          <p:cNvPr id="5" name="页脚占位符 4">
-            <a:extLst>
-              <a:ext uri="{FF2B5EF4-FFF2-40B4-BE49-F238E27FC236}">
-                <a16:creationId xmlns:a16="http://schemas.microsoft.com/office/drawing/2014/main" id="{C245831F-485B-D545-9E7F-4780A1B8667A}"/>
-              </a:ext>
-            </a:extLst>
-          </p:cNvPr>
+          <p:cNvPr id="5" name="页脚占位符 4"/>
           <p:cNvSpPr>
             <a:spLocks noGrp="1"/>
           </p:cNvSpPr>
@@ -732,13 +642,7 @@
       </p:sp>
       <p:sp>
         <p:nvSpPr>
-          <p:cNvPr id="6" name="灯片编号占位符 5">
-            <a:extLst>
-              <a:ext uri="{FF2B5EF4-FFF2-40B4-BE49-F238E27FC236}">
-                <a16:creationId xmlns:a16="http://schemas.microsoft.com/office/drawing/2014/main" id="{13402553-1CF1-0D41-8725-B4302EE7CD33}"/>
-              </a:ext>
-            </a:extLst>
-          </p:cNvPr>
+          <p:cNvPr id="6" name="灯片编号占位符 5"/>
           <p:cNvSpPr>
             <a:spLocks noGrp="1"/>
           </p:cNvSpPr>
@@ -753,18 +657,12 @@
           <a:p>
             <a:fld id="{477C2526-073D-C547-BD2E-62977487A5AE}" type="slidenum">
               <a:rPr kumimoji="1" lang="zh-CN" altLang="en-US" smtClean="0"/>
-              <a:t>‹#›</a:t>
             </a:fld>
             <a:endParaRPr kumimoji="1" lang="zh-CN" altLang="en-US"/>
           </a:p>
         </p:txBody>
       </p:sp>
     </p:spTree>
-    <p:extLst>
-      <p:ext uri="{BB962C8B-B14F-4D97-AF65-F5344CB8AC3E}">
-        <p14:creationId xmlns:p14="http://schemas.microsoft.com/office/powerpoint/2010/main" val="1890920590"/>
-      </p:ext>
-    </p:extLst>
   </p:cSld>
   <p:clrMapOvr>
     <a:masterClrMapping/>
@@ -791,13 +689,7 @@
       </p:grpSpPr>
       <p:sp>
         <p:nvSpPr>
-          <p:cNvPr id="2" name="标题 1">
-            <a:extLst>
-              <a:ext uri="{FF2B5EF4-FFF2-40B4-BE49-F238E27FC236}">
-                <a16:creationId xmlns:a16="http://schemas.microsoft.com/office/drawing/2014/main" id="{60C4EEF8-ED63-114B-AC06-405061D3AC8B}"/>
-              </a:ext>
-            </a:extLst>
-          </p:cNvPr>
+          <p:cNvPr id="2" name="标题 1"/>
           <p:cNvSpPr>
             <a:spLocks noGrp="1"/>
           </p:cNvSpPr>
@@ -814,18 +706,13 @@
               <a:rPr kumimoji="1" lang="zh-CN" altLang="en-US"/>
               <a:t>单击此处编辑母版标题样式</a:t>
             </a:r>
-          </a:p>
-        </p:txBody>
-      </p:sp>
-      <p:sp>
-        <p:nvSpPr>
-          <p:cNvPr id="3" name="内容占位符 2">
-            <a:extLst>
-              <a:ext uri="{FF2B5EF4-FFF2-40B4-BE49-F238E27FC236}">
-                <a16:creationId xmlns:a16="http://schemas.microsoft.com/office/drawing/2014/main" id="{DD0FE894-1380-8F4D-A842-AA9A8A8E9B9A}"/>
-              </a:ext>
-            </a:extLst>
-          </p:cNvPr>
+            <a:endParaRPr kumimoji="1" lang="zh-CN" altLang="en-US"/>
+          </a:p>
+        </p:txBody>
+      </p:sp>
+      <p:sp>
+        <p:nvSpPr>
+          <p:cNvPr id="3" name="内容占位符 2"/>
           <p:cNvSpPr>
             <a:spLocks noGrp="1"/>
           </p:cNvSpPr>
@@ -843,6 +730,7 @@
               <a:rPr kumimoji="1" lang="zh-CN" altLang="en-US"/>
               <a:t>单击此处编辑母版文本样式</a:t>
             </a:r>
+            <a:endParaRPr kumimoji="1" lang="zh-CN" altLang="en-US"/>
           </a:p>
           <a:p>
             <a:pPr lvl="1"/>
@@ -850,6 +738,7 @@
               <a:rPr kumimoji="1" lang="zh-CN" altLang="en-US"/>
               <a:t>二级</a:t>
             </a:r>
+            <a:endParaRPr kumimoji="1" lang="zh-CN" altLang="en-US"/>
           </a:p>
           <a:p>
             <a:pPr lvl="2"/>
@@ -857,6 +746,7 @@
               <a:rPr kumimoji="1" lang="zh-CN" altLang="en-US"/>
               <a:t>三级</a:t>
             </a:r>
+            <a:endParaRPr kumimoji="1" lang="zh-CN" altLang="en-US"/>
           </a:p>
           <a:p>
             <a:pPr lvl="3"/>
@@ -864,6 +754,7 @@
               <a:rPr kumimoji="1" lang="zh-CN" altLang="en-US"/>
               <a:t>四级</a:t>
             </a:r>
+            <a:endParaRPr kumimoji="1" lang="zh-CN" altLang="en-US"/>
           </a:p>
           <a:p>
             <a:pPr lvl="4"/>
@@ -871,18 +762,13 @@
               <a:rPr kumimoji="1" lang="zh-CN" altLang="en-US"/>
               <a:t>五级</a:t>
             </a:r>
-          </a:p>
-        </p:txBody>
-      </p:sp>
-      <p:sp>
-        <p:nvSpPr>
-          <p:cNvPr id="4" name="日期占位符 3">
-            <a:extLst>
-              <a:ext uri="{FF2B5EF4-FFF2-40B4-BE49-F238E27FC236}">
-                <a16:creationId xmlns:a16="http://schemas.microsoft.com/office/drawing/2014/main" id="{D0381148-AE8D-7C47-8CAC-0C82ABE0BA07}"/>
-              </a:ext>
-            </a:extLst>
-          </p:cNvPr>
+            <a:endParaRPr kumimoji="1" lang="zh-CN" altLang="en-US"/>
+          </a:p>
+        </p:txBody>
+      </p:sp>
+      <p:sp>
+        <p:nvSpPr>
+          <p:cNvPr id="4" name="日期占位符 3"/>
           <p:cNvSpPr>
             <a:spLocks noGrp="1"/>
           </p:cNvSpPr>
@@ -897,7 +783,6 @@
           <a:p>
             <a:fld id="{D4CFBBBD-DB2F-F641-939B-B00A71D9CE0E}" type="datetimeFigureOut">
               <a:rPr kumimoji="1" lang="zh-CN" altLang="en-US" smtClean="0"/>
-              <a:t>2020/4/8</a:t>
             </a:fld>
             <a:endParaRPr kumimoji="1" lang="zh-CN" altLang="en-US"/>
           </a:p>
@@ -905,13 +790,7 @@
       </p:sp>
       <p:sp>
         <p:nvSpPr>
-          <p:cNvPr id="5" name="页脚占位符 4">
-            <a:extLst>
-              <a:ext uri="{FF2B5EF4-FFF2-40B4-BE49-F238E27FC236}">
-                <a16:creationId xmlns:a16="http://schemas.microsoft.com/office/drawing/2014/main" id="{19143EAD-566B-1A42-86CE-EF07047134DA}"/>
-              </a:ext>
-            </a:extLst>
-          </p:cNvPr>
+          <p:cNvPr id="5" name="页脚占位符 4"/>
           <p:cNvSpPr>
             <a:spLocks noGrp="1"/>
           </p:cNvSpPr>
@@ -930,13 +809,7 @@
       </p:sp>
       <p:sp>
         <p:nvSpPr>
-          <p:cNvPr id="6" name="灯片编号占位符 5">
-            <a:extLst>
-              <a:ext uri="{FF2B5EF4-FFF2-40B4-BE49-F238E27FC236}">
-                <a16:creationId xmlns:a16="http://schemas.microsoft.com/office/drawing/2014/main" id="{6EE133BB-24BD-4547-AE13-5C48E2AAF97A}"/>
-              </a:ext>
-            </a:extLst>
-          </p:cNvPr>
+          <p:cNvPr id="6" name="灯片编号占位符 5"/>
           <p:cNvSpPr>
             <a:spLocks noGrp="1"/>
           </p:cNvSpPr>
@@ -951,18 +824,12 @@
           <a:p>
             <a:fld id="{477C2526-073D-C547-BD2E-62977487A5AE}" type="slidenum">
               <a:rPr kumimoji="1" lang="zh-CN" altLang="en-US" smtClean="0"/>
-              <a:t>‹#›</a:t>
             </a:fld>
             <a:endParaRPr kumimoji="1" lang="zh-CN" altLang="en-US"/>
           </a:p>
         </p:txBody>
       </p:sp>
     </p:spTree>
-    <p:extLst>
-      <p:ext uri="{BB962C8B-B14F-4D97-AF65-F5344CB8AC3E}">
-        <p14:creationId xmlns:p14="http://schemas.microsoft.com/office/powerpoint/2010/main" val="158240446"/>
-      </p:ext>
-    </p:extLst>
   </p:cSld>
   <p:clrMapOvr>
     <a:masterClrMapping/>
@@ -989,13 +856,7 @@
       </p:grpSpPr>
       <p:sp>
         <p:nvSpPr>
-          <p:cNvPr id="2" name="标题 1">
-            <a:extLst>
-              <a:ext uri="{FF2B5EF4-FFF2-40B4-BE49-F238E27FC236}">
-                <a16:creationId xmlns:a16="http://schemas.microsoft.com/office/drawing/2014/main" id="{A973AF45-CB7E-BD44-8473-0C2FDC17176A}"/>
-              </a:ext>
-            </a:extLst>
-          </p:cNvPr>
+          <p:cNvPr id="2" name="标题 1"/>
           <p:cNvSpPr>
             <a:spLocks noGrp="1"/>
           </p:cNvSpPr>
@@ -1021,18 +882,13 @@
               <a:rPr kumimoji="1" lang="zh-CN" altLang="en-US"/>
               <a:t>单击此处编辑母版标题样式</a:t>
             </a:r>
-          </a:p>
-        </p:txBody>
-      </p:sp>
-      <p:sp>
-        <p:nvSpPr>
-          <p:cNvPr id="3" name="文本占位符 2">
-            <a:extLst>
-              <a:ext uri="{FF2B5EF4-FFF2-40B4-BE49-F238E27FC236}">
-                <a16:creationId xmlns:a16="http://schemas.microsoft.com/office/drawing/2014/main" id="{6D001B99-654A-7D48-A491-54C116C1CFB3}"/>
-              </a:ext>
-            </a:extLst>
-          </p:cNvPr>
+            <a:endParaRPr kumimoji="1" lang="zh-CN" altLang="en-US"/>
+          </a:p>
+        </p:txBody>
+      </p:sp>
+      <p:sp>
+        <p:nvSpPr>
+          <p:cNvPr id="3" name="文本占位符 2"/>
           <p:cNvSpPr>
             <a:spLocks noGrp="1"/>
           </p:cNvSpPr>
@@ -1146,18 +1002,13 @@
               <a:rPr kumimoji="1" lang="zh-CN" altLang="en-US"/>
               <a:t>单击此处编辑母版文本样式</a:t>
             </a:r>
-          </a:p>
-        </p:txBody>
-      </p:sp>
-      <p:sp>
-        <p:nvSpPr>
-          <p:cNvPr id="4" name="日期占位符 3">
-            <a:extLst>
-              <a:ext uri="{FF2B5EF4-FFF2-40B4-BE49-F238E27FC236}">
-                <a16:creationId xmlns:a16="http://schemas.microsoft.com/office/drawing/2014/main" id="{C0B868B8-9ACD-B542-A847-926255305F83}"/>
-              </a:ext>
-            </a:extLst>
-          </p:cNvPr>
+            <a:endParaRPr kumimoji="1" lang="zh-CN" altLang="en-US"/>
+          </a:p>
+        </p:txBody>
+      </p:sp>
+      <p:sp>
+        <p:nvSpPr>
+          <p:cNvPr id="4" name="日期占位符 3"/>
           <p:cNvSpPr>
             <a:spLocks noGrp="1"/>
           </p:cNvSpPr>
@@ -1172,7 +1023,6 @@
           <a:p>
             <a:fld id="{D4CFBBBD-DB2F-F641-939B-B00A71D9CE0E}" type="datetimeFigureOut">
               <a:rPr kumimoji="1" lang="zh-CN" altLang="en-US" smtClean="0"/>
-              <a:t>2020/4/8</a:t>
             </a:fld>
             <a:endParaRPr kumimoji="1" lang="zh-CN" altLang="en-US"/>
           </a:p>
@@ -1180,13 +1030,7 @@
       </p:sp>
       <p:sp>
         <p:nvSpPr>
-          <p:cNvPr id="5" name="页脚占位符 4">
-            <a:extLst>
-              <a:ext uri="{FF2B5EF4-FFF2-40B4-BE49-F238E27FC236}">
-                <a16:creationId xmlns:a16="http://schemas.microsoft.com/office/drawing/2014/main" id="{166F7C28-6DC7-1B48-9DE2-556840B5039B}"/>
-              </a:ext>
-            </a:extLst>
-          </p:cNvPr>
+          <p:cNvPr id="5" name="页脚占位符 4"/>
           <p:cNvSpPr>
             <a:spLocks noGrp="1"/>
           </p:cNvSpPr>
@@ -1205,13 +1049,7 @@
       </p:sp>
       <p:sp>
         <p:nvSpPr>
-          <p:cNvPr id="6" name="灯片编号占位符 5">
-            <a:extLst>
-              <a:ext uri="{FF2B5EF4-FFF2-40B4-BE49-F238E27FC236}">
-                <a16:creationId xmlns:a16="http://schemas.microsoft.com/office/drawing/2014/main" id="{7B7AAEFC-4D3E-FE40-8C05-E7F65160AB1A}"/>
-              </a:ext>
-            </a:extLst>
-          </p:cNvPr>
+          <p:cNvPr id="6" name="灯片编号占位符 5"/>
           <p:cNvSpPr>
             <a:spLocks noGrp="1"/>
           </p:cNvSpPr>
@@ -1226,18 +1064,12 @@
           <a:p>
             <a:fld id="{477C2526-073D-C547-BD2E-62977487A5AE}" type="slidenum">
               <a:rPr kumimoji="1" lang="zh-CN" altLang="en-US" smtClean="0"/>
-              <a:t>‹#›</a:t>
             </a:fld>
             <a:endParaRPr kumimoji="1" lang="zh-CN" altLang="en-US"/>
           </a:p>
         </p:txBody>
       </p:sp>
     </p:spTree>
-    <p:extLst>
-      <p:ext uri="{BB962C8B-B14F-4D97-AF65-F5344CB8AC3E}">
-        <p14:creationId xmlns:p14="http://schemas.microsoft.com/office/powerpoint/2010/main" val="1179299620"/>
-      </p:ext>
-    </p:extLst>
   </p:cSld>
   <p:clrMapOvr>
     <a:masterClrMapping/>
@@ -1264,13 +1096,7 @@
       </p:grpSpPr>
       <p:sp>
         <p:nvSpPr>
-          <p:cNvPr id="2" name="标题 1">
-            <a:extLst>
-              <a:ext uri="{FF2B5EF4-FFF2-40B4-BE49-F238E27FC236}">
-                <a16:creationId xmlns:a16="http://schemas.microsoft.com/office/drawing/2014/main" id="{97378A8C-1F41-3945-AACC-5D4BE56BD6AD}"/>
-              </a:ext>
-            </a:extLst>
-          </p:cNvPr>
+          <p:cNvPr id="2" name="标题 1"/>
           <p:cNvSpPr>
             <a:spLocks noGrp="1"/>
           </p:cNvSpPr>
@@ -1287,18 +1113,13 @@
               <a:rPr kumimoji="1" lang="zh-CN" altLang="en-US"/>
               <a:t>单击此处编辑母版标题样式</a:t>
             </a:r>
-          </a:p>
-        </p:txBody>
-      </p:sp>
-      <p:sp>
-        <p:nvSpPr>
-          <p:cNvPr id="3" name="内容占位符 2">
-            <a:extLst>
-              <a:ext uri="{FF2B5EF4-FFF2-40B4-BE49-F238E27FC236}">
-                <a16:creationId xmlns:a16="http://schemas.microsoft.com/office/drawing/2014/main" id="{E45912C1-FE4B-344F-8AF4-2F3BCE8F67BD}"/>
-              </a:ext>
-            </a:extLst>
-          </p:cNvPr>
+            <a:endParaRPr kumimoji="1" lang="zh-CN" altLang="en-US"/>
+          </a:p>
+        </p:txBody>
+      </p:sp>
+      <p:sp>
+        <p:nvSpPr>
+          <p:cNvPr id="3" name="内容占位符 2"/>
           <p:cNvSpPr>
             <a:spLocks noGrp="1"/>
           </p:cNvSpPr>
@@ -1321,6 +1142,7 @@
               <a:rPr kumimoji="1" lang="zh-CN" altLang="en-US"/>
               <a:t>单击此处编辑母版文本样式</a:t>
             </a:r>
+            <a:endParaRPr kumimoji="1" lang="zh-CN" altLang="en-US"/>
           </a:p>
           <a:p>
             <a:pPr lvl="1"/>
@@ -1328,6 +1150,7 @@
               <a:rPr kumimoji="1" lang="zh-CN" altLang="en-US"/>
               <a:t>二级</a:t>
             </a:r>
+            <a:endParaRPr kumimoji="1" lang="zh-CN" altLang="en-US"/>
           </a:p>
           <a:p>
             <a:pPr lvl="2"/>
@@ -1335,6 +1158,7 @@
               <a:rPr kumimoji="1" lang="zh-CN" altLang="en-US"/>
               <a:t>三级</a:t>
             </a:r>
+            <a:endParaRPr kumimoji="1" lang="zh-CN" altLang="en-US"/>
           </a:p>
           <a:p>
             <a:pPr lvl="3"/>
@@ -1342,6 +1166,7 @@
               <a:rPr kumimoji="1" lang="zh-CN" altLang="en-US"/>
               <a:t>四级</a:t>
             </a:r>
+            <a:endParaRPr kumimoji="1" lang="zh-CN" altLang="en-US"/>
           </a:p>
           <a:p>
             <a:pPr lvl="4"/>
@@ -1349,18 +1174,13 @@
               <a:rPr kumimoji="1" lang="zh-CN" altLang="en-US"/>
               <a:t>五级</a:t>
             </a:r>
-          </a:p>
-        </p:txBody>
-      </p:sp>
-      <p:sp>
-        <p:nvSpPr>
-          <p:cNvPr id="4" name="内容占位符 3">
-            <a:extLst>
-              <a:ext uri="{FF2B5EF4-FFF2-40B4-BE49-F238E27FC236}">
-                <a16:creationId xmlns:a16="http://schemas.microsoft.com/office/drawing/2014/main" id="{980C35DF-CDDC-644D-8B9F-5E05862147C6}"/>
-              </a:ext>
-            </a:extLst>
-          </p:cNvPr>
+            <a:endParaRPr kumimoji="1" lang="zh-CN" altLang="en-US"/>
+          </a:p>
+        </p:txBody>
+      </p:sp>
+      <p:sp>
+        <p:nvSpPr>
+          <p:cNvPr id="4" name="内容占位符 3"/>
           <p:cNvSpPr>
             <a:spLocks noGrp="1"/>
           </p:cNvSpPr>
@@ -1383,6 +1203,7 @@
               <a:rPr kumimoji="1" lang="zh-CN" altLang="en-US"/>
               <a:t>单击此处编辑母版文本样式</a:t>
             </a:r>
+            <a:endParaRPr kumimoji="1" lang="zh-CN" altLang="en-US"/>
           </a:p>
           <a:p>
             <a:pPr lvl="1"/>
@@ -1390,6 +1211,7 @@
               <a:rPr kumimoji="1" lang="zh-CN" altLang="en-US"/>
               <a:t>二级</a:t>
             </a:r>
+            <a:endParaRPr kumimoji="1" lang="zh-CN" altLang="en-US"/>
           </a:p>
           <a:p>
             <a:pPr lvl="2"/>
@@ -1397,6 +1219,7 @@
               <a:rPr kumimoji="1" lang="zh-CN" altLang="en-US"/>
               <a:t>三级</a:t>
             </a:r>
+            <a:endParaRPr kumimoji="1" lang="zh-CN" altLang="en-US"/>
           </a:p>
           <a:p>
             <a:pPr lvl="3"/>
@@ -1404,6 +1227,7 @@
               <a:rPr kumimoji="1" lang="zh-CN" altLang="en-US"/>
               <a:t>四级</a:t>
             </a:r>
+            <a:endParaRPr kumimoji="1" lang="zh-CN" altLang="en-US"/>
           </a:p>
           <a:p>
             <a:pPr lvl="4"/>
@@ -1411,18 +1235,13 @@
               <a:rPr kumimoji="1" lang="zh-CN" altLang="en-US"/>
               <a:t>五级</a:t>
             </a:r>
-          </a:p>
-        </p:txBody>
-      </p:sp>
-      <p:sp>
-        <p:nvSpPr>
-          <p:cNvPr id="5" name="日期占位符 4">
-            <a:extLst>
-              <a:ext uri="{FF2B5EF4-FFF2-40B4-BE49-F238E27FC236}">
-                <a16:creationId xmlns:a16="http://schemas.microsoft.com/office/drawing/2014/main" id="{22456EAF-E41C-5444-9177-80307407EA04}"/>
-              </a:ext>
-            </a:extLst>
-          </p:cNvPr>
+            <a:endParaRPr kumimoji="1" lang="zh-CN" altLang="en-US"/>
+          </a:p>
+        </p:txBody>
+      </p:sp>
+      <p:sp>
+        <p:nvSpPr>
+          <p:cNvPr id="5" name="日期占位符 4"/>
           <p:cNvSpPr>
             <a:spLocks noGrp="1"/>
           </p:cNvSpPr>
@@ -1437,7 +1256,6 @@
           <a:p>
             <a:fld id="{D4CFBBBD-DB2F-F641-939B-B00A71D9CE0E}" type="datetimeFigureOut">
               <a:rPr kumimoji="1" lang="zh-CN" altLang="en-US" smtClean="0"/>
-              <a:t>2020/4/8</a:t>
             </a:fld>
             <a:endParaRPr kumimoji="1" lang="zh-CN" altLang="en-US"/>
           </a:p>
@@ -1445,13 +1263,7 @@
       </p:sp>
       <p:sp>
         <p:nvSpPr>
-          <p:cNvPr id="6" name="页脚占位符 5">
-            <a:extLst>
-              <a:ext uri="{FF2B5EF4-FFF2-40B4-BE49-F238E27FC236}">
-                <a16:creationId xmlns:a16="http://schemas.microsoft.com/office/drawing/2014/main" id="{15F79838-707A-5B43-A506-521F32F06067}"/>
-              </a:ext>
-            </a:extLst>
-          </p:cNvPr>
+          <p:cNvPr id="6" name="页脚占位符 5"/>
           <p:cNvSpPr>
             <a:spLocks noGrp="1"/>
           </p:cNvSpPr>
@@ -1470,13 +1282,7 @@
       </p:sp>
       <p:sp>
         <p:nvSpPr>
-          <p:cNvPr id="7" name="灯片编号占位符 6">
-            <a:extLst>
-              <a:ext uri="{FF2B5EF4-FFF2-40B4-BE49-F238E27FC236}">
-                <a16:creationId xmlns:a16="http://schemas.microsoft.com/office/drawing/2014/main" id="{9E485527-D9D0-4840-BF83-ABE2BB9F2C4F}"/>
-              </a:ext>
-            </a:extLst>
-          </p:cNvPr>
+          <p:cNvPr id="7" name="灯片编号占位符 6"/>
           <p:cNvSpPr>
             <a:spLocks noGrp="1"/>
           </p:cNvSpPr>
@@ -1491,18 +1297,12 @@
           <a:p>
             <a:fld id="{477C2526-073D-C547-BD2E-62977487A5AE}" type="slidenum">
               <a:rPr kumimoji="1" lang="zh-CN" altLang="en-US" smtClean="0"/>
-              <a:t>‹#›</a:t>
             </a:fld>
             <a:endParaRPr kumimoji="1" lang="zh-CN" altLang="en-US"/>
           </a:p>
         </p:txBody>
       </p:sp>
     </p:spTree>
-    <p:extLst>
-      <p:ext uri="{BB962C8B-B14F-4D97-AF65-F5344CB8AC3E}">
-        <p14:creationId xmlns:p14="http://schemas.microsoft.com/office/powerpoint/2010/main" val="1520637370"/>
-      </p:ext>
-    </p:extLst>
   </p:cSld>
   <p:clrMapOvr>
     <a:masterClrMapping/>
@@ -1529,13 +1329,7 @@
       </p:grpSpPr>
       <p:sp>
         <p:nvSpPr>
-          <p:cNvPr id="2" name="标题 1">
-            <a:extLst>
-              <a:ext uri="{FF2B5EF4-FFF2-40B4-BE49-F238E27FC236}">
-                <a16:creationId xmlns:a16="http://schemas.microsoft.com/office/drawing/2014/main" id="{4A9C28C3-79A9-214A-B7B3-5B3087296DC5}"/>
-              </a:ext>
-            </a:extLst>
-          </p:cNvPr>
+          <p:cNvPr id="2" name="标题 1"/>
           <p:cNvSpPr>
             <a:spLocks noGrp="1"/>
           </p:cNvSpPr>
@@ -1557,18 +1351,13 @@
               <a:rPr kumimoji="1" lang="zh-CN" altLang="en-US"/>
               <a:t>单击此处编辑母版标题样式</a:t>
             </a:r>
-          </a:p>
-        </p:txBody>
-      </p:sp>
-      <p:sp>
-        <p:nvSpPr>
-          <p:cNvPr id="3" name="文本占位符 2">
-            <a:extLst>
-              <a:ext uri="{FF2B5EF4-FFF2-40B4-BE49-F238E27FC236}">
-                <a16:creationId xmlns:a16="http://schemas.microsoft.com/office/drawing/2014/main" id="{BCF57818-864A-BD4E-BCBB-B8509515F1EB}"/>
-              </a:ext>
-            </a:extLst>
-          </p:cNvPr>
+            <a:endParaRPr kumimoji="1" lang="zh-CN" altLang="en-US"/>
+          </a:p>
+        </p:txBody>
+      </p:sp>
+      <p:sp>
+        <p:nvSpPr>
+          <p:cNvPr id="3" name="文本占位符 2"/>
           <p:cNvSpPr>
             <a:spLocks noGrp="1"/>
           </p:cNvSpPr>
@@ -1628,18 +1417,13 @@
               <a:rPr kumimoji="1" lang="zh-CN" altLang="en-US"/>
               <a:t>单击此处编辑母版文本样式</a:t>
             </a:r>
-          </a:p>
-        </p:txBody>
-      </p:sp>
-      <p:sp>
-        <p:nvSpPr>
-          <p:cNvPr id="4" name="内容占位符 3">
-            <a:extLst>
-              <a:ext uri="{FF2B5EF4-FFF2-40B4-BE49-F238E27FC236}">
-                <a16:creationId xmlns:a16="http://schemas.microsoft.com/office/drawing/2014/main" id="{9326FDA3-CCB3-EF4A-8131-139DDA764477}"/>
-              </a:ext>
-            </a:extLst>
-          </p:cNvPr>
+            <a:endParaRPr kumimoji="1" lang="zh-CN" altLang="en-US"/>
+          </a:p>
+        </p:txBody>
+      </p:sp>
+      <p:sp>
+        <p:nvSpPr>
+          <p:cNvPr id="4" name="内容占位符 3"/>
           <p:cNvSpPr>
             <a:spLocks noGrp="1"/>
           </p:cNvSpPr>
@@ -1662,6 +1446,7 @@
               <a:rPr kumimoji="1" lang="zh-CN" altLang="en-US"/>
               <a:t>单击此处编辑母版文本样式</a:t>
             </a:r>
+            <a:endParaRPr kumimoji="1" lang="zh-CN" altLang="en-US"/>
           </a:p>
           <a:p>
             <a:pPr lvl="1"/>
@@ -1669,6 +1454,7 @@
               <a:rPr kumimoji="1" lang="zh-CN" altLang="en-US"/>
               <a:t>二级</a:t>
             </a:r>
+            <a:endParaRPr kumimoji="1" lang="zh-CN" altLang="en-US"/>
           </a:p>
           <a:p>
             <a:pPr lvl="2"/>
@@ -1676,6 +1462,7 @@
               <a:rPr kumimoji="1" lang="zh-CN" altLang="en-US"/>
               <a:t>三级</a:t>
             </a:r>
+            <a:endParaRPr kumimoji="1" lang="zh-CN" altLang="en-US"/>
           </a:p>
           <a:p>
             <a:pPr lvl="3"/>
@@ -1683,6 +1470,7 @@
               <a:rPr kumimoji="1" lang="zh-CN" altLang="en-US"/>
               <a:t>四级</a:t>
             </a:r>
+            <a:endParaRPr kumimoji="1" lang="zh-CN" altLang="en-US"/>
           </a:p>
           <a:p>
             <a:pPr lvl="4"/>
@@ -1690,18 +1478,13 @@
               <a:rPr kumimoji="1" lang="zh-CN" altLang="en-US"/>
               <a:t>五级</a:t>
             </a:r>
-          </a:p>
-        </p:txBody>
-      </p:sp>
-      <p:sp>
-        <p:nvSpPr>
-          <p:cNvPr id="5" name="文本占位符 4">
-            <a:extLst>
-              <a:ext uri="{FF2B5EF4-FFF2-40B4-BE49-F238E27FC236}">
-                <a16:creationId xmlns:a16="http://schemas.microsoft.com/office/drawing/2014/main" id="{B075F274-0E02-7948-B095-7156853BE21F}"/>
-              </a:ext>
-            </a:extLst>
-          </p:cNvPr>
+            <a:endParaRPr kumimoji="1" lang="zh-CN" altLang="en-US"/>
+          </a:p>
+        </p:txBody>
+      </p:sp>
+      <p:sp>
+        <p:nvSpPr>
+          <p:cNvPr id="5" name="文本占位符 4"/>
           <p:cNvSpPr>
             <a:spLocks noGrp="1"/>
           </p:cNvSpPr>
@@ -1761,18 +1544,13 @@
               <a:rPr kumimoji="1" lang="zh-CN" altLang="en-US"/>
               <a:t>单击此处编辑母版文本样式</a:t>
             </a:r>
-          </a:p>
-        </p:txBody>
-      </p:sp>
-      <p:sp>
-        <p:nvSpPr>
-          <p:cNvPr id="6" name="内容占位符 5">
-            <a:extLst>
-              <a:ext uri="{FF2B5EF4-FFF2-40B4-BE49-F238E27FC236}">
-                <a16:creationId xmlns:a16="http://schemas.microsoft.com/office/drawing/2014/main" id="{589868FE-76B4-2E47-AD25-F0FEAFE1D768}"/>
-              </a:ext>
-            </a:extLst>
-          </p:cNvPr>
+            <a:endParaRPr kumimoji="1" lang="zh-CN" altLang="en-US"/>
+          </a:p>
+        </p:txBody>
+      </p:sp>
+      <p:sp>
+        <p:nvSpPr>
+          <p:cNvPr id="6" name="内容占位符 5"/>
           <p:cNvSpPr>
             <a:spLocks noGrp="1"/>
           </p:cNvSpPr>
@@ -1795,6 +1573,7 @@
               <a:rPr kumimoji="1" lang="zh-CN" altLang="en-US"/>
               <a:t>单击此处编辑母版文本样式</a:t>
             </a:r>
+            <a:endParaRPr kumimoji="1" lang="zh-CN" altLang="en-US"/>
           </a:p>
           <a:p>
             <a:pPr lvl="1"/>
@@ -1802,6 +1581,7 @@
               <a:rPr kumimoji="1" lang="zh-CN" altLang="en-US"/>
               <a:t>二级</a:t>
             </a:r>
+            <a:endParaRPr kumimoji="1" lang="zh-CN" altLang="en-US"/>
           </a:p>
           <a:p>
             <a:pPr lvl="2"/>
@@ -1809,6 +1589,7 @@
               <a:rPr kumimoji="1" lang="zh-CN" altLang="en-US"/>
               <a:t>三级</a:t>
             </a:r>
+            <a:endParaRPr kumimoji="1" lang="zh-CN" altLang="en-US"/>
           </a:p>
           <a:p>
             <a:pPr lvl="3"/>
@@ -1816,6 +1597,7 @@
               <a:rPr kumimoji="1" lang="zh-CN" altLang="en-US"/>
               <a:t>四级</a:t>
             </a:r>
+            <a:endParaRPr kumimoji="1" lang="zh-CN" altLang="en-US"/>
           </a:p>
           <a:p>
             <a:pPr lvl="4"/>
@@ -1823,18 +1605,13 @@
               <a:rPr kumimoji="1" lang="zh-CN" altLang="en-US"/>
               <a:t>五级</a:t>
             </a:r>
-          </a:p>
-        </p:txBody>
-      </p:sp>
-      <p:sp>
-        <p:nvSpPr>
-          <p:cNvPr id="7" name="日期占位符 6">
-            <a:extLst>
-              <a:ext uri="{FF2B5EF4-FFF2-40B4-BE49-F238E27FC236}">
-                <a16:creationId xmlns:a16="http://schemas.microsoft.com/office/drawing/2014/main" id="{8AC75D68-3767-774A-B154-E2D1C00C9D63}"/>
-              </a:ext>
-            </a:extLst>
-          </p:cNvPr>
+            <a:endParaRPr kumimoji="1" lang="zh-CN" altLang="en-US"/>
+          </a:p>
+        </p:txBody>
+      </p:sp>
+      <p:sp>
+        <p:nvSpPr>
+          <p:cNvPr id="7" name="日期占位符 6"/>
           <p:cNvSpPr>
             <a:spLocks noGrp="1"/>
           </p:cNvSpPr>
@@ -1849,7 +1626,6 @@
           <a:p>
             <a:fld id="{D4CFBBBD-DB2F-F641-939B-B00A71D9CE0E}" type="datetimeFigureOut">
               <a:rPr kumimoji="1" lang="zh-CN" altLang="en-US" smtClean="0"/>
-              <a:t>2020/4/8</a:t>
             </a:fld>
             <a:endParaRPr kumimoji="1" lang="zh-CN" altLang="en-US"/>
           </a:p>
@@ -1857,13 +1633,7 @@
       </p:sp>
       <p:sp>
         <p:nvSpPr>
-          <p:cNvPr id="8" name="页脚占位符 7">
-            <a:extLst>
-              <a:ext uri="{FF2B5EF4-FFF2-40B4-BE49-F238E27FC236}">
-                <a16:creationId xmlns:a16="http://schemas.microsoft.com/office/drawing/2014/main" id="{C03756C2-6743-D84D-B0B4-C55576F1AA13}"/>
-              </a:ext>
-            </a:extLst>
-          </p:cNvPr>
+          <p:cNvPr id="8" name="页脚占位符 7"/>
           <p:cNvSpPr>
             <a:spLocks noGrp="1"/>
           </p:cNvSpPr>
@@ -1882,13 +1652,7 @@
       </p:sp>
       <p:sp>
         <p:nvSpPr>
-          <p:cNvPr id="9" name="灯片编号占位符 8">
-            <a:extLst>
-              <a:ext uri="{FF2B5EF4-FFF2-40B4-BE49-F238E27FC236}">
-                <a16:creationId xmlns:a16="http://schemas.microsoft.com/office/drawing/2014/main" id="{0D1C2E48-E78A-FA4B-8A18-4DD214FC22E1}"/>
-              </a:ext>
-            </a:extLst>
-          </p:cNvPr>
+          <p:cNvPr id="9" name="灯片编号占位符 8"/>
           <p:cNvSpPr>
             <a:spLocks noGrp="1"/>
           </p:cNvSpPr>
@@ -1903,18 +1667,12 @@
           <a:p>
             <a:fld id="{477C2526-073D-C547-BD2E-62977487A5AE}" type="slidenum">
               <a:rPr kumimoji="1" lang="zh-CN" altLang="en-US" smtClean="0"/>
-              <a:t>‹#›</a:t>
             </a:fld>
             <a:endParaRPr kumimoji="1" lang="zh-CN" altLang="en-US"/>
           </a:p>
         </p:txBody>
       </p:sp>
     </p:spTree>
-    <p:extLst>
-      <p:ext uri="{BB962C8B-B14F-4D97-AF65-F5344CB8AC3E}">
-        <p14:creationId xmlns:p14="http://schemas.microsoft.com/office/powerpoint/2010/main" val="2378296129"/>
-      </p:ext>
-    </p:extLst>
   </p:cSld>
   <p:clrMapOvr>
     <a:masterClrMapping/>
@@ -1941,13 +1699,7 @@
       </p:grpSpPr>
       <p:sp>
         <p:nvSpPr>
-          <p:cNvPr id="2" name="标题 1">
-            <a:extLst>
-              <a:ext uri="{FF2B5EF4-FFF2-40B4-BE49-F238E27FC236}">
-                <a16:creationId xmlns:a16="http://schemas.microsoft.com/office/drawing/2014/main" id="{87B3CFBA-42CE-1242-99AC-445741ACD3C2}"/>
-              </a:ext>
-            </a:extLst>
-          </p:cNvPr>
+          <p:cNvPr id="2" name="标题 1"/>
           <p:cNvSpPr>
             <a:spLocks noGrp="1"/>
           </p:cNvSpPr>
@@ -1964,18 +1716,13 @@
               <a:rPr kumimoji="1" lang="zh-CN" altLang="en-US"/>
               <a:t>单击此处编辑母版标题样式</a:t>
             </a:r>
-          </a:p>
-        </p:txBody>
-      </p:sp>
-      <p:sp>
-        <p:nvSpPr>
-          <p:cNvPr id="3" name="日期占位符 2">
-            <a:extLst>
-              <a:ext uri="{FF2B5EF4-FFF2-40B4-BE49-F238E27FC236}">
-                <a16:creationId xmlns:a16="http://schemas.microsoft.com/office/drawing/2014/main" id="{EE9DA1C7-25DE-E14D-8AF1-09F21A1F4A2E}"/>
-              </a:ext>
-            </a:extLst>
-          </p:cNvPr>
+            <a:endParaRPr kumimoji="1" lang="zh-CN" altLang="en-US"/>
+          </a:p>
+        </p:txBody>
+      </p:sp>
+      <p:sp>
+        <p:nvSpPr>
+          <p:cNvPr id="3" name="日期占位符 2"/>
           <p:cNvSpPr>
             <a:spLocks noGrp="1"/>
           </p:cNvSpPr>
@@ -1990,7 +1737,6 @@
           <a:p>
             <a:fld id="{D4CFBBBD-DB2F-F641-939B-B00A71D9CE0E}" type="datetimeFigureOut">
               <a:rPr kumimoji="1" lang="zh-CN" altLang="en-US" smtClean="0"/>
-              <a:t>2020/4/8</a:t>
             </a:fld>
             <a:endParaRPr kumimoji="1" lang="zh-CN" altLang="en-US"/>
           </a:p>
@@ -1998,13 +1744,7 @@
       </p:sp>
       <p:sp>
         <p:nvSpPr>
-          <p:cNvPr id="4" name="页脚占位符 3">
-            <a:extLst>
-              <a:ext uri="{FF2B5EF4-FFF2-40B4-BE49-F238E27FC236}">
-                <a16:creationId xmlns:a16="http://schemas.microsoft.com/office/drawing/2014/main" id="{221E81E0-2813-384D-A7F3-49F7D6689286}"/>
-              </a:ext>
-            </a:extLst>
-          </p:cNvPr>
+          <p:cNvPr id="4" name="页脚占位符 3"/>
           <p:cNvSpPr>
             <a:spLocks noGrp="1"/>
           </p:cNvSpPr>
@@ -2023,13 +1763,7 @@
       </p:sp>
       <p:sp>
         <p:nvSpPr>
-          <p:cNvPr id="5" name="灯片编号占位符 4">
-            <a:extLst>
-              <a:ext uri="{FF2B5EF4-FFF2-40B4-BE49-F238E27FC236}">
-                <a16:creationId xmlns:a16="http://schemas.microsoft.com/office/drawing/2014/main" id="{49FE7301-AAF7-2347-AC54-E6714D8CB1A2}"/>
-              </a:ext>
-            </a:extLst>
-          </p:cNvPr>
+          <p:cNvPr id="5" name="灯片编号占位符 4"/>
           <p:cNvSpPr>
             <a:spLocks noGrp="1"/>
           </p:cNvSpPr>
@@ -2044,18 +1778,12 @@
           <a:p>
             <a:fld id="{477C2526-073D-C547-BD2E-62977487A5AE}" type="slidenum">
               <a:rPr kumimoji="1" lang="zh-CN" altLang="en-US" smtClean="0"/>
-              <a:t>‹#›</a:t>
             </a:fld>
             <a:endParaRPr kumimoji="1" lang="zh-CN" altLang="en-US"/>
           </a:p>
         </p:txBody>
       </p:sp>
     </p:spTree>
-    <p:extLst>
-      <p:ext uri="{BB962C8B-B14F-4D97-AF65-F5344CB8AC3E}">
-        <p14:creationId xmlns:p14="http://schemas.microsoft.com/office/powerpoint/2010/main" val="2888495710"/>
-      </p:ext>
-    </p:extLst>
   </p:cSld>
   <p:clrMapOvr>
     <a:masterClrMapping/>
@@ -2082,13 +1810,7 @@
       </p:grpSpPr>
       <p:sp>
         <p:nvSpPr>
-          <p:cNvPr id="2" name="日期占位符 1">
-            <a:extLst>
-              <a:ext uri="{FF2B5EF4-FFF2-40B4-BE49-F238E27FC236}">
-                <a16:creationId xmlns:a16="http://schemas.microsoft.com/office/drawing/2014/main" id="{E0B51FCB-8C38-7C4D-BC65-AC0F95B2870F}"/>
-              </a:ext>
-            </a:extLst>
-          </p:cNvPr>
+          <p:cNvPr id="2" name="日期占位符 1"/>
           <p:cNvSpPr>
             <a:spLocks noGrp="1"/>
           </p:cNvSpPr>
@@ -2103,7 +1825,6 @@
           <a:p>
             <a:fld id="{D4CFBBBD-DB2F-F641-939B-B00A71D9CE0E}" type="datetimeFigureOut">
               <a:rPr kumimoji="1" lang="zh-CN" altLang="en-US" smtClean="0"/>
-              <a:t>2020/4/8</a:t>
             </a:fld>
             <a:endParaRPr kumimoji="1" lang="zh-CN" altLang="en-US"/>
           </a:p>
@@ -2111,13 +1832,7 @@
       </p:sp>
       <p:sp>
         <p:nvSpPr>
-          <p:cNvPr id="3" name="页脚占位符 2">
-            <a:extLst>
-              <a:ext uri="{FF2B5EF4-FFF2-40B4-BE49-F238E27FC236}">
-                <a16:creationId xmlns:a16="http://schemas.microsoft.com/office/drawing/2014/main" id="{CE45545A-A8C6-C34B-95C0-5A4CFF89BC9D}"/>
-              </a:ext>
-            </a:extLst>
-          </p:cNvPr>
+          <p:cNvPr id="3" name="页脚占位符 2"/>
           <p:cNvSpPr>
             <a:spLocks noGrp="1"/>
           </p:cNvSpPr>
@@ -2136,13 +1851,7 @@
       </p:sp>
       <p:sp>
         <p:nvSpPr>
-          <p:cNvPr id="4" name="灯片编号占位符 3">
-            <a:extLst>
-              <a:ext uri="{FF2B5EF4-FFF2-40B4-BE49-F238E27FC236}">
-                <a16:creationId xmlns:a16="http://schemas.microsoft.com/office/drawing/2014/main" id="{AE7F8343-D782-DB43-A1B6-D04610645824}"/>
-              </a:ext>
-            </a:extLst>
-          </p:cNvPr>
+          <p:cNvPr id="4" name="灯片编号占位符 3"/>
           <p:cNvSpPr>
             <a:spLocks noGrp="1"/>
           </p:cNvSpPr>
@@ -2157,18 +1866,12 @@
           <a:p>
             <a:fld id="{477C2526-073D-C547-BD2E-62977487A5AE}" type="slidenum">
               <a:rPr kumimoji="1" lang="zh-CN" altLang="en-US" smtClean="0"/>
-              <a:t>‹#›</a:t>
             </a:fld>
             <a:endParaRPr kumimoji="1" lang="zh-CN" altLang="en-US"/>
           </a:p>
         </p:txBody>
       </p:sp>
     </p:spTree>
-    <p:extLst>
-      <p:ext uri="{BB962C8B-B14F-4D97-AF65-F5344CB8AC3E}">
-        <p14:creationId xmlns:p14="http://schemas.microsoft.com/office/powerpoint/2010/main" val="3663305734"/>
-      </p:ext>
-    </p:extLst>
   </p:cSld>
   <p:clrMapOvr>
     <a:masterClrMapping/>
@@ -2195,13 +1898,7 @@
       </p:grpSpPr>
       <p:sp>
         <p:nvSpPr>
-          <p:cNvPr id="2" name="标题 1">
-            <a:extLst>
-              <a:ext uri="{FF2B5EF4-FFF2-40B4-BE49-F238E27FC236}">
-                <a16:creationId xmlns:a16="http://schemas.microsoft.com/office/drawing/2014/main" id="{84849BFD-10E1-394D-AE42-3943B5B956CB}"/>
-              </a:ext>
-            </a:extLst>
-          </p:cNvPr>
+          <p:cNvPr id="2" name="标题 1"/>
           <p:cNvSpPr>
             <a:spLocks noGrp="1"/>
           </p:cNvSpPr>
@@ -2227,18 +1924,13 @@
               <a:rPr kumimoji="1" lang="zh-CN" altLang="en-US"/>
               <a:t>单击此处编辑母版标题样式</a:t>
             </a:r>
-          </a:p>
-        </p:txBody>
-      </p:sp>
-      <p:sp>
-        <p:nvSpPr>
-          <p:cNvPr id="3" name="内容占位符 2">
-            <a:extLst>
-              <a:ext uri="{FF2B5EF4-FFF2-40B4-BE49-F238E27FC236}">
-                <a16:creationId xmlns:a16="http://schemas.microsoft.com/office/drawing/2014/main" id="{BEEEBDA4-3934-5F4A-B993-72B123A85AAA}"/>
-              </a:ext>
-            </a:extLst>
-          </p:cNvPr>
+            <a:endParaRPr kumimoji="1" lang="zh-CN" altLang="en-US"/>
+          </a:p>
+        </p:txBody>
+      </p:sp>
+      <p:sp>
+        <p:nvSpPr>
+          <p:cNvPr id="3" name="内容占位符 2"/>
           <p:cNvSpPr>
             <a:spLocks noGrp="1"/>
           </p:cNvSpPr>
@@ -2289,6 +1981,7 @@
               <a:rPr kumimoji="1" lang="zh-CN" altLang="en-US"/>
               <a:t>单击此处编辑母版文本样式</a:t>
             </a:r>
+            <a:endParaRPr kumimoji="1" lang="zh-CN" altLang="en-US"/>
           </a:p>
           <a:p>
             <a:pPr lvl="1"/>
@@ -2296,6 +1989,7 @@
               <a:rPr kumimoji="1" lang="zh-CN" altLang="en-US"/>
               <a:t>二级</a:t>
             </a:r>
+            <a:endParaRPr kumimoji="1" lang="zh-CN" altLang="en-US"/>
           </a:p>
           <a:p>
             <a:pPr lvl="2"/>
@@ -2303,6 +1997,7 @@
               <a:rPr kumimoji="1" lang="zh-CN" altLang="en-US"/>
               <a:t>三级</a:t>
             </a:r>
+            <a:endParaRPr kumimoji="1" lang="zh-CN" altLang="en-US"/>
           </a:p>
           <a:p>
             <a:pPr lvl="3"/>
@@ -2310,6 +2005,7 @@
               <a:rPr kumimoji="1" lang="zh-CN" altLang="en-US"/>
               <a:t>四级</a:t>
             </a:r>
+            <a:endParaRPr kumimoji="1" lang="zh-CN" altLang="en-US"/>
           </a:p>
           <a:p>
             <a:pPr lvl="4"/>
@@ -2317,18 +2013,13 @@
               <a:rPr kumimoji="1" lang="zh-CN" altLang="en-US"/>
               <a:t>五级</a:t>
             </a:r>
-          </a:p>
-        </p:txBody>
-      </p:sp>
-      <p:sp>
-        <p:nvSpPr>
-          <p:cNvPr id="4" name="文本占位符 3">
-            <a:extLst>
-              <a:ext uri="{FF2B5EF4-FFF2-40B4-BE49-F238E27FC236}">
-                <a16:creationId xmlns:a16="http://schemas.microsoft.com/office/drawing/2014/main" id="{A93B9EE7-3F7C-E64D-9BED-B535528AD196}"/>
-              </a:ext>
-            </a:extLst>
-          </p:cNvPr>
+            <a:endParaRPr kumimoji="1" lang="zh-CN" altLang="en-US"/>
+          </a:p>
+        </p:txBody>
+      </p:sp>
+      <p:sp>
+        <p:nvSpPr>
+          <p:cNvPr id="4" name="文本占位符 3"/>
           <p:cNvSpPr>
             <a:spLocks noGrp="1"/>
           </p:cNvSpPr>
@@ -2388,18 +2079,13 @@
               <a:rPr kumimoji="1" lang="zh-CN" altLang="en-US"/>
               <a:t>单击此处编辑母版文本样式</a:t>
             </a:r>
-          </a:p>
-        </p:txBody>
-      </p:sp>
-      <p:sp>
-        <p:nvSpPr>
-          <p:cNvPr id="5" name="日期占位符 4">
-            <a:extLst>
-              <a:ext uri="{FF2B5EF4-FFF2-40B4-BE49-F238E27FC236}">
-                <a16:creationId xmlns:a16="http://schemas.microsoft.com/office/drawing/2014/main" id="{2C85D126-BFE0-ED48-A67F-72950C70A51B}"/>
-              </a:ext>
-            </a:extLst>
-          </p:cNvPr>
+            <a:endParaRPr kumimoji="1" lang="zh-CN" altLang="en-US"/>
+          </a:p>
+        </p:txBody>
+      </p:sp>
+      <p:sp>
+        <p:nvSpPr>
+          <p:cNvPr id="5" name="日期占位符 4"/>
           <p:cNvSpPr>
             <a:spLocks noGrp="1"/>
           </p:cNvSpPr>
@@ -2414,7 +2100,6 @@
           <a:p>
             <a:fld id="{D4CFBBBD-DB2F-F641-939B-B00A71D9CE0E}" type="datetimeFigureOut">
               <a:rPr kumimoji="1" lang="zh-CN" altLang="en-US" smtClean="0"/>
-              <a:t>2020/4/8</a:t>
             </a:fld>
             <a:endParaRPr kumimoji="1" lang="zh-CN" altLang="en-US"/>
           </a:p>
@@ -2422,13 +2107,7 @@
       </p:sp>
       <p:sp>
         <p:nvSpPr>
-          <p:cNvPr id="6" name="页脚占位符 5">
-            <a:extLst>
-              <a:ext uri="{FF2B5EF4-FFF2-40B4-BE49-F238E27FC236}">
-                <a16:creationId xmlns:a16="http://schemas.microsoft.com/office/drawing/2014/main" id="{ACEE814C-4230-2C41-B24B-15AB4C36C822}"/>
-              </a:ext>
-            </a:extLst>
-          </p:cNvPr>
+          <p:cNvPr id="6" name="页脚占位符 5"/>
           <p:cNvSpPr>
             <a:spLocks noGrp="1"/>
           </p:cNvSpPr>
@@ -2447,13 +2126,7 @@
       </p:sp>
       <p:sp>
         <p:nvSpPr>
-          <p:cNvPr id="7" name="灯片编号占位符 6">
-            <a:extLst>
-              <a:ext uri="{FF2B5EF4-FFF2-40B4-BE49-F238E27FC236}">
-                <a16:creationId xmlns:a16="http://schemas.microsoft.com/office/drawing/2014/main" id="{2F03833A-AA6B-2645-89F4-9CD2B79ACA50}"/>
-              </a:ext>
-            </a:extLst>
-          </p:cNvPr>
+          <p:cNvPr id="7" name="灯片编号占位符 6"/>
           <p:cNvSpPr>
             <a:spLocks noGrp="1"/>
           </p:cNvSpPr>
@@ -2468,18 +2141,12 @@
           <a:p>
             <a:fld id="{477C2526-073D-C547-BD2E-62977487A5AE}" type="slidenum">
               <a:rPr kumimoji="1" lang="zh-CN" altLang="en-US" smtClean="0"/>
-              <a:t>‹#›</a:t>
             </a:fld>
             <a:endParaRPr kumimoji="1" lang="zh-CN" altLang="en-US"/>
           </a:p>
         </p:txBody>
       </p:sp>
     </p:spTree>
-    <p:extLst>
-      <p:ext uri="{BB962C8B-B14F-4D97-AF65-F5344CB8AC3E}">
-        <p14:creationId xmlns:p14="http://schemas.microsoft.com/office/powerpoint/2010/main" val="2225303705"/>
-      </p:ext>
-    </p:extLst>
   </p:cSld>
   <p:clrMapOvr>
     <a:masterClrMapping/>
@@ -2506,13 +2173,7 @@
       </p:grpSpPr>
       <p:sp>
         <p:nvSpPr>
-          <p:cNvPr id="2" name="标题 1">
-            <a:extLst>
-              <a:ext uri="{FF2B5EF4-FFF2-40B4-BE49-F238E27FC236}">
-                <a16:creationId xmlns:a16="http://schemas.microsoft.com/office/drawing/2014/main" id="{800C016F-307E-CF49-AA2F-2AC5452AD98F}"/>
-              </a:ext>
-            </a:extLst>
-          </p:cNvPr>
+          <p:cNvPr id="2" name="标题 1"/>
           <p:cNvSpPr>
             <a:spLocks noGrp="1"/>
           </p:cNvSpPr>
@@ -2538,18 +2199,13 @@
               <a:rPr kumimoji="1" lang="zh-CN" altLang="en-US"/>
               <a:t>单击此处编辑母版标题样式</a:t>
             </a:r>
-          </a:p>
-        </p:txBody>
-      </p:sp>
-      <p:sp>
-        <p:nvSpPr>
-          <p:cNvPr id="3" name="图片占位符 2">
-            <a:extLst>
-              <a:ext uri="{FF2B5EF4-FFF2-40B4-BE49-F238E27FC236}">
-                <a16:creationId xmlns:a16="http://schemas.microsoft.com/office/drawing/2014/main" id="{EF665CF4-8641-084E-91F9-697C67C413BB}"/>
-              </a:ext>
-            </a:extLst>
-          </p:cNvPr>
+            <a:endParaRPr kumimoji="1" lang="zh-CN" altLang="en-US"/>
+          </a:p>
+        </p:txBody>
+      </p:sp>
+      <p:sp>
+        <p:nvSpPr>
+          <p:cNvPr id="3" name="图片占位符 2"/>
           <p:cNvSpPr>
             <a:spLocks noGrp="1"/>
           </p:cNvSpPr>
@@ -2610,13 +2266,7 @@
       </p:sp>
       <p:sp>
         <p:nvSpPr>
-          <p:cNvPr id="4" name="文本占位符 3">
-            <a:extLst>
-              <a:ext uri="{FF2B5EF4-FFF2-40B4-BE49-F238E27FC236}">
-                <a16:creationId xmlns:a16="http://schemas.microsoft.com/office/drawing/2014/main" id="{2F5A30E0-04CF-C84B-9FBF-78F99AE59F84}"/>
-              </a:ext>
-            </a:extLst>
-          </p:cNvPr>
+          <p:cNvPr id="4" name="文本占位符 3"/>
           <p:cNvSpPr>
             <a:spLocks noGrp="1"/>
           </p:cNvSpPr>
@@ -2676,18 +2326,13 @@
               <a:rPr kumimoji="1" lang="zh-CN" altLang="en-US"/>
               <a:t>单击此处编辑母版文本样式</a:t>
             </a:r>
-          </a:p>
-        </p:txBody>
-      </p:sp>
-      <p:sp>
-        <p:nvSpPr>
-          <p:cNvPr id="5" name="日期占位符 4">
-            <a:extLst>
-              <a:ext uri="{FF2B5EF4-FFF2-40B4-BE49-F238E27FC236}">
-                <a16:creationId xmlns:a16="http://schemas.microsoft.com/office/drawing/2014/main" id="{BEA1EE23-CA5C-F34A-B517-3CFDCF62511B}"/>
-              </a:ext>
-            </a:extLst>
-          </p:cNvPr>
+            <a:endParaRPr kumimoji="1" lang="zh-CN" altLang="en-US"/>
+          </a:p>
+        </p:txBody>
+      </p:sp>
+      <p:sp>
+        <p:nvSpPr>
+          <p:cNvPr id="5" name="日期占位符 4"/>
           <p:cNvSpPr>
             <a:spLocks noGrp="1"/>
           </p:cNvSpPr>
@@ -2702,7 +2347,6 @@
           <a:p>
             <a:fld id="{D4CFBBBD-DB2F-F641-939B-B00A71D9CE0E}" type="datetimeFigureOut">
               <a:rPr kumimoji="1" lang="zh-CN" altLang="en-US" smtClean="0"/>
-              <a:t>2020/4/8</a:t>
             </a:fld>
             <a:endParaRPr kumimoji="1" lang="zh-CN" altLang="en-US"/>
           </a:p>
@@ -2710,13 +2354,7 @@
       </p:sp>
       <p:sp>
         <p:nvSpPr>
-          <p:cNvPr id="6" name="页脚占位符 5">
-            <a:extLst>
-              <a:ext uri="{FF2B5EF4-FFF2-40B4-BE49-F238E27FC236}">
-                <a16:creationId xmlns:a16="http://schemas.microsoft.com/office/drawing/2014/main" id="{38453CB0-AC7B-C145-94FE-5989C16EBDD9}"/>
-              </a:ext>
-            </a:extLst>
-          </p:cNvPr>
+          <p:cNvPr id="6" name="页脚占位符 5"/>
           <p:cNvSpPr>
             <a:spLocks noGrp="1"/>
           </p:cNvSpPr>
@@ -2735,13 +2373,7 @@
       </p:sp>
       <p:sp>
         <p:nvSpPr>
-          <p:cNvPr id="7" name="灯片编号占位符 6">
-            <a:extLst>
-              <a:ext uri="{FF2B5EF4-FFF2-40B4-BE49-F238E27FC236}">
-                <a16:creationId xmlns:a16="http://schemas.microsoft.com/office/drawing/2014/main" id="{AA21DD2B-D1C4-B341-B4EE-385A4F06353F}"/>
-              </a:ext>
-            </a:extLst>
-          </p:cNvPr>
+          <p:cNvPr id="7" name="灯片编号占位符 6"/>
           <p:cNvSpPr>
             <a:spLocks noGrp="1"/>
           </p:cNvSpPr>
@@ -2756,18 +2388,12 @@
           <a:p>
             <a:fld id="{477C2526-073D-C547-BD2E-62977487A5AE}" type="slidenum">
               <a:rPr kumimoji="1" lang="zh-CN" altLang="en-US" smtClean="0"/>
-              <a:t>‹#›</a:t>
             </a:fld>
             <a:endParaRPr kumimoji="1" lang="zh-CN" altLang="en-US"/>
           </a:p>
         </p:txBody>
       </p:sp>
     </p:spTree>
-    <p:extLst>
-      <p:ext uri="{BB962C8B-B14F-4D97-AF65-F5344CB8AC3E}">
-        <p14:creationId xmlns:p14="http://schemas.microsoft.com/office/powerpoint/2010/main" val="3980066408"/>
-      </p:ext>
-    </p:extLst>
   </p:cSld>
   <p:clrMapOvr>
     <a:masterClrMapping/>
@@ -2799,13 +2425,7 @@
       </p:grpSpPr>
       <p:sp>
         <p:nvSpPr>
-          <p:cNvPr id="2" name="标题占位符 1">
-            <a:extLst>
-              <a:ext uri="{FF2B5EF4-FFF2-40B4-BE49-F238E27FC236}">
-                <a16:creationId xmlns:a16="http://schemas.microsoft.com/office/drawing/2014/main" id="{FDE07C27-2565-6541-B4A6-B8278BC603AA}"/>
-              </a:ext>
-            </a:extLst>
-          </p:cNvPr>
+          <p:cNvPr id="2" name="标题占位符 1"/>
           <p:cNvSpPr>
             <a:spLocks noGrp="1"/>
           </p:cNvSpPr>
@@ -2832,18 +2452,13 @@
               <a:rPr kumimoji="1" lang="zh-CN" altLang="en-US"/>
               <a:t>单击此处编辑母版标题样式</a:t>
             </a:r>
-          </a:p>
-        </p:txBody>
-      </p:sp>
-      <p:sp>
-        <p:nvSpPr>
-          <p:cNvPr id="3" name="文本占位符 2">
-            <a:extLst>
-              <a:ext uri="{FF2B5EF4-FFF2-40B4-BE49-F238E27FC236}">
-                <a16:creationId xmlns:a16="http://schemas.microsoft.com/office/drawing/2014/main" id="{C00ED884-F4C2-0B4A-9F3B-4CE04B8B3A14}"/>
-              </a:ext>
-            </a:extLst>
-          </p:cNvPr>
+            <a:endParaRPr kumimoji="1" lang="zh-CN" altLang="en-US"/>
+          </a:p>
+        </p:txBody>
+      </p:sp>
+      <p:sp>
+        <p:nvSpPr>
+          <p:cNvPr id="3" name="文本占位符 2"/>
           <p:cNvSpPr>
             <a:spLocks noGrp="1"/>
           </p:cNvSpPr>
@@ -2871,6 +2486,7 @@
               <a:rPr kumimoji="1" lang="zh-CN" altLang="en-US"/>
               <a:t>单击此处编辑母版文本样式</a:t>
             </a:r>
+            <a:endParaRPr kumimoji="1" lang="zh-CN" altLang="en-US"/>
           </a:p>
           <a:p>
             <a:pPr lvl="1"/>
@@ -2878,6 +2494,7 @@
               <a:rPr kumimoji="1" lang="zh-CN" altLang="en-US"/>
               <a:t>二级</a:t>
             </a:r>
+            <a:endParaRPr kumimoji="1" lang="zh-CN" altLang="en-US"/>
           </a:p>
           <a:p>
             <a:pPr lvl="2"/>
@@ -2885,6 +2502,7 @@
               <a:rPr kumimoji="1" lang="zh-CN" altLang="en-US"/>
               <a:t>三级</a:t>
             </a:r>
+            <a:endParaRPr kumimoji="1" lang="zh-CN" altLang="en-US"/>
           </a:p>
           <a:p>
             <a:pPr lvl="3"/>
@@ -2892,6 +2510,7 @@
               <a:rPr kumimoji="1" lang="zh-CN" altLang="en-US"/>
               <a:t>四级</a:t>
             </a:r>
+            <a:endParaRPr kumimoji="1" lang="zh-CN" altLang="en-US"/>
           </a:p>
           <a:p>
             <a:pPr lvl="4"/>
@@ -2899,18 +2518,13 @@
               <a:rPr kumimoji="1" lang="zh-CN" altLang="en-US"/>
               <a:t>五级</a:t>
             </a:r>
-          </a:p>
-        </p:txBody>
-      </p:sp>
-      <p:sp>
-        <p:nvSpPr>
-          <p:cNvPr id="4" name="日期占位符 3">
-            <a:extLst>
-              <a:ext uri="{FF2B5EF4-FFF2-40B4-BE49-F238E27FC236}">
-                <a16:creationId xmlns:a16="http://schemas.microsoft.com/office/drawing/2014/main" id="{BEF2F5E6-9659-CA4B-B1AB-826EB5E93FBC}"/>
-              </a:ext>
-            </a:extLst>
-          </p:cNvPr>
+            <a:endParaRPr kumimoji="1" lang="zh-CN" altLang="en-US"/>
+          </a:p>
+        </p:txBody>
+      </p:sp>
+      <p:sp>
+        <p:nvSpPr>
+          <p:cNvPr id="4" name="日期占位符 3"/>
           <p:cNvSpPr>
             <a:spLocks noGrp="1"/>
           </p:cNvSpPr>
@@ -2943,7 +2557,6 @@
           <a:p>
             <a:fld id="{D4CFBBBD-DB2F-F641-939B-B00A71D9CE0E}" type="datetimeFigureOut">
               <a:rPr kumimoji="1" lang="zh-CN" altLang="en-US" smtClean="0"/>
-              <a:t>2020/4/8</a:t>
             </a:fld>
             <a:endParaRPr kumimoji="1" lang="zh-CN" altLang="en-US"/>
           </a:p>
@@ -2951,13 +2564,7 @@
       </p:sp>
       <p:sp>
         <p:nvSpPr>
-          <p:cNvPr id="5" name="页脚占位符 4">
-            <a:extLst>
-              <a:ext uri="{FF2B5EF4-FFF2-40B4-BE49-F238E27FC236}">
-                <a16:creationId xmlns:a16="http://schemas.microsoft.com/office/drawing/2014/main" id="{346031D3-9C0B-2C41-8F51-2D2650F5A46C}"/>
-              </a:ext>
-            </a:extLst>
-          </p:cNvPr>
+          <p:cNvPr id="5" name="页脚占位符 4"/>
           <p:cNvSpPr>
             <a:spLocks noGrp="1"/>
           </p:cNvSpPr>
@@ -2994,13 +2601,7 @@
       </p:sp>
       <p:sp>
         <p:nvSpPr>
-          <p:cNvPr id="6" name="灯片编号占位符 5">
-            <a:extLst>
-              <a:ext uri="{FF2B5EF4-FFF2-40B4-BE49-F238E27FC236}">
-                <a16:creationId xmlns:a16="http://schemas.microsoft.com/office/drawing/2014/main" id="{47DA7E6E-B61B-3D44-A9E2-6043BF746508}"/>
-              </a:ext>
-            </a:extLst>
-          </p:cNvPr>
+          <p:cNvPr id="6" name="灯片编号占位符 5"/>
           <p:cNvSpPr>
             <a:spLocks noGrp="1"/>
           </p:cNvSpPr>
@@ -3033,18 +2634,12 @@
           <a:p>
             <a:fld id="{477C2526-073D-C547-BD2E-62977487A5AE}" type="slidenum">
               <a:rPr kumimoji="1" lang="zh-CN" altLang="en-US" smtClean="0"/>
-              <a:t>‹#›</a:t>
             </a:fld>
             <a:endParaRPr kumimoji="1" lang="zh-CN" altLang="en-US"/>
           </a:p>
         </p:txBody>
       </p:sp>
     </p:spTree>
-    <p:extLst>
-      <p:ext uri="{BB962C8B-B14F-4D97-AF65-F5344CB8AC3E}">
-        <p14:creationId xmlns:p14="http://schemas.microsoft.com/office/powerpoint/2010/main" val="2490854549"/>
-      </p:ext>
-    </p:extLst>
   </p:cSld>
   <p:clrMap bg1="lt1" tx1="dk1" bg2="lt2" tx2="dk2" accent1="accent1" accent2="accent2" accent3="accent3" accent4="accent4" accent5="accent5" accent6="accent6" hlink="hlink" folHlink="folHlink"/>
   <p:sldLayoutIdLst>
@@ -3088,7 +2683,7 @@
         <a:spcBef>
           <a:spcPts val="1000"/>
         </a:spcBef>
-        <a:buFont typeface="Arial" panose="020B0604020202020204" pitchFamily="34" charset="0"/>
+        <a:buFont typeface="Arial" panose="020B0604020202090204" pitchFamily="34" charset="0"/>
         <a:buChar char="•"/>
         <a:defRPr sz="2800" kern="1200">
           <a:solidFill>
@@ -3106,7 +2701,7 @@
         <a:spcBef>
           <a:spcPts val="500"/>
         </a:spcBef>
-        <a:buFont typeface="Arial" panose="020B0604020202020204" pitchFamily="34" charset="0"/>
+        <a:buFont typeface="Arial" panose="020B0604020202090204" pitchFamily="34" charset="0"/>
         <a:buChar char="•"/>
         <a:defRPr sz="2400" kern="1200">
           <a:solidFill>
@@ -3124,7 +2719,7 @@
         <a:spcBef>
           <a:spcPts val="500"/>
         </a:spcBef>
-        <a:buFont typeface="Arial" panose="020B0604020202020204" pitchFamily="34" charset="0"/>
+        <a:buFont typeface="Arial" panose="020B0604020202090204" pitchFamily="34" charset="0"/>
         <a:buChar char="•"/>
         <a:defRPr sz="2000" kern="1200">
           <a:solidFill>
@@ -3142,7 +2737,7 @@
         <a:spcBef>
           <a:spcPts val="500"/>
         </a:spcBef>
-        <a:buFont typeface="Arial" panose="020B0604020202020204" pitchFamily="34" charset="0"/>
+        <a:buFont typeface="Arial" panose="020B0604020202090204" pitchFamily="34" charset="0"/>
         <a:buChar char="•"/>
         <a:defRPr sz="1800" kern="1200">
           <a:solidFill>
@@ -3160,7 +2755,7 @@
         <a:spcBef>
           <a:spcPts val="500"/>
         </a:spcBef>
-        <a:buFont typeface="Arial" panose="020B0604020202020204" pitchFamily="34" charset="0"/>
+        <a:buFont typeface="Arial" panose="020B0604020202090204" pitchFamily="34" charset="0"/>
         <a:buChar char="•"/>
         <a:defRPr sz="1800" kern="1200">
           <a:solidFill>
@@ -3178,7 +2773,7 @@
         <a:spcBef>
           <a:spcPts val="500"/>
         </a:spcBef>
-        <a:buFont typeface="Arial" panose="020B0604020202020204" pitchFamily="34" charset="0"/>
+        <a:buFont typeface="Arial" panose="020B0604020202090204" pitchFamily="34" charset="0"/>
         <a:buChar char="•"/>
         <a:defRPr sz="1800" kern="1200">
           <a:solidFill>
@@ -3196,7 +2791,7 @@
         <a:spcBef>
           <a:spcPts val="500"/>
         </a:spcBef>
-        <a:buFont typeface="Arial" panose="020B0604020202020204" pitchFamily="34" charset="0"/>
+        <a:buFont typeface="Arial" panose="020B0604020202090204" pitchFamily="34" charset="0"/>
         <a:buChar char="•"/>
         <a:defRPr sz="1800" kern="1200">
           <a:solidFill>
@@ -3214,7 +2809,7 @@
         <a:spcBef>
           <a:spcPts val="500"/>
         </a:spcBef>
-        <a:buFont typeface="Arial" panose="020B0604020202020204" pitchFamily="34" charset="0"/>
+        <a:buFont typeface="Arial" panose="020B0604020202090204" pitchFamily="34" charset="0"/>
         <a:buChar char="•"/>
         <a:defRPr sz="1800" kern="1200">
           <a:solidFill>
@@ -3232,7 +2827,7 @@
         <a:spcBef>
           <a:spcPts val="500"/>
         </a:spcBef>
-        <a:buFont typeface="Arial" panose="020B0604020202020204" pitchFamily="34" charset="0"/>
+        <a:buFont typeface="Arial" panose="020B0604020202090204" pitchFamily="34" charset="0"/>
         <a:buChar char="•"/>
         <a:defRPr sz="1800" kern="1200">
           <a:solidFill>
@@ -3488,11 +3083,6 @@
         </p:txBody>
       </p:sp>
     </p:spTree>
-    <p:extLst>
-      <p:ext uri="{BB962C8B-B14F-4D97-AF65-F5344CB8AC3E}">
-        <p14:creationId xmlns:p14="http://schemas.microsoft.com/office/powerpoint/2010/main" val="2322824315"/>
-      </p:ext>
-    </p:extLst>
   </p:cSld>
   <p:clrMapOvr>
     <a:masterClrMapping/>
@@ -3519,13 +3109,7 @@
       </p:grpSpPr>
       <p:sp>
         <p:nvSpPr>
-          <p:cNvPr id="2" name="标题 1">
-            <a:extLst>
-              <a:ext uri="{FF2B5EF4-FFF2-40B4-BE49-F238E27FC236}">
-                <a16:creationId xmlns:a16="http://schemas.microsoft.com/office/drawing/2014/main" id="{38543DD4-B7A3-2D4B-A06A-D4F8A7846198}"/>
-              </a:ext>
-            </a:extLst>
-          </p:cNvPr>
+          <p:cNvPr id="2" name="标题 1"/>
           <p:cNvSpPr>
             <a:spLocks noGrp="1"/>
           </p:cNvSpPr>
@@ -3542,18 +3126,13 @@
               <a:rPr kumimoji="1" lang="zh-CN" altLang="en-US" dirty="0"/>
               <a:t>二维数组</a:t>
             </a:r>
-          </a:p>
-        </p:txBody>
-      </p:sp>
-      <p:sp>
-        <p:nvSpPr>
-          <p:cNvPr id="3" name="内容占位符 2">
-            <a:extLst>
-              <a:ext uri="{FF2B5EF4-FFF2-40B4-BE49-F238E27FC236}">
-                <a16:creationId xmlns:a16="http://schemas.microsoft.com/office/drawing/2014/main" id="{5AAC32B3-E0B2-7942-988C-4FD6696C06C8}"/>
-              </a:ext>
-            </a:extLst>
-          </p:cNvPr>
+            <a:endParaRPr kumimoji="1" lang="zh-CN" altLang="en-US" dirty="0"/>
+          </a:p>
+        </p:txBody>
+      </p:sp>
+      <p:sp>
+        <p:nvSpPr>
+          <p:cNvPr id="3" name="内容占位符 2"/>
           <p:cNvSpPr>
             <a:spLocks noGrp="1"/>
           </p:cNvSpPr>
@@ -3581,6 +3160,7 @@
               <a:rPr lang="zh-CN" altLang="en-US" sz="3200" dirty="0"/>
               <a:t>二维数组的定义方式</a:t>
             </a:r>
+            <a:endParaRPr lang="zh-CN" altLang="en-US" sz="3200" dirty="0"/>
           </a:p>
           <a:p>
             <a:pPr marL="0" indent="0">
@@ -3619,6 +3199,7 @@
               <a:rPr lang="zh-CN" altLang="en-US" sz="3200" dirty="0"/>
               <a:t> </a:t>
             </a:r>
+            <a:endParaRPr lang="zh-CN" altLang="en-US" sz="3200" dirty="0"/>
           </a:p>
           <a:p>
             <a:pPr marL="0" indent="0">
@@ -3637,6 +3218,7 @@
               <a:rPr lang="zh-CN" altLang="en-US" dirty="0"/>
               <a:t>例如：</a:t>
             </a:r>
+            <a:endParaRPr lang="zh-CN" altLang="en-US" dirty="0"/>
           </a:p>
           <a:p>
             <a:pPr marL="0" indent="0">
@@ -3675,6 +3257,7 @@
               <a:rPr lang="zh-CN" altLang="en-US" sz="3200" dirty="0"/>
               <a:t> </a:t>
             </a:r>
+            <a:endParaRPr lang="zh-CN" altLang="en-US" sz="3200" dirty="0"/>
           </a:p>
           <a:p>
             <a:pPr marL="0" indent="0">
@@ -3690,6 +3273,7 @@
               <a:rPr lang="zh-CN" altLang="en-US" dirty="0"/>
               <a:t>也可以采用另一种定义方式：</a:t>
             </a:r>
+            <a:endParaRPr lang="zh-CN" altLang="en-US" dirty="0"/>
           </a:p>
           <a:p>
             <a:pPr marL="0" indent="0">
@@ -3717,6 +3301,7 @@
               <a:rPr lang="en-US" altLang="zh-CN" dirty="0"/>
               <a:t>;</a:t>
             </a:r>
+            <a:endParaRPr lang="en-US" altLang="zh-CN" dirty="0"/>
           </a:p>
           <a:p>
             <a:pPr marL="0" indent="0">
@@ -3740,6 +3325,7 @@
               <a:rPr lang="zh-CN" altLang="en-US" dirty="0"/>
               <a:t>来分配内存，然后才可以访问每个元素。</a:t>
             </a:r>
+            <a:endParaRPr lang="zh-CN" altLang="en-US" dirty="0"/>
           </a:p>
           <a:p>
             <a:endParaRPr kumimoji="1" lang="zh-CN" altLang="en-US" dirty="0"/>
@@ -3747,11 +3333,6 @@
         </p:txBody>
       </p:sp>
     </p:spTree>
-    <p:extLst>
-      <p:ext uri="{BB962C8B-B14F-4D97-AF65-F5344CB8AC3E}">
-        <p14:creationId xmlns:p14="http://schemas.microsoft.com/office/powerpoint/2010/main" val="407141933"/>
-      </p:ext>
-    </p:extLst>
   </p:cSld>
   <p:clrMapOvr>
     <a:masterClrMapping/>
@@ -3778,13 +3359,7 @@
       </p:grpSpPr>
       <p:sp>
         <p:nvSpPr>
-          <p:cNvPr id="2" name="标题 1">
-            <a:extLst>
-              <a:ext uri="{FF2B5EF4-FFF2-40B4-BE49-F238E27FC236}">
-                <a16:creationId xmlns:a16="http://schemas.microsoft.com/office/drawing/2014/main" id="{326EE948-B5AB-3040-A79C-06974BE1BD84}"/>
-              </a:ext>
-            </a:extLst>
-          </p:cNvPr>
+          <p:cNvPr id="2" name="标题 1"/>
           <p:cNvSpPr>
             <a:spLocks noGrp="1"/>
           </p:cNvSpPr>
@@ -3801,18 +3376,13 @@
               <a:rPr kumimoji="1" lang="zh-CN" altLang="en-US" dirty="0"/>
               <a:t>二维数组</a:t>
             </a:r>
-          </a:p>
-        </p:txBody>
-      </p:sp>
-      <p:sp>
-        <p:nvSpPr>
-          <p:cNvPr id="3" name="内容占位符 2">
-            <a:extLst>
-              <a:ext uri="{FF2B5EF4-FFF2-40B4-BE49-F238E27FC236}">
-                <a16:creationId xmlns:a16="http://schemas.microsoft.com/office/drawing/2014/main" id="{ED46883F-C0FA-DF48-85AB-DCE2B0460F47}"/>
-              </a:ext>
-            </a:extLst>
-          </p:cNvPr>
+            <a:endParaRPr kumimoji="1" lang="zh-CN" altLang="en-US" dirty="0"/>
+          </a:p>
+        </p:txBody>
+      </p:sp>
+      <p:sp>
+        <p:nvSpPr>
+          <p:cNvPr id="3" name="内容占位符 2"/>
           <p:cNvSpPr>
             <a:spLocks noGrp="1"/>
           </p:cNvSpPr>
@@ -3834,6 +3404,9 @@
               </a:rPr>
               <a:t>二维数组的初始化也分为静态和动态两种。</a:t>
             </a:r>
+            <a:endParaRPr lang="zh-CN" altLang="en-US" dirty="0">
+              <a:latin typeface="Tahoma" panose="020B0604030504040204" pitchFamily="34" charset="0"/>
+            </a:endParaRPr>
           </a:p>
           <a:p>
             <a:pPr marL="0" indent="0">
@@ -3860,6 +3433,9 @@
               </a:rPr>
               <a:t>在定义数组的同时为数组分配空间。</a:t>
             </a:r>
+            <a:endParaRPr lang="zh-CN" altLang="en-US" dirty="0">
+              <a:latin typeface="Tahoma" panose="020B0604030504040204" pitchFamily="34" charset="0"/>
+            </a:endParaRPr>
           </a:p>
           <a:p>
             <a:pPr marL="0" indent="0">
@@ -3903,6 +3479,9 @@
               </a:rPr>
               <a:t>[ ][ ]={{1,2},{2,3},{3,4}};</a:t>
             </a:r>
+            <a:endParaRPr lang="en-US" altLang="zh-CN" dirty="0">
+              <a:latin typeface="Tahoma" panose="020B0604030504040204" pitchFamily="34" charset="0"/>
+            </a:endParaRPr>
           </a:p>
           <a:p>
             <a:pPr marL="0" indent="0">
@@ -3928,6 +3507,9 @@
               </a:rPr>
               <a:t>不必指出数组每一维的大小，系统会根据初始化时给出的初始值的个数自动算出数组每一维的大小。</a:t>
             </a:r>
+            <a:endParaRPr lang="zh-CN" altLang="en-US" dirty="0">
+              <a:latin typeface="Tahoma" panose="020B0604030504040204" pitchFamily="34" charset="0"/>
+            </a:endParaRPr>
           </a:p>
           <a:p>
             <a:endParaRPr kumimoji="1" lang="zh-CN" altLang="en-US" dirty="0"/>
@@ -3935,11 +3517,6 @@
         </p:txBody>
       </p:sp>
     </p:spTree>
-    <p:extLst>
-      <p:ext uri="{BB962C8B-B14F-4D97-AF65-F5344CB8AC3E}">
-        <p14:creationId xmlns:p14="http://schemas.microsoft.com/office/powerpoint/2010/main" val="3761146595"/>
-      </p:ext>
-    </p:extLst>
   </p:cSld>
   <p:clrMapOvr>
     <a:masterClrMapping/>
@@ -3966,13 +3543,7 @@
       </p:grpSpPr>
       <p:sp>
         <p:nvSpPr>
-          <p:cNvPr id="2" name="标题 1">
-            <a:extLst>
-              <a:ext uri="{FF2B5EF4-FFF2-40B4-BE49-F238E27FC236}">
-                <a16:creationId xmlns:a16="http://schemas.microsoft.com/office/drawing/2014/main" id="{B8C933B3-0FFC-4948-BE19-F9D208B6FB5E}"/>
-              </a:ext>
-            </a:extLst>
-          </p:cNvPr>
+          <p:cNvPr id="2" name="标题 1"/>
           <p:cNvSpPr>
             <a:spLocks noGrp="1"/>
           </p:cNvSpPr>
@@ -3997,13 +3568,7 @@
       </p:sp>
       <p:sp>
         <p:nvSpPr>
-          <p:cNvPr id="3" name="内容占位符 2">
-            <a:extLst>
-              <a:ext uri="{FF2B5EF4-FFF2-40B4-BE49-F238E27FC236}">
-                <a16:creationId xmlns:a16="http://schemas.microsoft.com/office/drawing/2014/main" id="{8C788655-E080-DE4B-9594-7464B51F39E0}"/>
-              </a:ext>
-            </a:extLst>
-          </p:cNvPr>
+          <p:cNvPr id="3" name="内容占位符 2"/>
           <p:cNvSpPr>
             <a:spLocks noGrp="1"/>
           </p:cNvSpPr>
@@ -4034,6 +3599,9 @@
               </a:rPr>
               <a:t>对高维数组来说，分配内存空间有下面两种方法：</a:t>
             </a:r>
+            <a:endParaRPr lang="zh-CN" altLang="en-US" dirty="0">
+              <a:latin typeface="Tahoma" panose="020B0604030504040204" pitchFamily="34" charset="0"/>
+            </a:endParaRPr>
           </a:p>
           <a:p>
             <a:pPr marL="0" indent="0">
@@ -4074,6 +3642,9 @@
               </a:rPr>
               <a:t>，如：</a:t>
             </a:r>
+            <a:endParaRPr lang="zh-CN" altLang="en-US" dirty="0">
+              <a:latin typeface="Tahoma" panose="020B0604030504040204" pitchFamily="34" charset="0"/>
+            </a:endParaRPr>
           </a:p>
           <a:p>
             <a:pPr marL="0" indent="0">
@@ -4114,6 +3685,9 @@
               </a:rPr>
               <a:t>[ ][ ]=new type[arraylength1][arraylength2]</a:t>
             </a:r>
+            <a:endParaRPr lang="en-US" altLang="zh-CN" sz="2400" dirty="0">
+              <a:latin typeface="Tahoma" panose="020B0604030504040204" pitchFamily="34" charset="0"/>
+            </a:endParaRPr>
           </a:p>
           <a:p>
             <a:pPr marL="0" indent="0">
@@ -4133,6 +3707,9 @@
               </a:rPr>
               <a:t>例如：</a:t>
             </a:r>
+            <a:endParaRPr lang="zh-CN" altLang="en-US" dirty="0">
+              <a:latin typeface="Tahoma" panose="020B0604030504040204" pitchFamily="34" charset="0"/>
+            </a:endParaRPr>
           </a:p>
           <a:p>
             <a:pPr marL="0" indent="0">
@@ -4161,11 +3738,6 @@
         </p:txBody>
       </p:sp>
     </p:spTree>
-    <p:extLst>
-      <p:ext uri="{BB962C8B-B14F-4D97-AF65-F5344CB8AC3E}">
-        <p14:creationId xmlns:p14="http://schemas.microsoft.com/office/powerpoint/2010/main" val="3936740961"/>
-      </p:ext>
-    </p:extLst>
   </p:cSld>
   <p:clrMapOvr>
     <a:masterClrMapping/>
@@ -4192,13 +3764,7 @@
       </p:grpSpPr>
       <p:sp>
         <p:nvSpPr>
-          <p:cNvPr id="2" name="标题 1">
-            <a:extLst>
-              <a:ext uri="{FF2B5EF4-FFF2-40B4-BE49-F238E27FC236}">
-                <a16:creationId xmlns:a16="http://schemas.microsoft.com/office/drawing/2014/main" id="{B528F2AB-CBE3-4F43-9C5B-98D03FB944E4}"/>
-              </a:ext>
-            </a:extLst>
-          </p:cNvPr>
+          <p:cNvPr id="2" name="标题 1"/>
           <p:cNvSpPr>
             <a:spLocks noGrp="1"/>
           </p:cNvSpPr>
@@ -4223,13 +3789,7 @@
       </p:sp>
       <p:sp>
         <p:nvSpPr>
-          <p:cNvPr id="3" name="内容占位符 2">
-            <a:extLst>
-              <a:ext uri="{FF2B5EF4-FFF2-40B4-BE49-F238E27FC236}">
-                <a16:creationId xmlns:a16="http://schemas.microsoft.com/office/drawing/2014/main" id="{CC00A3C9-69CA-C14A-ABA0-22FC31E139A9}"/>
-              </a:ext>
-            </a:extLst>
-          </p:cNvPr>
+          <p:cNvPr id="3" name="内容占位符 2"/>
           <p:cNvSpPr>
             <a:spLocks noGrp="1"/>
           </p:cNvSpPr>
@@ -4258,6 +3818,7 @@
               <a:rPr lang="zh-CN" altLang="en-US" dirty="0"/>
               <a:t>从最高维开始（而且必须从最高维开始），分别为每一维分配空间，如：</a:t>
             </a:r>
+            <a:endParaRPr lang="zh-CN" altLang="en-US" dirty="0"/>
           </a:p>
           <a:p>
             <a:pPr marL="0" indent="0">
@@ -4282,6 +3843,11 @@
               </a:rPr>
               <a:t>String s[ ][ ]=new String[2][ ];</a:t>
             </a:r>
+            <a:endParaRPr lang="en-US" altLang="zh-CN" dirty="0">
+              <a:solidFill>
+                <a:srgbClr val="C00000"/>
+              </a:solidFill>
+            </a:endParaRPr>
           </a:p>
           <a:p>
             <a:pPr marL="0" indent="0">
@@ -4298,6 +3864,11 @@
               </a:rPr>
               <a:t>     s[0]=new String[2];</a:t>
             </a:r>
+            <a:endParaRPr lang="en-US" altLang="zh-CN" dirty="0">
+              <a:solidFill>
+                <a:srgbClr val="C00000"/>
+              </a:solidFill>
+            </a:endParaRPr>
           </a:p>
           <a:p>
             <a:pPr marL="0" indent="0">
@@ -4314,6 +3885,11 @@
               </a:rPr>
               <a:t>     s[1]=new String[3];</a:t>
             </a:r>
+            <a:endParaRPr lang="en-US" altLang="zh-CN" dirty="0">
+              <a:solidFill>
+                <a:srgbClr val="C00000"/>
+              </a:solidFill>
+            </a:endParaRPr>
           </a:p>
           <a:p>
             <a:pPr marL="0" indent="0">
@@ -4335,7 +3911,7 @@
                 <a:solidFill>
                   <a:srgbClr val="C00000"/>
                 </a:solidFill>
-                <a:latin typeface="Times New Roman" panose="02020603050405020304" pitchFamily="18" charset="0"/>
+                <a:latin typeface="Times New Roman" panose="02020503050405090304" pitchFamily="18" charset="0"/>
               </a:rPr>
               <a:t>“</a:t>
             </a:r>
@@ -4352,7 +3928,7 @@
                 <a:solidFill>
                   <a:srgbClr val="C00000"/>
                 </a:solidFill>
-                <a:latin typeface="Times New Roman" panose="02020603050405020304" pitchFamily="18" charset="0"/>
+                <a:latin typeface="Times New Roman" panose="02020503050405090304" pitchFamily="18" charset="0"/>
               </a:rPr>
               <a:t>”</a:t>
             </a:r>
@@ -4364,6 +3940,11 @@
               </a:rPr>
               <a:t>);</a:t>
             </a:r>
+            <a:endParaRPr lang="en-US" altLang="zh-CN" dirty="0">
+              <a:solidFill>
+                <a:srgbClr val="C00000"/>
+              </a:solidFill>
+            </a:endParaRPr>
           </a:p>
           <a:p>
             <a:pPr marL="0" indent="0">
@@ -4385,7 +3966,7 @@
                 <a:solidFill>
                   <a:srgbClr val="C00000"/>
                 </a:solidFill>
-                <a:latin typeface="Times New Roman" panose="02020603050405020304" pitchFamily="18" charset="0"/>
+                <a:latin typeface="Times New Roman" panose="02020503050405090304" pitchFamily="18" charset="0"/>
               </a:rPr>
               <a:t>“</a:t>
             </a:r>
@@ -4402,7 +3983,7 @@
                 <a:solidFill>
                   <a:srgbClr val="C00000"/>
                 </a:solidFill>
-                <a:latin typeface="Times New Roman" panose="02020603050405020304" pitchFamily="18" charset="0"/>
+                <a:latin typeface="Times New Roman" panose="02020503050405090304" pitchFamily="18" charset="0"/>
               </a:rPr>
               <a:t>”</a:t>
             </a:r>
@@ -4414,6 +3995,11 @@
               </a:rPr>
               <a:t>);</a:t>
             </a:r>
+            <a:endParaRPr lang="en-US" altLang="zh-CN" dirty="0">
+              <a:solidFill>
+                <a:srgbClr val="C00000"/>
+              </a:solidFill>
+            </a:endParaRPr>
           </a:p>
           <a:p>
             <a:pPr marL="0" indent="0">
@@ -4435,7 +4021,7 @@
                 <a:solidFill>
                   <a:srgbClr val="C00000"/>
                 </a:solidFill>
-                <a:latin typeface="Times New Roman" panose="02020603050405020304" pitchFamily="18" charset="0"/>
+                <a:latin typeface="Times New Roman" panose="02020503050405090304" pitchFamily="18" charset="0"/>
               </a:rPr>
               <a:t>“</a:t>
             </a:r>
@@ -4452,7 +4038,7 @@
                 <a:solidFill>
                   <a:srgbClr val="C00000"/>
                 </a:solidFill>
-                <a:latin typeface="Times New Roman" panose="02020603050405020304" pitchFamily="18" charset="0"/>
+                <a:latin typeface="Times New Roman" panose="02020503050405090304" pitchFamily="18" charset="0"/>
               </a:rPr>
               <a:t>”</a:t>
             </a:r>
@@ -4464,6 +4050,11 @@
               </a:rPr>
               <a:t>);</a:t>
             </a:r>
+            <a:endParaRPr lang="en-US" altLang="zh-CN" dirty="0">
+              <a:solidFill>
+                <a:srgbClr val="C00000"/>
+              </a:solidFill>
+            </a:endParaRPr>
           </a:p>
           <a:p>
             <a:pPr marL="0" indent="0">
@@ -4485,7 +4076,7 @@
                 <a:solidFill>
                   <a:srgbClr val="C00000"/>
                 </a:solidFill>
-                <a:latin typeface="Times New Roman" panose="02020603050405020304" pitchFamily="18" charset="0"/>
+                <a:latin typeface="Times New Roman" panose="02020503050405090304" pitchFamily="18" charset="0"/>
               </a:rPr>
               <a:t>“</a:t>
             </a:r>
@@ -4502,7 +4093,7 @@
                 <a:solidFill>
                   <a:srgbClr val="C00000"/>
                 </a:solidFill>
-                <a:latin typeface="Times New Roman" panose="02020603050405020304" pitchFamily="18" charset="0"/>
+                <a:latin typeface="Times New Roman" panose="02020503050405090304" pitchFamily="18" charset="0"/>
               </a:rPr>
               <a:t>”</a:t>
             </a:r>
@@ -4514,6 +4105,11 @@
               </a:rPr>
               <a:t>);</a:t>
             </a:r>
+            <a:endParaRPr lang="en-US" altLang="zh-CN" dirty="0">
+              <a:solidFill>
+                <a:srgbClr val="C00000"/>
+              </a:solidFill>
+            </a:endParaRPr>
           </a:p>
           <a:p>
             <a:pPr marL="0" indent="0">
@@ -4535,7 +4131,7 @@
                 <a:solidFill>
                   <a:srgbClr val="C00000"/>
                 </a:solidFill>
-                <a:latin typeface="Times New Roman" panose="02020603050405020304" pitchFamily="18" charset="0"/>
+                <a:latin typeface="Times New Roman" panose="02020503050405090304" pitchFamily="18" charset="0"/>
               </a:rPr>
               <a:t>“</a:t>
             </a:r>
@@ -4552,7 +4148,7 @@
                 <a:solidFill>
                   <a:srgbClr val="C00000"/>
                 </a:solidFill>
-                <a:latin typeface="Times New Roman" panose="02020603050405020304" pitchFamily="18" charset="0"/>
+                <a:latin typeface="Times New Roman" panose="02020503050405090304" pitchFamily="18" charset="0"/>
               </a:rPr>
               <a:t>”</a:t>
             </a:r>
@@ -4564,6 +4160,11 @@
               </a:rPr>
               <a:t>);</a:t>
             </a:r>
+            <a:endParaRPr lang="en-US" altLang="zh-CN" dirty="0">
+              <a:solidFill>
+                <a:srgbClr val="C00000"/>
+              </a:solidFill>
+            </a:endParaRPr>
           </a:p>
           <a:p>
             <a:endParaRPr kumimoji="1" lang="zh-CN" altLang="en-US" dirty="0"/>
@@ -4571,11 +4172,6 @@
         </p:txBody>
       </p:sp>
     </p:spTree>
-    <p:extLst>
-      <p:ext uri="{BB962C8B-B14F-4D97-AF65-F5344CB8AC3E}">
-        <p14:creationId xmlns:p14="http://schemas.microsoft.com/office/powerpoint/2010/main" val="3631111160"/>
-      </p:ext>
-    </p:extLst>
   </p:cSld>
   <p:clrMapOvr>
     <a:masterClrMapping/>
@@ -4602,13 +4198,7 @@
       </p:grpSpPr>
       <p:sp>
         <p:nvSpPr>
-          <p:cNvPr id="2" name="标题 1">
-            <a:extLst>
-              <a:ext uri="{FF2B5EF4-FFF2-40B4-BE49-F238E27FC236}">
-                <a16:creationId xmlns:a16="http://schemas.microsoft.com/office/drawing/2014/main" id="{B9EF9C07-CFD5-2647-B1A1-D38F322A15CE}"/>
-              </a:ext>
-            </a:extLst>
-          </p:cNvPr>
+          <p:cNvPr id="2" name="标题 1"/>
           <p:cNvSpPr>
             <a:spLocks noGrp="1"/>
           </p:cNvSpPr>
@@ -4625,18 +4215,13 @@
               <a:rPr kumimoji="1" lang="zh-CN" altLang="en-US" dirty="0"/>
               <a:t>元素引用</a:t>
             </a:r>
-          </a:p>
-        </p:txBody>
-      </p:sp>
-      <p:sp>
-        <p:nvSpPr>
-          <p:cNvPr id="3" name="内容占位符 2">
-            <a:extLst>
-              <a:ext uri="{FF2B5EF4-FFF2-40B4-BE49-F238E27FC236}">
-                <a16:creationId xmlns:a16="http://schemas.microsoft.com/office/drawing/2014/main" id="{9519A371-92E7-5246-9E06-D5855F8EC610}"/>
-              </a:ext>
-            </a:extLst>
-          </p:cNvPr>
+            <a:endParaRPr kumimoji="1" lang="zh-CN" altLang="en-US" dirty="0"/>
+          </a:p>
+        </p:txBody>
+      </p:sp>
+      <p:sp>
+        <p:nvSpPr>
+          <p:cNvPr id="3" name="内容占位符 2"/>
           <p:cNvSpPr>
             <a:spLocks noGrp="1"/>
           </p:cNvSpPr>
@@ -4659,6 +4244,7 @@
               <a:rPr lang="zh-CN" altLang="en-US" sz="3200" b="1" dirty="0"/>
               <a:t>二维数组的引用</a:t>
             </a:r>
+            <a:endParaRPr lang="zh-CN" altLang="en-US" sz="3200" b="1" dirty="0"/>
           </a:p>
           <a:p>
             <a:pPr marL="0" indent="0">
@@ -4679,6 +4265,7 @@
               <a:rPr lang="en-US" altLang="zh-CN" dirty="0"/>
               <a:t>：  </a:t>
             </a:r>
+            <a:endParaRPr lang="en-US" altLang="zh-CN" dirty="0"/>
           </a:p>
           <a:p>
             <a:pPr marL="0" indent="0">
@@ -4699,6 +4286,7 @@
               <a:rPr lang="en-US" altLang="zh-CN" dirty="0"/>
               <a:t>[index1][index2]</a:t>
             </a:r>
+            <a:endParaRPr lang="en-US" altLang="zh-CN" dirty="0"/>
           </a:p>
           <a:p>
             <a:pPr marL="0" indent="0">
@@ -4739,6 +4327,7 @@
               <a:rPr lang="zh-CN" altLang="en-US" dirty="0"/>
               <a:t>序的。</a:t>
             </a:r>
+            <a:endParaRPr lang="zh-CN" altLang="en-US" dirty="0"/>
           </a:p>
           <a:p>
             <a:endParaRPr kumimoji="1" lang="zh-CN" altLang="en-US" dirty="0"/>
@@ -4746,11 +4335,6 @@
         </p:txBody>
       </p:sp>
     </p:spTree>
-    <p:extLst>
-      <p:ext uri="{BB962C8B-B14F-4D97-AF65-F5344CB8AC3E}">
-        <p14:creationId xmlns:p14="http://schemas.microsoft.com/office/powerpoint/2010/main" val="2492629021"/>
-      </p:ext>
-    </p:extLst>
   </p:cSld>
   <p:clrMapOvr>
     <a:masterClrMapping/>
@@ -4777,13 +4361,7 @@
       </p:grpSpPr>
       <p:sp>
         <p:nvSpPr>
-          <p:cNvPr id="2" name="标题 1">
-            <a:extLst>
-              <a:ext uri="{FF2B5EF4-FFF2-40B4-BE49-F238E27FC236}">
-                <a16:creationId xmlns:a16="http://schemas.microsoft.com/office/drawing/2014/main" id="{204EB634-570E-A94E-8EC2-D52C5931D477}"/>
-              </a:ext>
-            </a:extLst>
-          </p:cNvPr>
+          <p:cNvPr id="2" name="标题 1"/>
           <p:cNvSpPr>
             <a:spLocks noGrp="1"/>
           </p:cNvSpPr>
@@ -4798,7 +4376,7 @@
           <a:p>
             <a:r>
               <a:rPr lang="en-US" altLang="zh-CN" dirty="0" err="1">
-                <a:latin typeface="Times New Roman" panose="02020603050405020304" pitchFamily="18" charset="0"/>
+                <a:latin typeface="Times New Roman" panose="02020503050405090304" pitchFamily="18" charset="0"/>
               </a:rPr>
               <a:t>java.util.Arrays</a:t>
             </a:r>
@@ -4808,13 +4386,7 @@
       </p:sp>
       <p:sp>
         <p:nvSpPr>
-          <p:cNvPr id="3" name="内容占位符 2">
-            <a:extLst>
-              <a:ext uri="{FF2B5EF4-FFF2-40B4-BE49-F238E27FC236}">
-                <a16:creationId xmlns:a16="http://schemas.microsoft.com/office/drawing/2014/main" id="{97B09980-3247-9F42-90C8-5447406E2850}"/>
-              </a:ext>
-            </a:extLst>
-          </p:cNvPr>
+          <p:cNvPr id="3" name="内容占位符 2"/>
           <p:cNvSpPr>
             <a:spLocks noGrp="1"/>
           </p:cNvSpPr>
@@ -4832,7 +4404,7 @@
                 <a:spcPct val="20000"/>
               </a:spcBef>
               <a:buSzPct val="100000"/>
-              <a:buFont typeface="Wingdings" pitchFamily="2" charset="2"/>
+              <a:buFont typeface="Wingdings" panose="05000000000000000000" pitchFamily="2" charset="2"/>
               <a:buChar char="Ø"/>
             </a:pPr>
             <a:r>
@@ -4841,6 +4413,9 @@
               </a:rPr>
               <a:t>数组是用来表达一组同类型数据的数据结构</a:t>
             </a:r>
+            <a:endParaRPr lang="zh-CN" altLang="en-US" dirty="0">
+              <a:latin typeface="Tahoma" panose="020B0604030504040204" pitchFamily="34" charset="0"/>
+            </a:endParaRPr>
           </a:p>
           <a:p>
             <a:pPr>
@@ -4848,7 +4423,7 @@
                 <a:spcPct val="20000"/>
               </a:spcBef>
               <a:buSzPct val="100000"/>
-              <a:buFont typeface="Wingdings" pitchFamily="2" charset="2"/>
+              <a:buFont typeface="Wingdings" panose="05000000000000000000" pitchFamily="2" charset="2"/>
               <a:buChar char="Ø"/>
             </a:pPr>
             <a:r>
@@ -4869,6 +4444,9 @@
               </a:rPr>
               <a:t>中数组是定长的，数组的大小不会动态变化</a:t>
             </a:r>
+            <a:endParaRPr lang="zh-CN" altLang="en-US" dirty="0">
+              <a:latin typeface="Tahoma" panose="020B0604030504040204" pitchFamily="34" charset="0"/>
+            </a:endParaRPr>
           </a:p>
           <a:p>
             <a:pPr>
@@ -4876,7 +4454,7 @@
                 <a:spcPct val="20000"/>
               </a:spcBef>
               <a:buSzPct val="100000"/>
-              <a:buFont typeface="Wingdings" pitchFamily="2" charset="2"/>
+              <a:buFont typeface="Wingdings" panose="05000000000000000000" pitchFamily="2" charset="2"/>
               <a:buChar char="Ø"/>
             </a:pPr>
             <a:r>
@@ -4885,6 +4463,9 @@
               </a:rPr>
               <a:t>数组变量的值是数组对象实例的引用</a:t>
             </a:r>
+            <a:endParaRPr lang="zh-CN" altLang="en-US" dirty="0">
+              <a:latin typeface="Tahoma" panose="020B0604030504040204" pitchFamily="34" charset="0"/>
+            </a:endParaRPr>
           </a:p>
           <a:p>
             <a:pPr>
@@ -4892,7 +4473,7 @@
                 <a:spcPct val="20000"/>
               </a:spcBef>
               <a:buSzPct val="100000"/>
-              <a:buFont typeface="Wingdings" pitchFamily="2" charset="2"/>
+              <a:buFont typeface="Wingdings" panose="05000000000000000000" pitchFamily="2" charset="2"/>
               <a:buChar char="Ø"/>
             </a:pPr>
             <a:r>
@@ -4925,6 +4506,9 @@
               </a:rPr>
               <a:t>类提供了一些操作数组的方法</a:t>
             </a:r>
+            <a:endParaRPr lang="zh-CN" altLang="en-US" dirty="0">
+              <a:latin typeface="Tahoma" panose="020B0604030504040204" pitchFamily="34" charset="0"/>
+            </a:endParaRPr>
           </a:p>
           <a:p>
             <a:pPr>
@@ -4932,7 +4516,7 @@
                 <a:spcPct val="20000"/>
               </a:spcBef>
               <a:buSzPct val="100000"/>
-              <a:buFont typeface="Wingdings" pitchFamily="2" charset="2"/>
+              <a:buFont typeface="Wingdings" panose="05000000000000000000" pitchFamily="2" charset="2"/>
               <a:buChar char="Ø"/>
             </a:pPr>
             <a:r>
@@ -4977,6 +4561,9 @@
               </a:rPr>
               <a:t>的容量可以随着需要变化</a:t>
             </a:r>
+            <a:endParaRPr lang="zh-CN" altLang="en-US" dirty="0">
+              <a:latin typeface="Tahoma" panose="020B0604030504040204" pitchFamily="34" charset="0"/>
+            </a:endParaRPr>
           </a:p>
           <a:p>
             <a:endParaRPr kumimoji="1" lang="zh-CN" altLang="en-US" dirty="0"/>
@@ -4984,11 +4571,6 @@
         </p:txBody>
       </p:sp>
     </p:spTree>
-    <p:extLst>
-      <p:ext uri="{BB962C8B-B14F-4D97-AF65-F5344CB8AC3E}">
-        <p14:creationId xmlns:p14="http://schemas.microsoft.com/office/powerpoint/2010/main" val="3044542524"/>
-      </p:ext>
-    </p:extLst>
   </p:cSld>
   <p:clrMapOvr>
     <a:masterClrMapping/>
@@ -5015,13 +4597,7 @@
       </p:grpSpPr>
       <p:sp>
         <p:nvSpPr>
-          <p:cNvPr id="2" name="标题 1">
-            <a:extLst>
-              <a:ext uri="{FF2B5EF4-FFF2-40B4-BE49-F238E27FC236}">
-                <a16:creationId xmlns:a16="http://schemas.microsoft.com/office/drawing/2014/main" id="{60F10B3B-EEC7-4041-8C0C-9FDBC1AF99AD}"/>
-              </a:ext>
-            </a:extLst>
-          </p:cNvPr>
+          <p:cNvPr id="2" name="标题 1"/>
           <p:cNvSpPr>
             <a:spLocks noGrp="1"/>
           </p:cNvSpPr>
@@ -5036,7 +4612,7 @@
           <a:p>
             <a:r>
               <a:rPr lang="en-US" altLang="zh-CN" dirty="0" err="1">
-                <a:latin typeface="Times New Roman" panose="02020603050405020304" pitchFamily="18" charset="0"/>
+                <a:latin typeface="Times New Roman" panose="02020503050405090304" pitchFamily="18" charset="0"/>
               </a:rPr>
               <a:t>java.util.Arrays</a:t>
             </a:r>
@@ -5046,13 +4622,7 @@
       </p:sp>
       <p:sp>
         <p:nvSpPr>
-          <p:cNvPr id="3" name="内容占位符 2">
-            <a:extLst>
-              <a:ext uri="{FF2B5EF4-FFF2-40B4-BE49-F238E27FC236}">
-                <a16:creationId xmlns:a16="http://schemas.microsoft.com/office/drawing/2014/main" id="{3AA9F190-7E24-944E-9380-4944AD58824E}"/>
-              </a:ext>
-            </a:extLst>
-          </p:cNvPr>
+          <p:cNvPr id="3" name="内容占位符 2"/>
           <p:cNvSpPr>
             <a:spLocks noGrp="1"/>
           </p:cNvSpPr>
@@ -5070,7 +4640,7 @@
                 <a:spcPct val="20000"/>
               </a:spcBef>
               <a:buSzPct val="60000"/>
-              <a:buFont typeface="Wingdings" pitchFamily="2" charset="2"/>
+              <a:buFont typeface="Wingdings" panose="05000000000000000000" pitchFamily="2" charset="2"/>
               <a:buChar char="p"/>
             </a:pPr>
             <a:r>
@@ -5121,6 +4691,9 @@
               </a:rPr>
               <a:t> key)</a:t>
             </a:r>
+            <a:endParaRPr lang="en-US" altLang="zh-CN" dirty="0">
+              <a:latin typeface="Tahoma" panose="020B0604030504040204" pitchFamily="34" charset="0"/>
+            </a:endParaRPr>
           </a:p>
           <a:p>
             <a:pPr lvl="1">
@@ -5128,7 +4701,7 @@
                 <a:spcPct val="20000"/>
               </a:spcBef>
               <a:buSzPct val="55000"/>
-              <a:buFont typeface="Wingdings" pitchFamily="2" charset="2"/>
+              <a:buFont typeface="Wingdings" panose="05000000000000000000" pitchFamily="2" charset="2"/>
               <a:buChar char="p"/>
             </a:pPr>
             <a:r>
@@ -5149,6 +4722,9 @@
               </a:rPr>
               <a:t>必须已经排序，否则返回值无意义</a:t>
             </a:r>
+            <a:endParaRPr lang="zh-CN" altLang="en-US" dirty="0">
+              <a:latin typeface="Tahoma" panose="020B0604030504040204" pitchFamily="34" charset="0"/>
+            </a:endParaRPr>
           </a:p>
           <a:p>
             <a:pPr lvl="1">
@@ -5156,7 +4732,7 @@
                 <a:spcPct val="20000"/>
               </a:spcBef>
               <a:buSzPct val="55000"/>
-              <a:buFont typeface="Wingdings" pitchFamily="2" charset="2"/>
+              <a:buFont typeface="Wingdings" panose="05000000000000000000" pitchFamily="2" charset="2"/>
               <a:buChar char="p"/>
             </a:pPr>
             <a:r>
@@ -5177,6 +4753,9 @@
               </a:rPr>
               <a:t>中有重复的值时，该方法返回的值不确定</a:t>
             </a:r>
+            <a:endParaRPr lang="zh-CN" altLang="en-US" dirty="0">
+              <a:latin typeface="Tahoma" panose="020B0604030504040204" pitchFamily="34" charset="0"/>
+            </a:endParaRPr>
           </a:p>
           <a:p>
             <a:pPr lvl="1">
@@ -5184,7 +4763,7 @@
                 <a:spcPct val="20000"/>
               </a:spcBef>
               <a:buSzPct val="55000"/>
-              <a:buFont typeface="Wingdings" pitchFamily="2" charset="2"/>
+              <a:buFont typeface="Wingdings" panose="05000000000000000000" pitchFamily="2" charset="2"/>
               <a:buChar char="p"/>
             </a:pPr>
             <a:r>
@@ -5217,6 +4796,9 @@
               </a:rPr>
               <a:t>中的位置</a:t>
             </a:r>
+            <a:endParaRPr lang="zh-CN" altLang="en-US" dirty="0">
+              <a:latin typeface="Tahoma" panose="020B0604030504040204" pitchFamily="34" charset="0"/>
+            </a:endParaRPr>
           </a:p>
           <a:p>
             <a:pPr lvl="1">
@@ -5224,7 +4806,7 @@
                 <a:spcPct val="20000"/>
               </a:spcBef>
               <a:buSzPct val="55000"/>
-              <a:buFont typeface="Wingdings" pitchFamily="2" charset="2"/>
+              <a:buFont typeface="Wingdings" panose="05000000000000000000" pitchFamily="2" charset="2"/>
               <a:buChar char="p"/>
             </a:pPr>
             <a:r>
@@ -5269,11 +4851,6 @@
         </p:txBody>
       </p:sp>
     </p:spTree>
-    <p:extLst>
-      <p:ext uri="{BB962C8B-B14F-4D97-AF65-F5344CB8AC3E}">
-        <p14:creationId xmlns:p14="http://schemas.microsoft.com/office/powerpoint/2010/main" val="3019891764"/>
-      </p:ext>
-    </p:extLst>
   </p:cSld>
   <p:clrMapOvr>
     <a:masterClrMapping/>
@@ -5300,13 +4877,7 @@
       </p:grpSpPr>
       <p:sp>
         <p:nvSpPr>
-          <p:cNvPr id="2" name="标题 1">
-            <a:extLst>
-              <a:ext uri="{FF2B5EF4-FFF2-40B4-BE49-F238E27FC236}">
-                <a16:creationId xmlns:a16="http://schemas.microsoft.com/office/drawing/2014/main" id="{9C390794-1FCB-3045-B690-2631B3A75628}"/>
-              </a:ext>
-            </a:extLst>
-          </p:cNvPr>
+          <p:cNvPr id="2" name="标题 1"/>
           <p:cNvSpPr>
             <a:spLocks noGrp="1"/>
           </p:cNvSpPr>
@@ -5321,7 +4892,7 @@
           <a:p>
             <a:r>
               <a:rPr lang="en-US" altLang="zh-CN" dirty="0" err="1">
-                <a:latin typeface="Times New Roman" panose="02020603050405020304" pitchFamily="18" charset="0"/>
+                <a:latin typeface="Times New Roman" panose="02020503050405090304" pitchFamily="18" charset="0"/>
               </a:rPr>
               <a:t>java.util.Arrays</a:t>
             </a:r>
@@ -5331,13 +4902,7 @@
       </p:sp>
       <p:sp>
         <p:nvSpPr>
-          <p:cNvPr id="3" name="内容占位符 2">
-            <a:extLst>
-              <a:ext uri="{FF2B5EF4-FFF2-40B4-BE49-F238E27FC236}">
-                <a16:creationId xmlns:a16="http://schemas.microsoft.com/office/drawing/2014/main" id="{669352DA-AED7-BE40-A8C1-500A95921646}"/>
-              </a:ext>
-            </a:extLst>
-          </p:cNvPr>
+          <p:cNvPr id="3" name="内容占位符 2"/>
           <p:cNvSpPr>
             <a:spLocks noGrp="1"/>
           </p:cNvSpPr>
@@ -5355,7 +4920,7 @@
                 <a:spcPct val="20000"/>
               </a:spcBef>
               <a:buSzPct val="60000"/>
-              <a:buFont typeface="Wingdings" pitchFamily="2" charset="2"/>
+              <a:buFont typeface="Wingdings" panose="05000000000000000000" pitchFamily="2" charset="2"/>
               <a:buChar char="p"/>
             </a:pPr>
             <a:r>
@@ -5391,6 +4956,9 @@
               </a:rPr>
               <a:t>)</a:t>
             </a:r>
+            <a:endParaRPr lang="en-US" altLang="zh-CN" dirty="0">
+              <a:latin typeface="Tahoma" panose="020B0604030504040204" pitchFamily="34" charset="0"/>
+            </a:endParaRPr>
           </a:p>
           <a:p>
             <a:pPr>
@@ -5398,7 +4966,7 @@
                 <a:spcPct val="20000"/>
               </a:spcBef>
               <a:buSzPct val="60000"/>
-              <a:buFont typeface="Wingdings" pitchFamily="2" charset="2"/>
+              <a:buFont typeface="Wingdings" panose="05000000000000000000" pitchFamily="2" charset="2"/>
               <a:buChar char="p"/>
             </a:pPr>
             <a:r>
@@ -5458,6 +5026,9 @@
               </a:rPr>
               <a:t>)</a:t>
             </a:r>
+            <a:endParaRPr lang="en-US" altLang="zh-CN" dirty="0">
+              <a:latin typeface="Tahoma" panose="020B0604030504040204" pitchFamily="34" charset="0"/>
+            </a:endParaRPr>
           </a:p>
           <a:p>
             <a:pPr lvl="1">
@@ -5465,7 +5036,7 @@
                 <a:spcPct val="20000"/>
               </a:spcBef>
               <a:buSzPct val="55000"/>
-              <a:buFont typeface="Wingdings" pitchFamily="2" charset="2"/>
+              <a:buFont typeface="Wingdings" panose="05000000000000000000" pitchFamily="2" charset="2"/>
               <a:buChar char="p"/>
             </a:pPr>
             <a:r>
@@ -5516,6 +5087,9 @@
               </a:rPr>
               <a:t>]</a:t>
             </a:r>
+            <a:endParaRPr lang="en-US" altLang="zh-CN" sz="2000" dirty="0">
+              <a:latin typeface="Tahoma" panose="020B0604030504040204" pitchFamily="34" charset="0"/>
+            </a:endParaRPr>
           </a:p>
           <a:p>
             <a:pPr lvl="1">
@@ -5523,7 +5097,7 @@
                 <a:spcPct val="20000"/>
               </a:spcBef>
               <a:buSzPct val="55000"/>
-              <a:buFont typeface="Wingdings" pitchFamily="2" charset="2"/>
+              <a:buFont typeface="Wingdings" panose="05000000000000000000" pitchFamily="2" charset="2"/>
               <a:buChar char="p"/>
             </a:pPr>
             <a:r>
@@ -5560,11 +5134,6 @@
         </p:txBody>
       </p:sp>
     </p:spTree>
-    <p:extLst>
-      <p:ext uri="{BB962C8B-B14F-4D97-AF65-F5344CB8AC3E}">
-        <p14:creationId xmlns:p14="http://schemas.microsoft.com/office/powerpoint/2010/main" val="3419531152"/>
-      </p:ext>
-    </p:extLst>
   </p:cSld>
   <p:clrMapOvr>
     <a:masterClrMapping/>
@@ -5591,13 +5160,7 @@
       </p:grpSpPr>
       <p:sp>
         <p:nvSpPr>
-          <p:cNvPr id="2" name="标题 1">
-            <a:extLst>
-              <a:ext uri="{FF2B5EF4-FFF2-40B4-BE49-F238E27FC236}">
-                <a16:creationId xmlns:a16="http://schemas.microsoft.com/office/drawing/2014/main" id="{B8498BF7-A990-5640-A6C8-F305E290BF65}"/>
-              </a:ext>
-            </a:extLst>
-          </p:cNvPr>
+          <p:cNvPr id="2" name="标题 1"/>
           <p:cNvSpPr>
             <a:spLocks noGrp="1"/>
           </p:cNvSpPr>
@@ -5612,7 +5175,7 @@
           <a:p>
             <a:r>
               <a:rPr lang="en-US" altLang="zh-CN" dirty="0" err="1">
-                <a:latin typeface="Times New Roman" panose="02020603050405020304" pitchFamily="18" charset="0"/>
+                <a:latin typeface="Times New Roman" panose="02020503050405090304" pitchFamily="18" charset="0"/>
               </a:rPr>
               <a:t>java.util.Arrays</a:t>
             </a:r>
@@ -5622,13 +5185,7 @@
       </p:sp>
       <p:sp>
         <p:nvSpPr>
-          <p:cNvPr id="3" name="内容占位符 2">
-            <a:extLst>
-              <a:ext uri="{FF2B5EF4-FFF2-40B4-BE49-F238E27FC236}">
-                <a16:creationId xmlns:a16="http://schemas.microsoft.com/office/drawing/2014/main" id="{08A52D4F-DDD8-5541-AEDD-8BFACF2587A3}"/>
-              </a:ext>
-            </a:extLst>
-          </p:cNvPr>
+          <p:cNvPr id="3" name="内容占位符 2"/>
           <p:cNvSpPr>
             <a:spLocks noGrp="1"/>
           </p:cNvSpPr>
@@ -5649,7 +5206,7 @@
                 <a:spcPct val="20000"/>
               </a:spcBef>
               <a:buSzPct val="60000"/>
-              <a:buFont typeface="Wingdings" pitchFamily="2" charset="2"/>
+              <a:buFont typeface="Wingdings" panose="05000000000000000000" pitchFamily="2" charset="2"/>
               <a:buChar char="p"/>
             </a:pPr>
             <a:r>
@@ -5694,6 +5251,9 @@
               </a:rPr>
               <a:t> a2[])</a:t>
             </a:r>
+            <a:endParaRPr lang="en-US" altLang="zh-CN" dirty="0">
+              <a:latin typeface="Tahoma" panose="020B0604030504040204" pitchFamily="34" charset="0"/>
+            </a:endParaRPr>
           </a:p>
           <a:p>
             <a:pPr lvl="1">
@@ -5704,7 +5264,7 @@
                 <a:spcPct val="20000"/>
               </a:spcBef>
               <a:buSzPct val="55000"/>
-              <a:buFont typeface="Wingdings" pitchFamily="2" charset="2"/>
+              <a:buFont typeface="Wingdings" panose="05000000000000000000" pitchFamily="2" charset="2"/>
               <a:buChar char="p"/>
             </a:pPr>
             <a:r>
@@ -5713,6 +5273,9 @@
               </a:rPr>
               <a:t>两个数组大小相同，并且每一个元素相等</a:t>
             </a:r>
+            <a:endParaRPr lang="zh-CN" altLang="en-US" sz="2800" dirty="0">
+              <a:latin typeface="Tahoma" panose="020B0604030504040204" pitchFamily="34" charset="0"/>
+            </a:endParaRPr>
           </a:p>
           <a:p>
             <a:pPr lvl="1">
@@ -5723,7 +5286,7 @@
                 <a:spcPct val="20000"/>
               </a:spcBef>
               <a:buSzPct val="55000"/>
-              <a:buFont typeface="Wingdings" pitchFamily="2" charset="2"/>
+              <a:buFont typeface="Wingdings" panose="05000000000000000000" pitchFamily="2" charset="2"/>
               <a:buChar char="p"/>
             </a:pPr>
             <a:r>
@@ -5744,6 +5307,9 @@
               </a:rPr>
               <a:t>数组是相等的</a:t>
             </a:r>
+            <a:endParaRPr lang="zh-CN" altLang="en-US" sz="2800" dirty="0">
+              <a:latin typeface="Tahoma" panose="020B0604030504040204" pitchFamily="34" charset="0"/>
+            </a:endParaRPr>
           </a:p>
           <a:p>
             <a:endParaRPr kumimoji="1" lang="zh-CN" altLang="en-US" dirty="0"/>
@@ -5751,11 +5317,6 @@
         </p:txBody>
       </p:sp>
     </p:spTree>
-    <p:extLst>
-      <p:ext uri="{BB962C8B-B14F-4D97-AF65-F5344CB8AC3E}">
-        <p14:creationId xmlns:p14="http://schemas.microsoft.com/office/powerpoint/2010/main" val="3991003165"/>
-      </p:ext>
-    </p:extLst>
   </p:cSld>
   <p:clrMapOvr>
     <a:masterClrMapping/>
@@ -5782,13 +5343,7 @@
       </p:grpSpPr>
       <p:sp>
         <p:nvSpPr>
-          <p:cNvPr id="2" name="标题 1">
-            <a:extLst>
-              <a:ext uri="{FF2B5EF4-FFF2-40B4-BE49-F238E27FC236}">
-                <a16:creationId xmlns:a16="http://schemas.microsoft.com/office/drawing/2014/main" id="{0DDC8012-73C3-604A-8E2B-2B91620D3A60}"/>
-              </a:ext>
-            </a:extLst>
-          </p:cNvPr>
+          <p:cNvPr id="2" name="标题 1"/>
           <p:cNvSpPr>
             <a:spLocks noGrp="1"/>
           </p:cNvSpPr>
@@ -5803,7 +5358,7 @@
           <a:p>
             <a:r>
               <a:rPr lang="en-US" altLang="zh-CN" dirty="0" err="1">
-                <a:latin typeface="Times New Roman" panose="02020603050405020304" pitchFamily="18" charset="0"/>
+                <a:latin typeface="Times New Roman" panose="02020503050405090304" pitchFamily="18" charset="0"/>
               </a:rPr>
               <a:t>java.util.Arrays</a:t>
             </a:r>
@@ -5813,13 +5368,7 @@
       </p:sp>
       <p:sp>
         <p:nvSpPr>
-          <p:cNvPr id="3" name="内容占位符 2">
-            <a:extLst>
-              <a:ext uri="{FF2B5EF4-FFF2-40B4-BE49-F238E27FC236}">
-                <a16:creationId xmlns:a16="http://schemas.microsoft.com/office/drawing/2014/main" id="{6829751E-1C06-BC40-8F69-0C912DDBE3E2}"/>
-              </a:ext>
-            </a:extLst>
-          </p:cNvPr>
+          <p:cNvPr id="3" name="内容占位符 2"/>
           <p:cNvSpPr>
             <a:spLocks noGrp="1"/>
           </p:cNvSpPr>
@@ -5837,7 +5386,7 @@
                 <a:spcPct val="20000"/>
               </a:spcBef>
               <a:buSzPct val="60000"/>
-              <a:buFont typeface="Wingdings" pitchFamily="2" charset="2"/>
+              <a:buFont typeface="Wingdings" panose="05000000000000000000" pitchFamily="2" charset="2"/>
               <a:buChar char="n"/>
             </a:pPr>
             <a:r>
@@ -5861,6 +5410,9 @@
               </a:rPr>
               <a:t> a[])</a:t>
             </a:r>
+            <a:endParaRPr lang="en-US" altLang="zh-CN" dirty="0">
+              <a:latin typeface="Tahoma" panose="020B0604030504040204" pitchFamily="34" charset="0"/>
+            </a:endParaRPr>
           </a:p>
           <a:p>
             <a:pPr>
@@ -5868,7 +5420,7 @@
                 <a:spcPct val="20000"/>
               </a:spcBef>
               <a:buSzPct val="60000"/>
-              <a:buFont typeface="Wingdings" pitchFamily="2" charset="2"/>
+              <a:buFont typeface="Wingdings" panose="05000000000000000000" pitchFamily="2" charset="2"/>
               <a:buNone/>
             </a:pPr>
             <a:r>
@@ -5916,6 +5468,9 @@
               </a:rPr>
               <a:t>)</a:t>
             </a:r>
+            <a:endParaRPr lang="en-US" altLang="zh-CN" dirty="0">
+              <a:latin typeface="Tahoma" panose="020B0604030504040204" pitchFamily="34" charset="0"/>
+            </a:endParaRPr>
           </a:p>
           <a:p>
             <a:pPr>
@@ -5923,7 +5478,7 @@
                 <a:spcPct val="20000"/>
               </a:spcBef>
               <a:buSzPct val="60000"/>
-              <a:buFont typeface="Wingdings" pitchFamily="2" charset="2"/>
+              <a:buFont typeface="Wingdings" panose="05000000000000000000" pitchFamily="2" charset="2"/>
               <a:buNone/>
             </a:pPr>
             <a:r>
@@ -5957,6 +5512,9 @@
               </a:rPr>
               <a:t>c)</a:t>
             </a:r>
+            <a:endParaRPr lang="en-US" altLang="zh-CN" dirty="0">
+              <a:latin typeface="Tahoma" panose="020B0604030504040204" pitchFamily="34" charset="0"/>
+            </a:endParaRPr>
           </a:p>
           <a:p>
             <a:pPr>
@@ -5964,7 +5522,7 @@
                 <a:spcPct val="20000"/>
               </a:spcBef>
               <a:buSzPct val="60000"/>
-              <a:buFont typeface="Wingdings" pitchFamily="2" charset="2"/>
+              <a:buFont typeface="Wingdings" panose="05000000000000000000" pitchFamily="2" charset="2"/>
               <a:buNone/>
             </a:pPr>
             <a:r>
@@ -6034,6 +5592,9 @@
               </a:rPr>
               <a:t>c)</a:t>
             </a:r>
+            <a:endParaRPr lang="en-US" altLang="zh-CN" dirty="0">
+              <a:latin typeface="Tahoma" panose="020B0604030504040204" pitchFamily="34" charset="0"/>
+            </a:endParaRPr>
           </a:p>
           <a:p>
             <a:pPr lvl="1">
@@ -6041,7 +5602,7 @@
                 <a:spcPct val="20000"/>
               </a:spcBef>
               <a:buSzPct val="55000"/>
-              <a:buFont typeface="Wingdings" pitchFamily="2" charset="2"/>
+              <a:buFont typeface="Wingdings" panose="05000000000000000000" pitchFamily="2" charset="2"/>
               <a:buChar char="n"/>
             </a:pPr>
             <a:r>
@@ -6092,6 +5653,9 @@
               </a:rPr>
               <a:t>]</a:t>
             </a:r>
+            <a:endParaRPr lang="en-US" altLang="zh-CN" sz="2000" dirty="0">
+              <a:latin typeface="Tahoma" panose="020B0604030504040204" pitchFamily="34" charset="0"/>
+            </a:endParaRPr>
           </a:p>
           <a:p>
             <a:pPr lvl="1">
@@ -6099,7 +5663,7 @@
                 <a:spcPct val="20000"/>
               </a:spcBef>
               <a:buSzPct val="55000"/>
-              <a:buFont typeface="Wingdings" pitchFamily="2" charset="2"/>
+              <a:buFont typeface="Wingdings" panose="05000000000000000000" pitchFamily="2" charset="2"/>
               <a:buChar char="n"/>
             </a:pPr>
             <a:r>
@@ -6126,6 +5690,9 @@
               </a:rPr>
               <a:t>时，范围是一个空的范围</a:t>
             </a:r>
+            <a:endParaRPr lang="zh-CN" altLang="en-US" sz="2000" dirty="0">
+              <a:latin typeface="Tahoma" panose="020B0604030504040204" pitchFamily="34" charset="0"/>
+            </a:endParaRPr>
           </a:p>
           <a:p>
             <a:pPr lvl="1">
@@ -6133,7 +5700,7 @@
                 <a:spcPct val="20000"/>
               </a:spcBef>
               <a:buSzPct val="55000"/>
-              <a:buFont typeface="Wingdings" pitchFamily="2" charset="2"/>
+              <a:buFont typeface="Wingdings" panose="05000000000000000000" pitchFamily="2" charset="2"/>
               <a:buChar char="n"/>
             </a:pPr>
             <a:r>
@@ -6154,6 +5721,9 @@
               </a:rPr>
               <a:t>的计算复杂性，效率高</a:t>
             </a:r>
+            <a:endParaRPr lang="zh-CN" altLang="en-US" sz="2000" dirty="0">
+              <a:latin typeface="Tahoma" panose="020B0604030504040204" pitchFamily="34" charset="0"/>
+            </a:endParaRPr>
           </a:p>
           <a:p>
             <a:pPr lvl="1">
@@ -6161,7 +5731,7 @@
                 <a:spcPct val="20000"/>
               </a:spcBef>
               <a:buSzPct val="55000"/>
-              <a:buFont typeface="Wingdings" pitchFamily="2" charset="2"/>
+              <a:buFont typeface="Wingdings" panose="05000000000000000000" pitchFamily="2" charset="2"/>
               <a:buChar char="n"/>
             </a:pPr>
             <a:r>
@@ -6170,6 +5740,9 @@
               </a:rPr>
               <a:t>排序算法都保证稳定，即排序算法不会改变相等元素的顺序</a:t>
             </a:r>
+            <a:endParaRPr lang="zh-CN" altLang="en-US" sz="2000" dirty="0">
+              <a:latin typeface="Tahoma" panose="020B0604030504040204" pitchFamily="34" charset="0"/>
+            </a:endParaRPr>
           </a:p>
           <a:p>
             <a:pPr lvl="1">
@@ -6177,7 +5750,7 @@
                 <a:spcPct val="20000"/>
               </a:spcBef>
               <a:buSzPct val="55000"/>
-              <a:buFont typeface="Wingdings" pitchFamily="2" charset="2"/>
+              <a:buFont typeface="Wingdings" panose="05000000000000000000" pitchFamily="2" charset="2"/>
               <a:buChar char="n"/>
             </a:pPr>
             <a:r>
@@ -6186,6 +5759,9 @@
               </a:rPr>
               <a:t>对不同类型的数组，算法的实现并不完全相同</a:t>
             </a:r>
+            <a:endParaRPr lang="zh-CN" altLang="en-US" sz="2000" dirty="0">
+              <a:latin typeface="Tahoma" panose="020B0604030504040204" pitchFamily="34" charset="0"/>
+            </a:endParaRPr>
           </a:p>
           <a:p>
             <a:pPr lvl="1">
@@ -6193,7 +5769,7 @@
                 <a:spcPct val="20000"/>
               </a:spcBef>
               <a:buSzPct val="55000"/>
-              <a:buFont typeface="Wingdings" pitchFamily="2" charset="2"/>
+              <a:buFont typeface="Wingdings" panose="05000000000000000000" pitchFamily="2" charset="2"/>
               <a:buChar char="n"/>
             </a:pPr>
             <a:r>
@@ -6224,11 +5800,6 @@
         </p:txBody>
       </p:sp>
     </p:spTree>
-    <p:extLst>
-      <p:ext uri="{BB962C8B-B14F-4D97-AF65-F5344CB8AC3E}">
-        <p14:creationId xmlns:p14="http://schemas.microsoft.com/office/powerpoint/2010/main" val="1151749303"/>
-      </p:ext>
-    </p:extLst>
   </p:cSld>
   <p:clrMapOvr>
     <a:masterClrMapping/>
@@ -6255,13 +5826,7 @@
       </p:grpSpPr>
       <p:sp>
         <p:nvSpPr>
-          <p:cNvPr id="2" name="标题 1">
-            <a:extLst>
-              <a:ext uri="{FF2B5EF4-FFF2-40B4-BE49-F238E27FC236}">
-                <a16:creationId xmlns:a16="http://schemas.microsoft.com/office/drawing/2014/main" id="{4F365D29-85CC-DA4D-934D-4464CCB6991B}"/>
-              </a:ext>
-            </a:extLst>
-          </p:cNvPr>
+          <p:cNvPr id="2" name="标题 1"/>
           <p:cNvSpPr>
             <a:spLocks noGrp="1"/>
           </p:cNvSpPr>
@@ -6288,13 +5853,7 @@
       </p:sp>
       <p:sp>
         <p:nvSpPr>
-          <p:cNvPr id="3" name="内容占位符 2">
-            <a:extLst>
-              <a:ext uri="{FF2B5EF4-FFF2-40B4-BE49-F238E27FC236}">
-                <a16:creationId xmlns:a16="http://schemas.microsoft.com/office/drawing/2014/main" id="{254DB7F7-2334-F543-99EC-3F823ACD1EC6}"/>
-              </a:ext>
-            </a:extLst>
-          </p:cNvPr>
+          <p:cNvPr id="3" name="内容占位符 2"/>
           <p:cNvSpPr>
             <a:spLocks noGrp="1"/>
           </p:cNvSpPr>
@@ -6311,83 +5870,89 @@
               <a:lnSpc>
                 <a:spcPct val="120000"/>
               </a:lnSpc>
-              <a:buFont typeface="Wingdings" pitchFamily="2" charset="2"/>
+              <a:buFont typeface="Wingdings" panose="05000000000000000000" pitchFamily="2" charset="2"/>
               <a:buChar char="ü"/>
             </a:pPr>
             <a:r>
               <a:rPr lang="zh-CN" altLang="en-US" dirty="0">
-                <a:latin typeface="Times New Roman" panose="02020603050405020304" pitchFamily="18" charset="0"/>
+                <a:latin typeface="Times New Roman" panose="02020503050405090304" pitchFamily="18" charset="0"/>
               </a:rPr>
               <a:t>数组（</a:t>
             </a:r>
             <a:r>
               <a:rPr lang="en-US" altLang="zh-CN" dirty="0">
-                <a:latin typeface="Times New Roman" panose="02020603050405020304" pitchFamily="18" charset="0"/>
+                <a:latin typeface="Times New Roman" panose="02020503050405090304" pitchFamily="18" charset="0"/>
               </a:rPr>
               <a:t>Array</a:t>
             </a:r>
             <a:r>
               <a:rPr lang="zh-CN" altLang="en-US" dirty="0">
-                <a:latin typeface="Times New Roman" panose="02020603050405020304" pitchFamily="18" charset="0"/>
+                <a:latin typeface="Times New Roman" panose="02020503050405090304" pitchFamily="18" charset="0"/>
               </a:rPr>
               <a:t>）</a:t>
             </a:r>
+            <a:endParaRPr lang="zh-CN" altLang="en-US" dirty="0">
+              <a:latin typeface="Times New Roman" panose="02020503050405090304" pitchFamily="18" charset="0"/>
+            </a:endParaRPr>
           </a:p>
           <a:p>
             <a:pPr>
               <a:lnSpc>
                 <a:spcPct val="120000"/>
               </a:lnSpc>
-              <a:buFont typeface="Wingdings" pitchFamily="2" charset="2"/>
+              <a:buFont typeface="Wingdings" panose="05000000000000000000" pitchFamily="2" charset="2"/>
               <a:buChar char="ü"/>
             </a:pPr>
             <a:r>
               <a:rPr lang="zh-CN" altLang="en-US" dirty="0">
-                <a:latin typeface="Times New Roman" panose="02020603050405020304" pitchFamily="18" charset="0"/>
+                <a:latin typeface="Times New Roman" panose="02020503050405090304" pitchFamily="18" charset="0"/>
               </a:rPr>
               <a:t>向量（</a:t>
             </a:r>
             <a:r>
               <a:rPr lang="en-US" altLang="zh-CN" dirty="0">
-                <a:latin typeface="Times New Roman" panose="02020603050405020304" pitchFamily="18" charset="0"/>
+                <a:latin typeface="Times New Roman" panose="02020503050405090304" pitchFamily="18" charset="0"/>
               </a:rPr>
               <a:t>Vector</a:t>
             </a:r>
             <a:r>
               <a:rPr lang="zh-CN" altLang="en-US" dirty="0">
-                <a:latin typeface="Times New Roman" panose="02020603050405020304" pitchFamily="18" charset="0"/>
+                <a:latin typeface="Times New Roman" panose="02020503050405090304" pitchFamily="18" charset="0"/>
               </a:rPr>
               <a:t>）</a:t>
             </a:r>
+            <a:endParaRPr lang="zh-CN" altLang="en-US" dirty="0">
+              <a:latin typeface="Times New Roman" panose="02020503050405090304" pitchFamily="18" charset="0"/>
+            </a:endParaRPr>
           </a:p>
           <a:p>
             <a:pPr>
               <a:lnSpc>
                 <a:spcPct val="120000"/>
               </a:lnSpc>
-              <a:buFont typeface="Wingdings" pitchFamily="2" charset="2"/>
+              <a:buFont typeface="Wingdings" panose="05000000000000000000" pitchFamily="2" charset="2"/>
               <a:buChar char="ü"/>
             </a:pPr>
             <a:r>
               <a:rPr lang="zh-CN" altLang="en-US" dirty="0">
-                <a:latin typeface="Times New Roman" panose="02020603050405020304" pitchFamily="18" charset="0"/>
+                <a:latin typeface="Times New Roman" panose="02020503050405090304" pitchFamily="18" charset="0"/>
               </a:rPr>
               <a:t>字符串（</a:t>
             </a:r>
             <a:r>
               <a:rPr lang="en-US" altLang="zh-CN" dirty="0">
-                <a:latin typeface="Times New Roman" panose="02020603050405020304" pitchFamily="18" charset="0"/>
+                <a:latin typeface="Times New Roman" panose="02020503050405090304" pitchFamily="18" charset="0"/>
               </a:rPr>
               <a:t>String</a:t>
             </a:r>
             <a:r>
               <a:rPr lang="zh-CN" altLang="en-US" dirty="0">
-                <a:latin typeface="Times New Roman" panose="02020603050405020304" pitchFamily="18" charset="0"/>
+                <a:latin typeface="Times New Roman" panose="02020503050405090304" pitchFamily="18" charset="0"/>
               </a:rPr>
               <a:t>）</a:t>
             </a:r>
             <a:endParaRPr lang="en-US" altLang="zh-CN" dirty="0">
-              <a:latin typeface="Times New Roman" panose="02020603050405020304" pitchFamily="18" charset="0"/>
+              <a:latin typeface="Times New Roman" panose="02020503050405090304" pitchFamily="18" charset="0"/>
             </a:endParaRPr>
           </a:p>
           <a:p>
@@ -6395,27 +5960,30 @@
               <a:lnSpc>
                 <a:spcPct val="120000"/>
               </a:lnSpc>
-              <a:buFont typeface="Wingdings" pitchFamily="2" charset="2"/>
+              <a:buFont typeface="Wingdings" panose="05000000000000000000" pitchFamily="2" charset="2"/>
               <a:buChar char="ü"/>
             </a:pPr>
             <a:r>
               <a:rPr lang="zh-CN" altLang="en-US" dirty="0">
-                <a:latin typeface="Times New Roman" panose="02020603050405020304" pitchFamily="18" charset="0"/>
+                <a:latin typeface="Times New Roman" panose="02020503050405090304" pitchFamily="18" charset="0"/>
               </a:rPr>
               <a:t>字符构造类（</a:t>
             </a:r>
             <a:r>
               <a:rPr lang="en-US" altLang="zh-CN" dirty="0">
-                <a:latin typeface="Times New Roman" panose="02020603050405020304" pitchFamily="18" charset="0"/>
+                <a:latin typeface="Times New Roman" panose="02020503050405090304" pitchFamily="18" charset="0"/>
               </a:rPr>
               <a:t>StringBuilder</a:t>
             </a:r>
             <a:r>
               <a:rPr lang="zh-CN" altLang="en-US" dirty="0">
-                <a:latin typeface="Times New Roman" panose="02020603050405020304" pitchFamily="18" charset="0"/>
+                <a:latin typeface="Times New Roman" panose="02020503050405090304" pitchFamily="18" charset="0"/>
               </a:rPr>
               <a:t>）</a:t>
             </a:r>
+            <a:endParaRPr lang="zh-CN" altLang="en-US" dirty="0">
+              <a:latin typeface="Times New Roman" panose="02020503050405090304" pitchFamily="18" charset="0"/>
+            </a:endParaRPr>
           </a:p>
           <a:p>
             <a:pPr marL="0" indent="0">
@@ -6426,11 +5994,6 @@
         </p:txBody>
       </p:sp>
     </p:spTree>
-    <p:extLst>
-      <p:ext uri="{BB962C8B-B14F-4D97-AF65-F5344CB8AC3E}">
-        <p14:creationId xmlns:p14="http://schemas.microsoft.com/office/powerpoint/2010/main" val="1965600552"/>
-      </p:ext>
-    </p:extLst>
   </p:cSld>
   <p:clrMapOvr>
     <a:masterClrMapping/>
@@ -6457,13 +6020,7 @@
       </p:grpSpPr>
       <p:sp>
         <p:nvSpPr>
-          <p:cNvPr id="2" name="标题 1">
-            <a:extLst>
-              <a:ext uri="{FF2B5EF4-FFF2-40B4-BE49-F238E27FC236}">
-                <a16:creationId xmlns:a16="http://schemas.microsoft.com/office/drawing/2014/main" id="{540793E0-69F0-CA43-9663-1DB7297F1745}"/>
-              </a:ext>
-            </a:extLst>
-          </p:cNvPr>
+          <p:cNvPr id="2" name="标题 1"/>
           <p:cNvSpPr>
             <a:spLocks noGrp="1"/>
           </p:cNvSpPr>
@@ -6478,7 +6035,7 @@
           <a:p>
             <a:r>
               <a:rPr lang="zh-CN" altLang="en-US" dirty="0">
-                <a:latin typeface="Times New Roman" panose="02020603050405020304" pitchFamily="18" charset="0"/>
+                <a:latin typeface="Times New Roman" panose="02020503050405090304" pitchFamily="18" charset="0"/>
               </a:rPr>
               <a:t>数组的复制</a:t>
             </a:r>
@@ -6488,13 +6045,7 @@
       </p:sp>
       <p:sp>
         <p:nvSpPr>
-          <p:cNvPr id="3" name="内容占位符 2">
-            <a:extLst>
-              <a:ext uri="{FF2B5EF4-FFF2-40B4-BE49-F238E27FC236}">
-                <a16:creationId xmlns:a16="http://schemas.microsoft.com/office/drawing/2014/main" id="{3E24B745-E36E-8745-B0D0-09013B4B5CA6}"/>
-              </a:ext>
-            </a:extLst>
-          </p:cNvPr>
+          <p:cNvPr id="3" name="内容占位符 2"/>
           <p:cNvSpPr>
             <a:spLocks noGrp="1"/>
           </p:cNvSpPr>
@@ -6512,7 +6063,7 @@
                 <a:spcPct val="20000"/>
               </a:spcBef>
               <a:buSzPct val="60000"/>
-              <a:buFont typeface="Wingdings" pitchFamily="2" charset="2"/>
+              <a:buFont typeface="Wingdings" panose="05000000000000000000" pitchFamily="2" charset="2"/>
               <a:buChar char="p"/>
             </a:pPr>
             <a:r>
@@ -6537,7 +6088,7 @@
                 <a:spcPct val="20000"/>
               </a:spcBef>
               <a:buSzPct val="55000"/>
-              <a:buFont typeface="Wingdings" pitchFamily="2" charset="2"/>
+              <a:buFont typeface="Wingdings" panose="05000000000000000000" pitchFamily="2" charset="2"/>
               <a:buChar char="p"/>
             </a:pPr>
             <a:r>
@@ -6656,6 +6207,9 @@
               </a:rPr>
               <a:t>length)</a:t>
             </a:r>
+            <a:endParaRPr lang="en-US" altLang="zh-CN" dirty="0">
+              <a:latin typeface="Tahoma" panose="020B0604030504040204" pitchFamily="34" charset="0"/>
+            </a:endParaRPr>
           </a:p>
           <a:p>
             <a:pPr lvl="1">
@@ -6663,7 +6217,7 @@
                 <a:spcPct val="20000"/>
               </a:spcBef>
               <a:buSzPct val="55000"/>
-              <a:buFont typeface="Wingdings" pitchFamily="2" charset="2"/>
+              <a:buFont typeface="Wingdings" panose="05000000000000000000" pitchFamily="2" charset="2"/>
               <a:buChar char="p"/>
             </a:pPr>
             <a:r>
@@ -6672,6 +6226,9 @@
               </a:rPr>
               <a:t>范围不能越界</a:t>
             </a:r>
+            <a:endParaRPr lang="zh-CN" altLang="en-US" dirty="0">
+              <a:latin typeface="Tahoma" panose="020B0604030504040204" pitchFamily="34" charset="0"/>
+            </a:endParaRPr>
           </a:p>
           <a:p>
             <a:pPr lvl="1">
@@ -6679,7 +6236,7 @@
                 <a:spcPct val="20000"/>
               </a:spcBef>
               <a:buSzPct val="55000"/>
-              <a:buFont typeface="Wingdings" pitchFamily="2" charset="2"/>
+              <a:buFont typeface="Wingdings" panose="05000000000000000000" pitchFamily="2" charset="2"/>
               <a:buChar char="p"/>
             </a:pPr>
             <a:r>
@@ -6688,6 +6245,9 @@
               </a:rPr>
               <a:t>可对任何同类型的数组进行复制</a:t>
             </a:r>
+            <a:endParaRPr lang="zh-CN" altLang="en-US" dirty="0">
+              <a:latin typeface="Tahoma" panose="020B0604030504040204" pitchFamily="34" charset="0"/>
+            </a:endParaRPr>
           </a:p>
           <a:p>
             <a:pPr lvl="1">
@@ -6695,7 +6255,7 @@
                 <a:spcPct val="20000"/>
               </a:spcBef>
               <a:buSzPct val="55000"/>
-              <a:buFont typeface="Wingdings" pitchFamily="2" charset="2"/>
+              <a:buFont typeface="Wingdings" panose="05000000000000000000" pitchFamily="2" charset="2"/>
               <a:buChar char="p"/>
             </a:pPr>
             <a:r>
@@ -6704,6 +6264,9 @@
               </a:rPr>
               <a:t>数组复制过程中做严格的类型检查</a:t>
             </a:r>
+            <a:endParaRPr lang="zh-CN" altLang="en-US" b="1" dirty="0">
+              <a:latin typeface="Tahoma" panose="020B0604030504040204" pitchFamily="34" charset="0"/>
+            </a:endParaRPr>
           </a:p>
           <a:p>
             <a:pPr lvl="1">
@@ -6711,7 +6274,7 @@
                 <a:spcPct val="20000"/>
               </a:spcBef>
               <a:buSzPct val="55000"/>
-              <a:buFont typeface="Wingdings" pitchFamily="2" charset="2"/>
+              <a:buFont typeface="Wingdings" panose="05000000000000000000" pitchFamily="2" charset="2"/>
               <a:buChar char="p"/>
             </a:pPr>
             <a:r>
@@ -6742,11 +6305,6 @@
         </p:txBody>
       </p:sp>
     </p:spTree>
-    <p:extLst>
-      <p:ext uri="{BB962C8B-B14F-4D97-AF65-F5344CB8AC3E}">
-        <p14:creationId xmlns:p14="http://schemas.microsoft.com/office/powerpoint/2010/main" val="3196402441"/>
-      </p:ext>
-    </p:extLst>
   </p:cSld>
   <p:clrMapOvr>
     <a:masterClrMapping/>
@@ -6773,13 +6331,7 @@
       </p:grpSpPr>
       <p:sp>
         <p:nvSpPr>
-          <p:cNvPr id="2" name="标题 1">
-            <a:extLst>
-              <a:ext uri="{FF2B5EF4-FFF2-40B4-BE49-F238E27FC236}">
-                <a16:creationId xmlns:a16="http://schemas.microsoft.com/office/drawing/2014/main" id="{CD08FC94-D3CA-9141-A72A-9CE20ABE9A23}"/>
-              </a:ext>
-            </a:extLst>
-          </p:cNvPr>
+          <p:cNvPr id="2" name="标题 1"/>
           <p:cNvSpPr>
             <a:spLocks noGrp="1"/>
           </p:cNvSpPr>
@@ -6814,13 +6366,7 @@
       </p:sp>
       <p:sp>
         <p:nvSpPr>
-          <p:cNvPr id="3" name="内容占位符 2">
-            <a:extLst>
-              <a:ext uri="{FF2B5EF4-FFF2-40B4-BE49-F238E27FC236}">
-                <a16:creationId xmlns:a16="http://schemas.microsoft.com/office/drawing/2014/main" id="{F2F1F1DD-B072-4B4B-A799-BF43878BDA42}"/>
-              </a:ext>
-            </a:extLst>
-          </p:cNvPr>
+          <p:cNvPr id="3" name="内容占位符 2"/>
           <p:cNvSpPr>
             <a:spLocks noGrp="1"/>
           </p:cNvSpPr>
@@ -6882,11 +6428,6 @@
         </p:txBody>
       </p:sp>
     </p:spTree>
-    <p:extLst>
-      <p:ext uri="{BB962C8B-B14F-4D97-AF65-F5344CB8AC3E}">
-        <p14:creationId xmlns:p14="http://schemas.microsoft.com/office/powerpoint/2010/main" val="2417945370"/>
-      </p:ext>
-    </p:extLst>
   </p:cSld>
   <p:clrMapOvr>
     <a:masterClrMapping/>
@@ -6913,13 +6454,7 @@
       </p:grpSpPr>
       <p:sp>
         <p:nvSpPr>
-          <p:cNvPr id="2" name="标题 1">
-            <a:extLst>
-              <a:ext uri="{FF2B5EF4-FFF2-40B4-BE49-F238E27FC236}">
-                <a16:creationId xmlns:a16="http://schemas.microsoft.com/office/drawing/2014/main" id="{FFA18F40-F60A-2A44-8AE8-C961D0B8F8C6}"/>
-              </a:ext>
-            </a:extLst>
-          </p:cNvPr>
+          <p:cNvPr id="2" name="标题 1"/>
           <p:cNvSpPr>
             <a:spLocks noGrp="1"/>
           </p:cNvSpPr>
@@ -6954,13 +6489,7 @@
       </p:sp>
       <p:sp>
         <p:nvSpPr>
-          <p:cNvPr id="3" name="内容占位符 2">
-            <a:extLst>
-              <a:ext uri="{FF2B5EF4-FFF2-40B4-BE49-F238E27FC236}">
-                <a16:creationId xmlns:a16="http://schemas.microsoft.com/office/drawing/2014/main" id="{E07B80A5-EAD3-6C4F-9CBA-04BF67EA55A7}"/>
-              </a:ext>
-            </a:extLst>
-          </p:cNvPr>
+          <p:cNvPr id="3" name="内容占位符 2"/>
           <p:cNvSpPr>
             <a:spLocks noGrp="1"/>
           </p:cNvSpPr>
@@ -6999,6 +6528,7 @@
               <a:rPr lang="zh-CN" altLang="en-GB" dirty="0"/>
               <a:t>类的对象不但可以保存顺序的一列数据，而且还提供了许多有用的方法来操作和处理这些数据。</a:t>
             </a:r>
+            <a:endParaRPr lang="zh-CN" altLang="en-GB" dirty="0"/>
           </a:p>
           <a:p>
             <a:pPr marL="0" indent="0">
@@ -7047,11 +6577,6 @@
         </p:txBody>
       </p:sp>
     </p:spTree>
-    <p:extLst>
-      <p:ext uri="{BB962C8B-B14F-4D97-AF65-F5344CB8AC3E}">
-        <p14:creationId xmlns:p14="http://schemas.microsoft.com/office/powerpoint/2010/main" val="370958015"/>
-      </p:ext>
-    </p:extLst>
   </p:cSld>
   <p:clrMapOvr>
     <a:masterClrMapping/>
@@ -7078,13 +6603,7 @@
       </p:grpSpPr>
       <p:sp>
         <p:nvSpPr>
-          <p:cNvPr id="2" name="标题 1">
-            <a:extLst>
-              <a:ext uri="{FF2B5EF4-FFF2-40B4-BE49-F238E27FC236}">
-                <a16:creationId xmlns:a16="http://schemas.microsoft.com/office/drawing/2014/main" id="{297B5562-F914-8147-951C-C4CABB6BA0C5}"/>
-              </a:ext>
-            </a:extLst>
-          </p:cNvPr>
+          <p:cNvPr id="2" name="标题 1"/>
           <p:cNvSpPr>
             <a:spLocks noGrp="1"/>
           </p:cNvSpPr>
@@ -7119,13 +6638,7 @@
       </p:sp>
       <p:sp>
         <p:nvSpPr>
-          <p:cNvPr id="3" name="内容占位符 2">
-            <a:extLst>
-              <a:ext uri="{FF2B5EF4-FFF2-40B4-BE49-F238E27FC236}">
-                <a16:creationId xmlns:a16="http://schemas.microsoft.com/office/drawing/2014/main" id="{774479C0-A676-CE4F-AE0A-440C3F6256C7}"/>
-              </a:ext>
-            </a:extLst>
-          </p:cNvPr>
+          <p:cNvPr id="3" name="内容占位符 2"/>
           <p:cNvSpPr>
             <a:spLocks noGrp="1"/>
           </p:cNvSpPr>
@@ -7178,11 +6691,6 @@
         </p:txBody>
       </p:sp>
     </p:spTree>
-    <p:extLst>
-      <p:ext uri="{BB962C8B-B14F-4D97-AF65-F5344CB8AC3E}">
-        <p14:creationId xmlns:p14="http://schemas.microsoft.com/office/powerpoint/2010/main" val="3815190010"/>
-      </p:ext>
-    </p:extLst>
   </p:cSld>
   <p:clrMapOvr>
     <a:masterClrMapping/>
@@ -7209,13 +6717,7 @@
       </p:grpSpPr>
       <p:sp>
         <p:nvSpPr>
-          <p:cNvPr id="2" name="标题 1">
-            <a:extLst>
-              <a:ext uri="{FF2B5EF4-FFF2-40B4-BE49-F238E27FC236}">
-                <a16:creationId xmlns:a16="http://schemas.microsoft.com/office/drawing/2014/main" id="{70E1CF24-EB29-1E45-BB8B-54EADC63EC55}"/>
-              </a:ext>
-            </a:extLst>
-          </p:cNvPr>
+          <p:cNvPr id="2" name="标题 1"/>
           <p:cNvSpPr>
             <a:spLocks noGrp="1"/>
           </p:cNvSpPr>
@@ -7250,13 +6752,7 @@
       </p:sp>
       <p:sp>
         <p:nvSpPr>
-          <p:cNvPr id="3" name="内容占位符 2">
-            <a:extLst>
-              <a:ext uri="{FF2B5EF4-FFF2-40B4-BE49-F238E27FC236}">
-                <a16:creationId xmlns:a16="http://schemas.microsoft.com/office/drawing/2014/main" id="{1580C459-01FA-0C49-9D58-8C94F156A13B}"/>
-              </a:ext>
-            </a:extLst>
-          </p:cNvPr>
+          <p:cNvPr id="3" name="内容占位符 2"/>
           <p:cNvSpPr>
             <a:spLocks noGrp="1"/>
           </p:cNvSpPr>
@@ -7278,6 +6774,7 @@
               <a:rPr lang="zh-CN" altLang="en-GB" sz="3200" b="1" dirty="0"/>
               <a:t>向量比较适合在如下情况下使用：</a:t>
             </a:r>
+            <a:endParaRPr lang="zh-CN" altLang="en-GB" sz="3200" b="1" dirty="0"/>
           </a:p>
           <a:p>
             <a:pPr marL="0" indent="0">
@@ -7293,6 +6790,7 @@
               <a:rPr lang="zh-CN" altLang="en-GB" dirty="0"/>
               <a:t>    1. 需要处理的对象数目不定，序列中的元素都是对</a:t>
             </a:r>
+            <a:endParaRPr lang="zh-CN" altLang="en-GB" dirty="0"/>
           </a:p>
           <a:p>
             <a:pPr marL="0" indent="0">
@@ -7302,6 +6800,7 @@
               <a:rPr lang="zh-CN" altLang="en-GB" dirty="0"/>
               <a:t>象或可以表示为对象。</a:t>
             </a:r>
+            <a:endParaRPr lang="zh-CN" altLang="en-GB" dirty="0"/>
           </a:p>
           <a:p>
             <a:pPr marL="0" indent="0">
@@ -7311,6 +6810,7 @@
               <a:rPr lang="zh-CN" altLang="en-GB" dirty="0"/>
               <a:t>    2. 需要将不同类的对象组合成一个数据序列。</a:t>
             </a:r>
+            <a:endParaRPr lang="zh-CN" altLang="en-GB" dirty="0"/>
           </a:p>
           <a:p>
             <a:pPr marL="0" indent="0">
@@ -7330,6 +6830,7 @@
               <a:rPr lang="zh-CN" altLang="en-GB" dirty="0"/>
               <a:t>    4. 经常需要定位序列中的对象和其他查找操作。  </a:t>
             </a:r>
+            <a:endParaRPr lang="zh-CN" altLang="en-GB" dirty="0"/>
           </a:p>
           <a:p>
             <a:pPr marL="0" indent="0">
@@ -7339,6 +6840,7 @@
               <a:rPr lang="zh-CN" altLang="en-GB" dirty="0"/>
               <a:t>    5. 在不同的类之间传递大量的数据。</a:t>
             </a:r>
+            <a:endParaRPr lang="zh-CN" altLang="en-GB" dirty="0"/>
           </a:p>
           <a:p>
             <a:pPr marL="0" indent="0">
@@ -7356,6 +6858,7 @@
               <a:rPr lang="zh-CN" altLang="en-GB" dirty="0"/>
               <a:t>类的方法相对于数组要多一些，但是使用这个</a:t>
             </a:r>
+            <a:endParaRPr lang="zh-CN" altLang="en-GB" dirty="0"/>
           </a:p>
           <a:p>
             <a:pPr marL="0" indent="0">
@@ -7365,6 +6868,7 @@
               <a:rPr lang="zh-CN" altLang="en-GB" dirty="0"/>
               <a:t>类也有一定的局限性，例如其中的对象不能是简单数据</a:t>
             </a:r>
+            <a:endParaRPr lang="zh-CN" altLang="en-GB" dirty="0"/>
           </a:p>
           <a:p>
             <a:pPr marL="0" indent="0">
@@ -7374,6 +6878,7 @@
               <a:rPr lang="zh-CN" altLang="en-GB" dirty="0"/>
               <a:t>类型等。</a:t>
             </a:r>
+            <a:endParaRPr lang="zh-CN" altLang="en-GB" dirty="0"/>
           </a:p>
           <a:p>
             <a:endParaRPr kumimoji="1" lang="zh-CN" altLang="en-US" dirty="0"/>
@@ -7381,11 +6886,6 @@
         </p:txBody>
       </p:sp>
     </p:spTree>
-    <p:extLst>
-      <p:ext uri="{BB962C8B-B14F-4D97-AF65-F5344CB8AC3E}">
-        <p14:creationId xmlns:p14="http://schemas.microsoft.com/office/powerpoint/2010/main" val="1602629306"/>
-      </p:ext>
-    </p:extLst>
   </p:cSld>
   <p:clrMapOvr>
     <a:masterClrMapping/>
@@ -7412,13 +6912,7 @@
       </p:grpSpPr>
       <p:sp>
         <p:nvSpPr>
-          <p:cNvPr id="2" name="标题 1">
-            <a:extLst>
-              <a:ext uri="{FF2B5EF4-FFF2-40B4-BE49-F238E27FC236}">
-                <a16:creationId xmlns:a16="http://schemas.microsoft.com/office/drawing/2014/main" id="{8E60083D-28E2-6143-8620-DC3236414E0B}"/>
-              </a:ext>
-            </a:extLst>
-          </p:cNvPr>
+          <p:cNvPr id="2" name="标题 1"/>
           <p:cNvSpPr>
             <a:spLocks noGrp="1"/>
           </p:cNvSpPr>
@@ -7453,13 +6947,7 @@
       </p:sp>
       <p:sp>
         <p:nvSpPr>
-          <p:cNvPr id="3" name="内容占位符 2">
-            <a:extLst>
-              <a:ext uri="{FF2B5EF4-FFF2-40B4-BE49-F238E27FC236}">
-                <a16:creationId xmlns:a16="http://schemas.microsoft.com/office/drawing/2014/main" id="{D67D82C2-06BF-024E-A77F-DCC655BC84EB}"/>
-              </a:ext>
-            </a:extLst>
-          </p:cNvPr>
+          <p:cNvPr id="3" name="内容占位符 2"/>
           <p:cNvSpPr>
             <a:spLocks noGrp="1"/>
           </p:cNvSpPr>
@@ -7495,6 +6983,7 @@
               <a:rPr lang="zh-CN" altLang="en-GB" dirty="0"/>
               <a:t>类有三个构造函数：</a:t>
             </a:r>
+            <a:endParaRPr lang="zh-CN" altLang="en-GB" dirty="0"/>
           </a:p>
           <a:p>
             <a:pPr marL="0" indent="0">
@@ -7564,6 +7053,7 @@
               <a:rPr lang="en-GB" altLang="zh-CN" dirty="0"/>
               <a:t>Vector。</a:t>
             </a:r>
+            <a:endParaRPr lang="en-GB" altLang="zh-CN" dirty="0"/>
           </a:p>
           <a:p>
             <a:endParaRPr kumimoji="1" lang="zh-CN" altLang="en-US" dirty="0"/>
@@ -7571,11 +7061,6 @@
         </p:txBody>
       </p:sp>
     </p:spTree>
-    <p:extLst>
-      <p:ext uri="{BB962C8B-B14F-4D97-AF65-F5344CB8AC3E}">
-        <p14:creationId xmlns:p14="http://schemas.microsoft.com/office/powerpoint/2010/main" val="3583870706"/>
-      </p:ext>
-    </p:extLst>
   </p:cSld>
   <p:clrMapOvr>
     <a:masterClrMapping/>
@@ -7602,13 +7087,7 @@
       </p:grpSpPr>
       <p:sp>
         <p:nvSpPr>
-          <p:cNvPr id="2" name="标题 1">
-            <a:extLst>
-              <a:ext uri="{FF2B5EF4-FFF2-40B4-BE49-F238E27FC236}">
-                <a16:creationId xmlns:a16="http://schemas.microsoft.com/office/drawing/2014/main" id="{5FE16C3E-FE53-6949-A951-500BF968A5C5}"/>
-              </a:ext>
-            </a:extLst>
-          </p:cNvPr>
+          <p:cNvPr id="2" name="标题 1"/>
           <p:cNvSpPr>
             <a:spLocks noGrp="1"/>
           </p:cNvSpPr>
@@ -7643,13 +7122,7 @@
       </p:sp>
       <p:sp>
         <p:nvSpPr>
-          <p:cNvPr id="3" name="内容占位符 2">
-            <a:extLst>
-              <a:ext uri="{FF2B5EF4-FFF2-40B4-BE49-F238E27FC236}">
-                <a16:creationId xmlns:a16="http://schemas.microsoft.com/office/drawing/2014/main" id="{683B9F50-8379-0343-A68B-F4D9C49C3B23}"/>
-              </a:ext>
-            </a:extLst>
-          </p:cNvPr>
+          <p:cNvPr id="3" name="内容占位符 2"/>
           <p:cNvSpPr>
             <a:spLocks noGrp="1"/>
           </p:cNvSpPr>
@@ -7681,6 +7154,7 @@
               <a:rPr lang="en-GB" altLang="zh-CN" dirty="0"/>
               <a:t>=new Vector(100,50)；</a:t>
             </a:r>
+            <a:endParaRPr lang="en-GB" altLang="zh-CN" dirty="0"/>
           </a:p>
           <a:p>
             <a:pPr marL="0" indent="0">
@@ -7704,7 +7178,7 @@
             </a:r>
             <a:r>
               <a:rPr lang="zh-CN" altLang="en-GB" dirty="0">
-                <a:latin typeface="Times New Roman" panose="02020603050405020304" pitchFamily="18" charset="0"/>
+                <a:latin typeface="Times New Roman" panose="02020503050405090304" pitchFamily="18" charset="0"/>
               </a:rPr>
               <a:t>…</a:t>
             </a:r>
@@ -7728,11 +7202,6 @@
         </p:txBody>
       </p:sp>
     </p:spTree>
-    <p:extLst>
-      <p:ext uri="{BB962C8B-B14F-4D97-AF65-F5344CB8AC3E}">
-        <p14:creationId xmlns:p14="http://schemas.microsoft.com/office/powerpoint/2010/main" val="553096747"/>
-      </p:ext>
-    </p:extLst>
   </p:cSld>
   <p:clrMapOvr>
     <a:masterClrMapping/>
@@ -7759,13 +7228,7 @@
       </p:grpSpPr>
       <p:sp>
         <p:nvSpPr>
-          <p:cNvPr id="2" name="标题 1">
-            <a:extLst>
-              <a:ext uri="{FF2B5EF4-FFF2-40B4-BE49-F238E27FC236}">
-                <a16:creationId xmlns:a16="http://schemas.microsoft.com/office/drawing/2014/main" id="{DAA7DD33-9561-A046-B663-8143488E3459}"/>
-              </a:ext>
-            </a:extLst>
-          </p:cNvPr>
+          <p:cNvPr id="2" name="标题 1"/>
           <p:cNvSpPr>
             <a:spLocks noGrp="1"/>
           </p:cNvSpPr>
@@ -7800,13 +7263,7 @@
       </p:sp>
       <p:sp>
         <p:nvSpPr>
-          <p:cNvPr id="3" name="内容占位符 2">
-            <a:extLst>
-              <a:ext uri="{FF2B5EF4-FFF2-40B4-BE49-F238E27FC236}">
-                <a16:creationId xmlns:a16="http://schemas.microsoft.com/office/drawing/2014/main" id="{F8DC6F6A-FDE0-F34D-922D-85B926DB2AA2}"/>
-              </a:ext>
-            </a:extLst>
-          </p:cNvPr>
+          <p:cNvPr id="3" name="内容占位符 2"/>
           <p:cNvSpPr>
             <a:spLocks noGrp="1"/>
           </p:cNvSpPr>
@@ -7829,6 +7286,7 @@
               <a:rPr lang="zh-CN" altLang="en-GB" sz="3600" dirty="0"/>
               <a:t>有两种添加元素的方法：</a:t>
             </a:r>
+            <a:endParaRPr lang="zh-CN" altLang="en-GB" sz="3600" dirty="0"/>
           </a:p>
           <a:p>
             <a:pPr marL="0" indent="0">
@@ -7861,6 +7319,7 @@
               <a:rPr lang="zh-CN" altLang="en-GB" dirty="0"/>
               <a:t>将新元素添加到序列尾部。</a:t>
             </a:r>
+            <a:endParaRPr lang="zh-CN" altLang="en-GB" dirty="0"/>
           </a:p>
           <a:p>
             <a:pPr marL="0" indent="0">
@@ -7901,11 +7360,6 @@
         </p:txBody>
       </p:sp>
     </p:spTree>
-    <p:extLst>
-      <p:ext uri="{BB962C8B-B14F-4D97-AF65-F5344CB8AC3E}">
-        <p14:creationId xmlns:p14="http://schemas.microsoft.com/office/powerpoint/2010/main" val="2489901699"/>
-      </p:ext>
-    </p:extLst>
   </p:cSld>
   <p:clrMapOvr>
     <a:masterClrMapping/>
@@ -7932,13 +7386,7 @@
       </p:grpSpPr>
       <p:sp>
         <p:nvSpPr>
-          <p:cNvPr id="2" name="标题 1">
-            <a:extLst>
-              <a:ext uri="{FF2B5EF4-FFF2-40B4-BE49-F238E27FC236}">
-                <a16:creationId xmlns:a16="http://schemas.microsoft.com/office/drawing/2014/main" id="{966ADE9F-7A6D-9644-9D52-59A37F17463A}"/>
-              </a:ext>
-            </a:extLst>
-          </p:cNvPr>
+          <p:cNvPr id="2" name="标题 1"/>
           <p:cNvSpPr>
             <a:spLocks noGrp="1"/>
           </p:cNvSpPr>
@@ -7973,13 +7421,7 @@
       </p:sp>
       <p:sp>
         <p:nvSpPr>
-          <p:cNvPr id="3" name="内容占位符 2">
-            <a:extLst>
-              <a:ext uri="{FF2B5EF4-FFF2-40B4-BE49-F238E27FC236}">
-                <a16:creationId xmlns:a16="http://schemas.microsoft.com/office/drawing/2014/main" id="{2FCEB1FB-3DCA-F545-BCCB-41DAA396C031}"/>
-              </a:ext>
-            </a:extLst>
-          </p:cNvPr>
+          <p:cNvPr id="3" name="内容占位符 2"/>
           <p:cNvSpPr>
             <a:spLocks noGrp="1"/>
           </p:cNvSpPr>
@@ -8031,11 +7473,6 @@
               </a:rPr>
               <a:t>；</a:t>
             </a:r>
-          </a:p>
-          <a:p>
-            <a:pPr marL="0" indent="0">
-              <a:buNone/>
-            </a:pPr>
             <a:endParaRPr lang="zh-CN" altLang="en-US" dirty="0">
               <a:solidFill>
                 <a:srgbClr val="7030A0"/>
@@ -8046,6 +7483,16 @@
             <a:pPr marL="0" indent="0">
               <a:buNone/>
             </a:pPr>
+            <a:endParaRPr lang="zh-CN" altLang="en-US" dirty="0">
+              <a:solidFill>
+                <a:srgbClr val="7030A0"/>
+              </a:solidFill>
+            </a:endParaRPr>
+          </a:p>
+          <a:p>
+            <a:pPr marL="0" indent="0">
+              <a:buNone/>
+            </a:pPr>
             <a:r>
               <a:rPr lang="en-US" altLang="zh-CN" dirty="0">
                 <a:solidFill>
@@ -8070,66 +7517,6 @@
               </a:rPr>
               <a:t>=1;i&lt;=10;i++)</a:t>
             </a:r>
-          </a:p>
-          <a:p>
-            <a:pPr marL="0" indent="0">
-              <a:buNone/>
-            </a:pPr>
-            <a:r>
-              <a:rPr lang="en-US" altLang="zh-CN" dirty="0">
-                <a:solidFill>
-                  <a:srgbClr val="7030A0"/>
-                </a:solidFill>
-              </a:rPr>
-              <a:t>{</a:t>
-            </a:r>
-          </a:p>
-          <a:p>
-            <a:pPr marL="0" indent="0">
-              <a:buNone/>
-            </a:pPr>
-            <a:r>
-              <a:rPr lang="en-US" altLang="zh-CN" dirty="0">
-                <a:solidFill>
-                  <a:srgbClr val="7030A0"/>
-                </a:solidFill>
-              </a:rPr>
-              <a:t>    </a:t>
-            </a:r>
-            <a:r>
-              <a:rPr lang="en-US" altLang="zh-CN" dirty="0" err="1">
-                <a:solidFill>
-                  <a:srgbClr val="7030A0"/>
-                </a:solidFill>
-              </a:rPr>
-              <a:t>MyVector.addElement</a:t>
-            </a:r>
-            <a:r>
-              <a:rPr lang="en-US" altLang="zh-CN" dirty="0">
-                <a:solidFill>
-                  <a:srgbClr val="7030A0"/>
-                </a:solidFill>
-              </a:rPr>
-              <a:t>(new Random());</a:t>
-            </a:r>
-          </a:p>
-          <a:p>
-            <a:pPr marL="0" indent="0">
-              <a:buNone/>
-            </a:pPr>
-            <a:r>
-              <a:rPr lang="en-US" altLang="zh-CN" dirty="0">
-                <a:solidFill>
-                  <a:srgbClr val="7030A0"/>
-                </a:solidFill>
-              </a:rPr>
-              <a:t>}</a:t>
-            </a:r>
-          </a:p>
-          <a:p>
-            <a:pPr marL="0" indent="0">
-              <a:buNone/>
-            </a:pPr>
             <a:endParaRPr lang="en-US" altLang="zh-CN" dirty="0">
               <a:solidFill>
                 <a:srgbClr val="7030A0"/>
@@ -8141,11 +7528,91 @@
               <a:buNone/>
             </a:pPr>
             <a:r>
+              <a:rPr lang="en-US" altLang="zh-CN" dirty="0">
+                <a:solidFill>
+                  <a:srgbClr val="7030A0"/>
+                </a:solidFill>
+              </a:rPr>
+              <a:t>{</a:t>
+            </a:r>
+            <a:endParaRPr lang="en-US" altLang="zh-CN" dirty="0">
+              <a:solidFill>
+                <a:srgbClr val="7030A0"/>
+              </a:solidFill>
+            </a:endParaRPr>
+          </a:p>
+          <a:p>
+            <a:pPr marL="0" indent="0">
+              <a:buNone/>
+            </a:pPr>
+            <a:r>
+              <a:rPr lang="en-US" altLang="zh-CN" dirty="0">
+                <a:solidFill>
+                  <a:srgbClr val="7030A0"/>
+                </a:solidFill>
+              </a:rPr>
+              <a:t>    </a:t>
+            </a:r>
+            <a:r>
               <a:rPr lang="en-US" altLang="zh-CN" dirty="0" err="1">
                 <a:solidFill>
                   <a:srgbClr val="7030A0"/>
                 </a:solidFill>
               </a:rPr>
+              <a:t>MyVector.addElement</a:t>
+            </a:r>
+            <a:r>
+              <a:rPr lang="en-US" altLang="zh-CN" dirty="0">
+                <a:solidFill>
+                  <a:srgbClr val="7030A0"/>
+                </a:solidFill>
+              </a:rPr>
+              <a:t>(new Random());</a:t>
+            </a:r>
+            <a:endParaRPr lang="en-US" altLang="zh-CN" dirty="0">
+              <a:solidFill>
+                <a:srgbClr val="7030A0"/>
+              </a:solidFill>
+            </a:endParaRPr>
+          </a:p>
+          <a:p>
+            <a:pPr marL="0" indent="0">
+              <a:buNone/>
+            </a:pPr>
+            <a:r>
+              <a:rPr lang="en-US" altLang="zh-CN" dirty="0">
+                <a:solidFill>
+                  <a:srgbClr val="7030A0"/>
+                </a:solidFill>
+              </a:rPr>
+              <a:t>}</a:t>
+            </a:r>
+            <a:endParaRPr lang="en-US" altLang="zh-CN" dirty="0">
+              <a:solidFill>
+                <a:srgbClr val="7030A0"/>
+              </a:solidFill>
+            </a:endParaRPr>
+          </a:p>
+          <a:p>
+            <a:pPr marL="0" indent="0">
+              <a:buNone/>
+            </a:pPr>
+            <a:endParaRPr lang="en-US" altLang="zh-CN" dirty="0">
+              <a:solidFill>
+                <a:srgbClr val="7030A0"/>
+              </a:solidFill>
+            </a:endParaRPr>
+          </a:p>
+          <a:p>
+            <a:pPr marL="0" indent="0">
+              <a:buNone/>
+            </a:pPr>
+            <a:r>
+              <a:rPr lang="en-US" altLang="zh-CN" dirty="0" err="1">
+                <a:solidFill>
+                  <a:srgbClr val="7030A0"/>
+                </a:solidFill>
+              </a:rPr>
               <a:t>MyVector.insertElementAt</a:t>
             </a:r>
             <a:r>
@@ -8190,6 +7657,11 @@
               </a:rPr>
               <a:t>,5);</a:t>
             </a:r>
+            <a:endParaRPr lang="en-US" altLang="zh-CN" dirty="0">
+              <a:solidFill>
+                <a:srgbClr val="7030A0"/>
+              </a:solidFill>
+            </a:endParaRPr>
           </a:p>
           <a:p>
             <a:endParaRPr kumimoji="1" lang="zh-CN" altLang="en-US" dirty="0"/>
@@ -8197,11 +7669,6 @@
         </p:txBody>
       </p:sp>
     </p:spTree>
-    <p:extLst>
-      <p:ext uri="{BB962C8B-B14F-4D97-AF65-F5344CB8AC3E}">
-        <p14:creationId xmlns:p14="http://schemas.microsoft.com/office/powerpoint/2010/main" val="3903287975"/>
-      </p:ext>
-    </p:extLst>
   </p:cSld>
   <p:clrMapOvr>
     <a:masterClrMapping/>
@@ -8228,13 +7695,7 @@
       </p:grpSpPr>
       <p:sp>
         <p:nvSpPr>
-          <p:cNvPr id="2" name="标题 1">
-            <a:extLst>
-              <a:ext uri="{FF2B5EF4-FFF2-40B4-BE49-F238E27FC236}">
-                <a16:creationId xmlns:a16="http://schemas.microsoft.com/office/drawing/2014/main" id="{FE8D252C-2C08-D347-8967-891DBBA763AC}"/>
-              </a:ext>
-            </a:extLst>
-          </p:cNvPr>
+          <p:cNvPr id="2" name="标题 1"/>
           <p:cNvSpPr>
             <a:spLocks noGrp="1"/>
           </p:cNvSpPr>
@@ -8269,13 +7730,7 @@
       </p:sp>
       <p:sp>
         <p:nvSpPr>
-          <p:cNvPr id="3" name="内容占位符 2">
-            <a:extLst>
-              <a:ext uri="{FF2B5EF4-FFF2-40B4-BE49-F238E27FC236}">
-                <a16:creationId xmlns:a16="http://schemas.microsoft.com/office/drawing/2014/main" id="{FA0EA2C7-93F5-F244-B835-99F673BDEF33}"/>
-              </a:ext>
-            </a:extLst>
-          </p:cNvPr>
+          <p:cNvPr id="3" name="内容占位符 2"/>
           <p:cNvSpPr>
             <a:spLocks noGrp="1"/>
           </p:cNvSpPr>
@@ -8300,6 +7755,7 @@
               <a:rPr lang="zh-CN" altLang="en-GB" dirty="0"/>
               <a:t>使用以下方法修改或删除向量序列中的元素：             </a:t>
             </a:r>
+            <a:endParaRPr lang="zh-CN" altLang="en-GB" dirty="0"/>
           </a:p>
           <a:p>
             <a:pPr marL="0" indent="0">
@@ -8328,6 +7784,7 @@
               <a:rPr lang="en-GB" altLang="zh-CN" dirty="0"/>
               <a:t> index)</a:t>
             </a:r>
+            <a:endParaRPr lang="en-GB" altLang="zh-CN" dirty="0"/>
           </a:p>
           <a:p>
             <a:pPr marL="0" indent="0">
@@ -8364,6 +7821,7 @@
               <a:rPr lang="zh-CN" altLang="en-GB" dirty="0"/>
               <a:t>如</a:t>
             </a:r>
+            <a:endParaRPr lang="zh-CN" altLang="en-GB" dirty="0"/>
           </a:p>
           <a:p>
             <a:pPr marL="0" indent="0">
@@ -8376,6 +7834,7 @@
               <a:rPr lang="zh-CN" altLang="en-GB" dirty="0"/>
               <a:t>果这个位置原来有元素则被覆盖。</a:t>
             </a:r>
+            <a:endParaRPr lang="zh-CN" altLang="en-GB" dirty="0"/>
           </a:p>
           <a:p>
             <a:pPr marL="0" indent="0">
@@ -8404,6 +7863,7 @@
               <a:rPr lang="en-GB" altLang="zh-CN" dirty="0"/>
               <a:t>)</a:t>
             </a:r>
+            <a:endParaRPr lang="en-GB" altLang="zh-CN" dirty="0"/>
           </a:p>
           <a:p>
             <a:pPr marL="0" indent="0">
@@ -8428,6 +7888,7 @@
               <a:rPr lang="zh-CN" altLang="en-GB" dirty="0"/>
               <a:t>对象相同的元素，</a:t>
             </a:r>
+            <a:endParaRPr lang="zh-CN" altLang="en-GB" dirty="0"/>
           </a:p>
           <a:p>
             <a:pPr marL="0" indent="0">
@@ -8440,6 +7901,7 @@
               <a:rPr lang="zh-CN" altLang="en-GB" dirty="0"/>
               <a:t>同时将后面的元素前提，补上空位。这个方法返回的是</a:t>
             </a:r>
+            <a:endParaRPr lang="zh-CN" altLang="en-GB" dirty="0"/>
           </a:p>
           <a:p>
             <a:pPr marL="0" indent="0">
@@ -8452,6 +7914,7 @@
               <a:rPr lang="zh-CN" altLang="en-GB" dirty="0"/>
               <a:t>布尔值。</a:t>
             </a:r>
+            <a:endParaRPr lang="zh-CN" altLang="en-GB" dirty="0"/>
           </a:p>
           <a:p>
             <a:pPr marL="0" indent="0">
@@ -8472,6 +7935,7 @@
               <a:rPr lang="en-GB" altLang="zh-CN" dirty="0"/>
               <a:t>(int index)</a:t>
             </a:r>
+            <a:endParaRPr lang="en-GB" altLang="zh-CN" dirty="0"/>
           </a:p>
           <a:p>
             <a:pPr marL="0" indent="0">
@@ -8504,11 +7968,6 @@
         </p:txBody>
       </p:sp>
     </p:spTree>
-    <p:extLst>
-      <p:ext uri="{BB962C8B-B14F-4D97-AF65-F5344CB8AC3E}">
-        <p14:creationId xmlns:p14="http://schemas.microsoft.com/office/powerpoint/2010/main" val="573080514"/>
-      </p:ext>
-    </p:extLst>
   </p:cSld>
   <p:clrMapOvr>
     <a:masterClrMapping/>
@@ -8535,13 +7994,7 @@
       </p:grpSpPr>
       <p:sp>
         <p:nvSpPr>
-          <p:cNvPr id="2" name="标题 1">
-            <a:extLst>
-              <a:ext uri="{FF2B5EF4-FFF2-40B4-BE49-F238E27FC236}">
-                <a16:creationId xmlns:a16="http://schemas.microsoft.com/office/drawing/2014/main" id="{30CF09D0-B149-5B40-8087-7750195C7E10}"/>
-              </a:ext>
-            </a:extLst>
-          </p:cNvPr>
+          <p:cNvPr id="2" name="标题 1"/>
           <p:cNvSpPr>
             <a:spLocks noGrp="1"/>
           </p:cNvSpPr>
@@ -8558,18 +8011,13 @@
               <a:rPr kumimoji="1" lang="zh-CN" altLang="en-US" dirty="0"/>
               <a:t>一维数组</a:t>
             </a:r>
-          </a:p>
-        </p:txBody>
-      </p:sp>
-      <p:sp>
-        <p:nvSpPr>
-          <p:cNvPr id="3" name="内容占位符 2">
-            <a:extLst>
-              <a:ext uri="{FF2B5EF4-FFF2-40B4-BE49-F238E27FC236}">
-                <a16:creationId xmlns:a16="http://schemas.microsoft.com/office/drawing/2014/main" id="{EDB994CB-1D17-3D48-8F8F-CD3981664CAB}"/>
-              </a:ext>
-            </a:extLst>
-          </p:cNvPr>
+            <a:endParaRPr kumimoji="1" lang="zh-CN" altLang="en-US" dirty="0"/>
+          </a:p>
+        </p:txBody>
+      </p:sp>
+      <p:sp>
+        <p:nvSpPr>
+          <p:cNvPr id="3" name="内容占位符 2"/>
           <p:cNvSpPr>
             <a:spLocks noGrp="1"/>
           </p:cNvSpPr>
@@ -8593,7 +8041,7 @@
           </a:p>
           <a:p>
             <a:pPr>
-              <a:buFont typeface="Wingdings" pitchFamily="2" charset="2"/>
+              <a:buFont typeface="Wingdings" panose="05000000000000000000" pitchFamily="2" charset="2"/>
               <a:buChar char="Ø"/>
             </a:pPr>
             <a:r>
@@ -8612,10 +8060,11 @@
               <a:rPr lang="en-US" altLang="zh-CN" dirty="0"/>
               <a:t>;</a:t>
             </a:r>
+            <a:endParaRPr lang="en-US" altLang="zh-CN" dirty="0"/>
           </a:p>
           <a:p>
             <a:pPr>
-              <a:buFont typeface="Wingdings" pitchFamily="2" charset="2"/>
+              <a:buFont typeface="Wingdings" panose="05000000000000000000" pitchFamily="2" charset="2"/>
               <a:buChar char="Ø"/>
             </a:pPr>
             <a:r>
@@ -8654,6 +8103,7 @@
               <a:rPr lang="en-US" altLang="zh-CN" dirty="0"/>
               <a:t>];</a:t>
             </a:r>
+            <a:endParaRPr lang="en-US" altLang="zh-CN" dirty="0"/>
           </a:p>
           <a:p>
             <a:pPr marL="514350" indent="-514350">
@@ -8750,24 +8200,20 @@
               <a:rPr lang="zh-CN" altLang="en-US" dirty="0"/>
               <a:t>；</a:t>
             </a:r>
-          </a:p>
-          <a:p>
-            <a:pPr marL="0" indent="0">
-              <a:buNone/>
-            </a:pPr>
             <a:endParaRPr lang="zh-CN" altLang="en-US" dirty="0"/>
           </a:p>
           <a:p>
+            <a:pPr marL="0" indent="0">
+              <a:buNone/>
+            </a:pPr>
+            <a:endParaRPr lang="zh-CN" altLang="en-US" dirty="0"/>
+          </a:p>
+          <a:p>
             <a:endParaRPr kumimoji="1" lang="zh-CN" altLang="en-US" dirty="0"/>
           </a:p>
         </p:txBody>
       </p:sp>
     </p:spTree>
-    <p:extLst>
-      <p:ext uri="{BB962C8B-B14F-4D97-AF65-F5344CB8AC3E}">
-        <p14:creationId xmlns:p14="http://schemas.microsoft.com/office/powerpoint/2010/main" val="3789894487"/>
-      </p:ext>
-    </p:extLst>
   </p:cSld>
   <p:clrMapOvr>
     <a:masterClrMapping/>
@@ -8794,13 +8240,7 @@
       </p:grpSpPr>
       <p:sp>
         <p:nvSpPr>
-          <p:cNvPr id="2" name="标题 1">
-            <a:extLst>
-              <a:ext uri="{FF2B5EF4-FFF2-40B4-BE49-F238E27FC236}">
-                <a16:creationId xmlns:a16="http://schemas.microsoft.com/office/drawing/2014/main" id="{B00FB346-F079-FF4E-954E-F37454FBA97D}"/>
-              </a:ext>
-            </a:extLst>
-          </p:cNvPr>
+          <p:cNvPr id="2" name="标题 1"/>
           <p:cNvSpPr>
             <a:spLocks noGrp="1"/>
           </p:cNvSpPr>
@@ -8835,13 +8275,7 @@
       </p:sp>
       <p:sp>
         <p:nvSpPr>
-          <p:cNvPr id="3" name="内容占位符 2">
-            <a:extLst>
-              <a:ext uri="{FF2B5EF4-FFF2-40B4-BE49-F238E27FC236}">
-                <a16:creationId xmlns:a16="http://schemas.microsoft.com/office/drawing/2014/main" id="{B26702BD-74B5-1841-BD1B-8238C695462F}"/>
-              </a:ext>
-            </a:extLst>
-          </p:cNvPr>
+          <p:cNvPr id="3" name="内容占位符 2"/>
           <p:cNvSpPr>
             <a:spLocks noGrp="1"/>
           </p:cNvSpPr>
@@ -8870,6 +8304,11 @@
               </a:rPr>
               <a:t>常用于查找向量序列中某元素的方法如下：</a:t>
             </a:r>
+            <a:endParaRPr lang="zh-CN" altLang="en-GB" sz="3200" b="1" dirty="0">
+              <a:solidFill>
+                <a:schemeClr val="folHlink"/>
+              </a:solidFill>
+            </a:endParaRPr>
           </a:p>
           <a:p>
             <a:pPr marL="0" indent="0">
@@ -8894,6 +8333,7 @@
               <a:rPr lang="en-GB" altLang="zh-CN" dirty="0"/>
               <a:t>(int index)</a:t>
             </a:r>
+            <a:endParaRPr lang="en-GB" altLang="zh-CN" dirty="0"/>
           </a:p>
           <a:p>
             <a:pPr marL="0" indent="0">
@@ -8910,6 +8350,7 @@
               <a:rPr lang="zh-CN" altLang="en-GB" dirty="0"/>
               <a:t>返回指定位置处的元素。</a:t>
             </a:r>
+            <a:endParaRPr lang="zh-CN" altLang="en-GB" dirty="0"/>
           </a:p>
           <a:p>
             <a:pPr marL="0" indent="0">
@@ -8930,6 +8371,7 @@
               <a:rPr lang="zh-CN" altLang="en-GB" dirty="0"/>
               <a:t>类型的对象，</a:t>
             </a:r>
+            <a:endParaRPr lang="zh-CN" altLang="en-GB" dirty="0"/>
           </a:p>
           <a:p>
             <a:pPr marL="0" indent="0">
@@ -8942,6 +8384,7 @@
               <a:rPr lang="zh-CN" altLang="en-GB" dirty="0"/>
               <a:t>在使用之前通常需要进行强制类型转换，将返回的对象引</a:t>
             </a:r>
+            <a:endParaRPr lang="zh-CN" altLang="en-GB" dirty="0"/>
           </a:p>
           <a:p>
             <a:pPr marL="0" indent="0">
@@ -8962,6 +8405,7 @@
               <a:rPr lang="zh-CN" altLang="en-GB" dirty="0"/>
               <a:t>类的某个具体子类的对象。例如：</a:t>
             </a:r>
+            <a:endParaRPr lang="zh-CN" altLang="en-GB" dirty="0"/>
           </a:p>
           <a:p>
             <a:pPr marL="0" indent="0">
@@ -8986,6 +8430,7 @@
               <a:rPr lang="en-GB" altLang="zh-CN" dirty="0"/>
               <a:t>(0);</a:t>
             </a:r>
+            <a:endParaRPr lang="en-GB" altLang="zh-CN" dirty="0"/>
           </a:p>
           <a:p>
             <a:pPr marL="0" indent="0">
@@ -9014,6 +8459,7 @@
               <a:rPr lang="en-GB" altLang="zh-CN" dirty="0"/>
               <a:t>)</a:t>
             </a:r>
+            <a:endParaRPr lang="en-GB" altLang="zh-CN" dirty="0"/>
           </a:p>
           <a:p>
             <a:pPr marL="0" indent="0">
@@ -9038,6 +8484,7 @@
               <a:rPr lang="en-GB" altLang="zh-CN" dirty="0"/>
               <a:t>。</a:t>
             </a:r>
+            <a:endParaRPr lang="en-GB" altLang="zh-CN" dirty="0"/>
           </a:p>
           <a:p>
             <a:endParaRPr kumimoji="1" lang="zh-CN" altLang="en-US" dirty="0"/>
@@ -9045,11 +8492,6 @@
         </p:txBody>
       </p:sp>
     </p:spTree>
-    <p:extLst>
-      <p:ext uri="{BB962C8B-B14F-4D97-AF65-F5344CB8AC3E}">
-        <p14:creationId xmlns:p14="http://schemas.microsoft.com/office/powerpoint/2010/main" val="3351996296"/>
-      </p:ext>
-    </p:extLst>
   </p:cSld>
   <p:clrMapOvr>
     <a:masterClrMapping/>
@@ -9076,13 +8518,7 @@
       </p:grpSpPr>
       <p:sp>
         <p:nvSpPr>
-          <p:cNvPr id="2" name="标题 1">
-            <a:extLst>
-              <a:ext uri="{FF2B5EF4-FFF2-40B4-BE49-F238E27FC236}">
-                <a16:creationId xmlns:a16="http://schemas.microsoft.com/office/drawing/2014/main" id="{9E996927-CEE1-5F46-A9EF-1AC8240D4466}"/>
-              </a:ext>
-            </a:extLst>
-          </p:cNvPr>
+          <p:cNvPr id="2" name="标题 1"/>
           <p:cNvSpPr>
             <a:spLocks noGrp="1"/>
           </p:cNvSpPr>
@@ -9117,13 +8553,7 @@
       </p:sp>
       <p:sp>
         <p:nvSpPr>
-          <p:cNvPr id="3" name="内容占位符 2">
-            <a:extLst>
-              <a:ext uri="{FF2B5EF4-FFF2-40B4-BE49-F238E27FC236}">
-                <a16:creationId xmlns:a16="http://schemas.microsoft.com/office/drawing/2014/main" id="{3C1EBBED-739B-E04E-BFF8-108210E9DD1A}"/>
-              </a:ext>
-            </a:extLst>
-          </p:cNvPr>
+          <p:cNvPr id="3" name="内容占位符 2"/>
           <p:cNvSpPr>
             <a:spLocks noGrp="1"/>
           </p:cNvSpPr>
@@ -9167,6 +8597,7 @@
               <a:rPr lang="en-GB" altLang="zh-CN" dirty="0"/>
               <a:t>)</a:t>
             </a:r>
+            <a:endParaRPr lang="en-GB" altLang="zh-CN" dirty="0"/>
           </a:p>
           <a:p>
             <a:pPr marL="0" indent="0">
@@ -9188,6 +8619,7 @@
               <a:rPr lang="zh-CN" altLang="en-GB" dirty="0"/>
               <a:t>位置开始向后搜索，返回所找到</a:t>
             </a:r>
+            <a:endParaRPr lang="zh-CN" altLang="en-GB" dirty="0"/>
           </a:p>
           <a:p>
             <a:pPr marL="0" indent="0">
@@ -9205,6 +8637,7 @@
               <a:rPr lang="zh-CN" altLang="en-GB" dirty="0"/>
               <a:t>相同的元素的下标位置。若指定</a:t>
             </a:r>
+            <a:endParaRPr lang="zh-CN" altLang="en-GB" dirty="0"/>
           </a:p>
           <a:p>
             <a:pPr marL="0" indent="0">
@@ -9214,6 +8647,7 @@
               <a:rPr lang="zh-CN" altLang="en-GB" dirty="0"/>
               <a:t>的对象不存在，则返回－1。</a:t>
             </a:r>
+            <a:endParaRPr lang="zh-CN" altLang="en-GB" dirty="0"/>
           </a:p>
           <a:p>
             <a:endParaRPr kumimoji="1" lang="zh-CN" altLang="en-US" dirty="0"/>
@@ -9221,11 +8655,6 @@
         </p:txBody>
       </p:sp>
     </p:spTree>
-    <p:extLst>
-      <p:ext uri="{BB962C8B-B14F-4D97-AF65-F5344CB8AC3E}">
-        <p14:creationId xmlns:p14="http://schemas.microsoft.com/office/powerpoint/2010/main" val="100882576"/>
-      </p:ext>
-    </p:extLst>
   </p:cSld>
   <p:clrMapOvr>
     <a:masterClrMapping/>
@@ -9252,13 +8681,7 @@
       </p:grpSpPr>
       <p:sp>
         <p:nvSpPr>
-          <p:cNvPr id="2" name="标题 1">
-            <a:extLst>
-              <a:ext uri="{FF2B5EF4-FFF2-40B4-BE49-F238E27FC236}">
-                <a16:creationId xmlns:a16="http://schemas.microsoft.com/office/drawing/2014/main" id="{66723426-E765-9744-95E4-0B3080D8F0D7}"/>
-              </a:ext>
-            </a:extLst>
-          </p:cNvPr>
+          <p:cNvPr id="2" name="标题 1"/>
           <p:cNvSpPr>
             <a:spLocks noGrp="1"/>
           </p:cNvSpPr>
@@ -9293,13 +8716,7 @@
       </p:sp>
       <p:sp>
         <p:nvSpPr>
-          <p:cNvPr id="3" name="内容占位符 2">
-            <a:extLst>
-              <a:ext uri="{FF2B5EF4-FFF2-40B4-BE49-F238E27FC236}">
-                <a16:creationId xmlns:a16="http://schemas.microsoft.com/office/drawing/2014/main" id="{8CBFA357-1207-284B-9F4B-6BD4A05C8B5D}"/>
-              </a:ext>
-            </a:extLst>
-          </p:cNvPr>
+          <p:cNvPr id="3" name="内容占位符 2"/>
           <p:cNvSpPr>
             <a:spLocks noGrp="1"/>
           </p:cNvSpPr>
@@ -9347,6 +8764,7 @@
               <a:rPr lang="en-GB" altLang="zh-CN" dirty="0"/>
               <a:t>)</a:t>
             </a:r>
+            <a:endParaRPr lang="en-GB" altLang="zh-CN" dirty="0"/>
           </a:p>
           <a:p>
             <a:pPr marL="0" indent="0">
@@ -9368,6 +8786,7 @@
               <a:rPr lang="zh-CN" altLang="en-GB" dirty="0"/>
               <a:t>位置开始向前搜索，返回所找到</a:t>
             </a:r>
+            <a:endParaRPr lang="zh-CN" altLang="en-GB" dirty="0"/>
           </a:p>
           <a:p>
             <a:pPr marL="0" indent="0">
@@ -9385,6 +8804,7 @@
               <a:rPr lang="zh-CN" altLang="en-GB" dirty="0"/>
               <a:t>相同的元素的下标位置。若指定</a:t>
             </a:r>
+            <a:endParaRPr lang="zh-CN" altLang="en-GB" dirty="0"/>
           </a:p>
           <a:p>
             <a:pPr marL="0" indent="0">
@@ -9394,6 +8814,7 @@
               <a:rPr lang="zh-CN" altLang="en-GB" dirty="0"/>
               <a:t>的对象不存在，则返回－1。例如：</a:t>
             </a:r>
+            <a:endParaRPr lang="zh-CN" altLang="en-GB" dirty="0"/>
           </a:p>
           <a:p>
             <a:endParaRPr kumimoji="1" lang="zh-CN" altLang="en-US" dirty="0"/>
@@ -9402,13 +8823,7 @@
       </p:sp>
       <p:sp>
         <p:nvSpPr>
-          <p:cNvPr id="5" name="Text Box 7">
-            <a:extLst>
-              <a:ext uri="{FF2B5EF4-FFF2-40B4-BE49-F238E27FC236}">
-                <a16:creationId xmlns:a16="http://schemas.microsoft.com/office/drawing/2014/main" id="{282EF4B7-2742-FE4E-9133-CE9C63AA2C1B}"/>
-              </a:ext>
-            </a:extLst>
-          </p:cNvPr>
+          <p:cNvPr id="5" name="Text Box 7"/>
           <p:cNvSpPr txBox="1">
             <a:spLocks noChangeArrowheads="1"/>
           </p:cNvSpPr>
@@ -9428,8 +8843,6 @@
               <a:schemeClr val="tx1"/>
             </a:solidFill>
             <a:miter lim="800000"/>
-            <a:headEnd/>
-            <a:tailEnd/>
           </a:ln>
           <a:effectLst/>
           <a:extLst>
@@ -9481,6 +8894,11 @@
               </a:rPr>
               <a:t>=0;</a:t>
             </a:r>
+            <a:endParaRPr lang="en-US" altLang="zh-CN" sz="2000" dirty="0">
+              <a:solidFill>
+                <a:srgbClr val="7030A0"/>
+              </a:solidFill>
+            </a:endParaRPr>
           </a:p>
           <a:p>
             <a:r>
@@ -9528,7 +8946,7 @@
                 <a:solidFill>
                   <a:srgbClr val="7030A0"/>
                 </a:solidFill>
-                <a:latin typeface="Times New Roman" panose="02020603050405020304" pitchFamily="18" charset="0"/>
+                <a:latin typeface="Times New Roman" panose="02020503050405090304" pitchFamily="18" charset="0"/>
               </a:rPr>
               <a:t>“</a:t>
             </a:r>
@@ -9545,7 +8963,7 @@
                 <a:solidFill>
                   <a:srgbClr val="7030A0"/>
                 </a:solidFill>
-                <a:latin typeface="Times New Roman" panose="02020603050405020304" pitchFamily="18" charset="0"/>
+                <a:latin typeface="Times New Roman" panose="02020503050405090304" pitchFamily="18" charset="0"/>
               </a:rPr>
               <a:t>”</a:t>
             </a:r>
@@ -9573,6 +8991,11 @@
               </a:rPr>
               <a:t>))!=-1)</a:t>
             </a:r>
+            <a:endParaRPr lang="en-US" altLang="zh-CN" sz="2000" dirty="0">
+              <a:solidFill>
+                <a:srgbClr val="7030A0"/>
+              </a:solidFill>
+            </a:endParaRPr>
           </a:p>
           <a:p>
             <a:r>
@@ -9583,6 +9006,11 @@
               </a:rPr>
               <a:t>{</a:t>
             </a:r>
+            <a:endParaRPr lang="en-US" altLang="zh-CN" sz="2000" dirty="0">
+              <a:solidFill>
+                <a:srgbClr val="7030A0"/>
+              </a:solidFill>
+            </a:endParaRPr>
           </a:p>
           <a:p>
             <a:r>
@@ -9625,6 +9053,11 @@
               </a:rPr>
               <a:t>);</a:t>
             </a:r>
+            <a:endParaRPr lang="en-US" altLang="zh-CN" sz="2000" dirty="0">
+              <a:solidFill>
+                <a:srgbClr val="7030A0"/>
+              </a:solidFill>
+            </a:endParaRPr>
           </a:p>
           <a:p>
             <a:r>
@@ -9635,15 +9068,15 @@
               </a:rPr>
               <a:t>}</a:t>
             </a:r>
+            <a:endParaRPr lang="en-US" altLang="zh-CN" sz="2000" dirty="0">
+              <a:solidFill>
+                <a:srgbClr val="7030A0"/>
+              </a:solidFill>
+            </a:endParaRPr>
           </a:p>
         </p:txBody>
       </p:sp>
     </p:spTree>
-    <p:extLst>
-      <p:ext uri="{BB962C8B-B14F-4D97-AF65-F5344CB8AC3E}">
-        <p14:creationId xmlns:p14="http://schemas.microsoft.com/office/powerpoint/2010/main" val="1716671825"/>
-      </p:ext>
-    </p:extLst>
   </p:cSld>
   <p:clrMapOvr>
     <a:masterClrMapping/>
@@ -9670,13 +9103,7 @@
       </p:grpSpPr>
       <p:sp>
         <p:nvSpPr>
-          <p:cNvPr id="2" name="标题 1">
-            <a:extLst>
-              <a:ext uri="{FF2B5EF4-FFF2-40B4-BE49-F238E27FC236}">
-                <a16:creationId xmlns:a16="http://schemas.microsoft.com/office/drawing/2014/main" id="{A63762F2-8963-0448-A4B9-133E10E2AD84}"/>
-              </a:ext>
-            </a:extLst>
-          </p:cNvPr>
+          <p:cNvPr id="2" name="标题 1"/>
           <p:cNvSpPr>
             <a:spLocks noGrp="1"/>
           </p:cNvSpPr>
@@ -9711,13 +9138,7 @@
       </p:sp>
       <p:sp>
         <p:nvSpPr>
-          <p:cNvPr id="3" name="内容占位符 2">
-            <a:extLst>
-              <a:ext uri="{FF2B5EF4-FFF2-40B4-BE49-F238E27FC236}">
-                <a16:creationId xmlns:a16="http://schemas.microsoft.com/office/drawing/2014/main" id="{E6E838E3-4702-CF40-8B53-059BA3C09AC9}"/>
-              </a:ext>
-            </a:extLst>
-          </p:cNvPr>
+          <p:cNvPr id="3" name="内容占位符 2"/>
           <p:cNvSpPr>
             <a:spLocks noGrp="1"/>
           </p:cNvSpPr>
@@ -9754,6 +9175,7 @@
               <a:rPr lang="zh-CN" altLang="en-GB" dirty="0"/>
               <a:t>的容量                            </a:t>
             </a:r>
+            <a:endParaRPr lang="zh-CN" altLang="en-GB" dirty="0"/>
           </a:p>
           <a:p>
             <a:pPr marL="0" indent="0">
@@ -9782,6 +9204,7 @@
               <a:rPr lang="zh-CN" altLang="en-GB" dirty="0"/>
               <a:t>的备份</a:t>
             </a:r>
+            <a:endParaRPr lang="zh-CN" altLang="en-GB" dirty="0"/>
           </a:p>
           <a:p>
             <a:pPr marL="0" indent="0">
@@ -9814,6 +9237,7 @@
               <a:rPr lang="zh-CN" altLang="en-GB" dirty="0"/>
               <a:t>中的元素拷贝到一个数组中</a:t>
             </a:r>
+            <a:endParaRPr lang="zh-CN" altLang="en-GB" dirty="0"/>
           </a:p>
           <a:p>
             <a:pPr marL="0" indent="0">
@@ -9838,6 +9262,7 @@
               <a:rPr lang="zh-CN" altLang="en-GB" dirty="0"/>
               <a:t>返回第一个元素</a:t>
             </a:r>
+            <a:endParaRPr lang="zh-CN" altLang="en-GB" dirty="0"/>
           </a:p>
           <a:p>
             <a:pPr marL="0" indent="0">
@@ -9862,6 +9287,7 @@
               <a:rPr lang="zh-CN" altLang="en-GB" dirty="0"/>
               <a:t>返回最后一个元素</a:t>
             </a:r>
+            <a:endParaRPr lang="zh-CN" altLang="en-GB" dirty="0"/>
           </a:p>
           <a:p>
             <a:pPr marL="0" indent="0">
@@ -9886,6 +9312,7 @@
               <a:rPr lang="zh-CN" altLang="en-GB" dirty="0"/>
               <a:t>判断是否为空</a:t>
             </a:r>
+            <a:endParaRPr lang="zh-CN" altLang="en-GB" dirty="0"/>
           </a:p>
           <a:p>
             <a:pPr marL="0" indent="0">
@@ -9918,6 +9345,7 @@
               <a:rPr lang="zh-CN" altLang="en-GB" dirty="0"/>
               <a:t>的大小</a:t>
             </a:r>
+            <a:endParaRPr lang="zh-CN" altLang="en-GB" dirty="0"/>
           </a:p>
           <a:p>
             <a:pPr marL="0" indent="0">
@@ -9946,6 +9374,7 @@
               <a:rPr lang="zh-CN" altLang="en-GB" dirty="0"/>
               <a:t>中元素的数量</a:t>
             </a:r>
+            <a:endParaRPr lang="zh-CN" altLang="en-GB" dirty="0"/>
           </a:p>
           <a:p>
             <a:pPr marL="0" indent="0">
@@ -9986,11 +9415,6 @@
         </p:txBody>
       </p:sp>
     </p:spTree>
-    <p:extLst>
-      <p:ext uri="{BB962C8B-B14F-4D97-AF65-F5344CB8AC3E}">
-        <p14:creationId xmlns:p14="http://schemas.microsoft.com/office/powerpoint/2010/main" val="2216580918"/>
-      </p:ext>
-    </p:extLst>
   </p:cSld>
   <p:clrMapOvr>
     <a:masterClrMapping/>
@@ -10017,13 +9441,7 @@
       </p:grpSpPr>
       <p:sp>
         <p:nvSpPr>
-          <p:cNvPr id="2" name="标题 1">
-            <a:extLst>
-              <a:ext uri="{FF2B5EF4-FFF2-40B4-BE49-F238E27FC236}">
-                <a16:creationId xmlns:a16="http://schemas.microsoft.com/office/drawing/2014/main" id="{34F3342A-CB31-244F-9F51-2534D728A192}"/>
-              </a:ext>
-            </a:extLst>
-          </p:cNvPr>
+          <p:cNvPr id="2" name="标题 1"/>
           <p:cNvSpPr>
             <a:spLocks noGrp="1"/>
           </p:cNvSpPr>
@@ -10058,13 +9476,7 @@
       </p:sp>
       <p:sp>
         <p:nvSpPr>
-          <p:cNvPr id="3" name="内容占位符 2">
-            <a:extLst>
-              <a:ext uri="{FF2B5EF4-FFF2-40B4-BE49-F238E27FC236}">
-                <a16:creationId xmlns:a16="http://schemas.microsoft.com/office/drawing/2014/main" id="{54970EDE-2D58-7846-BFC0-A29B623BB4F0}"/>
-              </a:ext>
-            </a:extLst>
-          </p:cNvPr>
+          <p:cNvPr id="3" name="内容占位符 2"/>
           <p:cNvSpPr>
             <a:spLocks noGrp="1"/>
           </p:cNvSpPr>
@@ -10151,11 +9563,6 @@
         </p:txBody>
       </p:sp>
     </p:spTree>
-    <p:extLst>
-      <p:ext uri="{BB962C8B-B14F-4D97-AF65-F5344CB8AC3E}">
-        <p14:creationId xmlns:p14="http://schemas.microsoft.com/office/powerpoint/2010/main" val="381257942"/>
-      </p:ext>
-    </p:extLst>
   </p:cSld>
   <p:clrMapOvr>
     <a:masterClrMapping/>
@@ -10182,13 +9589,7 @@
       </p:grpSpPr>
       <p:sp>
         <p:nvSpPr>
-          <p:cNvPr id="2" name="标题 1">
-            <a:extLst>
-              <a:ext uri="{FF2B5EF4-FFF2-40B4-BE49-F238E27FC236}">
-                <a16:creationId xmlns:a16="http://schemas.microsoft.com/office/drawing/2014/main" id="{C0E28B90-A98C-E148-AC06-342466DEA1DC}"/>
-              </a:ext>
-            </a:extLst>
-          </p:cNvPr>
+          <p:cNvPr id="2" name="标题 1"/>
           <p:cNvSpPr>
             <a:spLocks noGrp="1"/>
           </p:cNvSpPr>
@@ -10205,18 +9606,13 @@
               <a:rPr kumimoji="1" lang="zh-CN" altLang="en-US" dirty="0"/>
               <a:t>课后作业</a:t>
             </a:r>
-          </a:p>
-        </p:txBody>
-      </p:sp>
-      <p:sp>
-        <p:nvSpPr>
-          <p:cNvPr id="3" name="内容占位符 2">
-            <a:extLst>
-              <a:ext uri="{FF2B5EF4-FFF2-40B4-BE49-F238E27FC236}">
-                <a16:creationId xmlns:a16="http://schemas.microsoft.com/office/drawing/2014/main" id="{77282427-179C-F847-A8AE-4BD11C0A44A9}"/>
-              </a:ext>
-            </a:extLst>
-          </p:cNvPr>
+            <a:endParaRPr kumimoji="1" lang="zh-CN" altLang="en-US" dirty="0"/>
+          </a:p>
+        </p:txBody>
+      </p:sp>
+      <p:sp>
+        <p:nvSpPr>
+          <p:cNvPr id="3" name="内容占位符 2"/>
           <p:cNvSpPr>
             <a:spLocks noGrp="1"/>
           </p:cNvSpPr>
@@ -10289,11 +9685,6 @@
         </p:txBody>
       </p:sp>
     </p:spTree>
-    <p:extLst>
-      <p:ext uri="{BB962C8B-B14F-4D97-AF65-F5344CB8AC3E}">
-        <p14:creationId xmlns:p14="http://schemas.microsoft.com/office/powerpoint/2010/main" val="400957401"/>
-      </p:ext>
-    </p:extLst>
   </p:cSld>
   <p:clrMapOvr>
     <a:masterClrMapping/>
@@ -10320,13 +9711,7 @@
       </p:grpSpPr>
       <p:sp>
         <p:nvSpPr>
-          <p:cNvPr id="2" name="标题 1">
-            <a:extLst>
-              <a:ext uri="{FF2B5EF4-FFF2-40B4-BE49-F238E27FC236}">
-                <a16:creationId xmlns:a16="http://schemas.microsoft.com/office/drawing/2014/main" id="{755FD22F-3208-2A4A-9D86-0DE34A32599E}"/>
-              </a:ext>
-            </a:extLst>
-          </p:cNvPr>
+          <p:cNvPr id="2" name="标题 1"/>
           <p:cNvSpPr>
             <a:spLocks noGrp="1"/>
           </p:cNvSpPr>
@@ -10343,18 +9728,13 @@
               <a:rPr kumimoji="1" lang="zh-CN" altLang="en-US" dirty="0"/>
               <a:t>关于数组</a:t>
             </a:r>
-          </a:p>
-        </p:txBody>
-      </p:sp>
-      <p:sp>
-        <p:nvSpPr>
-          <p:cNvPr id="3" name="内容占位符 2">
-            <a:extLst>
-              <a:ext uri="{FF2B5EF4-FFF2-40B4-BE49-F238E27FC236}">
-                <a16:creationId xmlns:a16="http://schemas.microsoft.com/office/drawing/2014/main" id="{F335B060-C6E8-FF40-B0C8-3A1BA16A08A4}"/>
-              </a:ext>
-            </a:extLst>
-          </p:cNvPr>
+            <a:endParaRPr kumimoji="1" lang="zh-CN" altLang="en-US" dirty="0"/>
+          </a:p>
+        </p:txBody>
+      </p:sp>
+      <p:sp>
+        <p:nvSpPr>
+          <p:cNvPr id="3" name="内容占位符 2"/>
           <p:cNvSpPr>
             <a:spLocks noGrp="1"/>
           </p:cNvSpPr>
@@ -10536,11 +9916,6 @@
         </p:txBody>
       </p:sp>
     </p:spTree>
-    <p:extLst>
-      <p:ext uri="{BB962C8B-B14F-4D97-AF65-F5344CB8AC3E}">
-        <p14:creationId xmlns:p14="http://schemas.microsoft.com/office/powerpoint/2010/main" val="2307586476"/>
-      </p:ext>
-    </p:extLst>
   </p:cSld>
   <p:clrMapOvr>
     <a:masterClrMapping/>
@@ -10567,13 +9942,7 @@
       </p:grpSpPr>
       <p:sp>
         <p:nvSpPr>
-          <p:cNvPr id="2" name="标题 1">
-            <a:extLst>
-              <a:ext uri="{FF2B5EF4-FFF2-40B4-BE49-F238E27FC236}">
-                <a16:creationId xmlns:a16="http://schemas.microsoft.com/office/drawing/2014/main" id="{C64D4F6B-2D1D-024E-BE1F-8D4563C9A881}"/>
-              </a:ext>
-            </a:extLst>
-          </p:cNvPr>
+          <p:cNvPr id="2" name="标题 1"/>
           <p:cNvSpPr>
             <a:spLocks noGrp="1"/>
           </p:cNvSpPr>
@@ -10590,18 +9959,13 @@
               <a:rPr kumimoji="1" lang="zh-CN" altLang="en-US" dirty="0"/>
               <a:t>初始化</a:t>
             </a:r>
-          </a:p>
-        </p:txBody>
-      </p:sp>
-      <p:sp>
-        <p:nvSpPr>
-          <p:cNvPr id="3" name="内容占位符 2">
-            <a:extLst>
-              <a:ext uri="{FF2B5EF4-FFF2-40B4-BE49-F238E27FC236}">
-                <a16:creationId xmlns:a16="http://schemas.microsoft.com/office/drawing/2014/main" id="{02ADB350-99C5-764F-8FBB-88864A516BB3}"/>
-              </a:ext>
-            </a:extLst>
-          </p:cNvPr>
+            <a:endParaRPr kumimoji="1" lang="zh-CN" altLang="en-US" dirty="0"/>
+          </a:p>
+        </p:txBody>
+      </p:sp>
+      <p:sp>
+        <p:nvSpPr>
+          <p:cNvPr id="3" name="内容占位符 2"/>
           <p:cNvSpPr>
             <a:spLocks noGrp="1"/>
           </p:cNvSpPr>
@@ -10677,6 +10041,7 @@
               <a:rPr lang="en-US" altLang="zh-CN" dirty="0"/>
               <a:t>-》</a:t>
             </a:r>
+            <a:endParaRPr lang="en-US" altLang="zh-CN" dirty="0"/>
           </a:p>
           <a:p>
             <a:pPr marL="0" indent="0">
@@ -10698,6 +10063,7 @@
               <a:rPr lang="en-US" altLang="zh-CN" dirty="0"/>
               <a:t>[ ]={1,2,3,4};</a:t>
             </a:r>
+            <a:endParaRPr lang="en-US" altLang="zh-CN" dirty="0"/>
           </a:p>
           <a:p>
             <a:pPr marL="0" indent="0">
@@ -10735,11 +10101,6 @@
         </p:txBody>
       </p:sp>
     </p:spTree>
-    <p:extLst>
-      <p:ext uri="{BB962C8B-B14F-4D97-AF65-F5344CB8AC3E}">
-        <p14:creationId xmlns:p14="http://schemas.microsoft.com/office/powerpoint/2010/main" val="2322666493"/>
-      </p:ext>
-    </p:extLst>
   </p:cSld>
   <p:clrMapOvr>
     <a:masterClrMapping/>
@@ -10766,13 +10127,7 @@
       </p:grpSpPr>
       <p:sp>
         <p:nvSpPr>
-          <p:cNvPr id="2" name="标题 1">
-            <a:extLst>
-              <a:ext uri="{FF2B5EF4-FFF2-40B4-BE49-F238E27FC236}">
-                <a16:creationId xmlns:a16="http://schemas.microsoft.com/office/drawing/2014/main" id="{5736FD26-D7BF-DB42-BF4E-BE5D6C2486EA}"/>
-              </a:ext>
-            </a:extLst>
-          </p:cNvPr>
+          <p:cNvPr id="2" name="标题 1"/>
           <p:cNvSpPr>
             <a:spLocks noGrp="1"/>
           </p:cNvSpPr>
@@ -10789,18 +10144,13 @@
               <a:rPr kumimoji="1" lang="zh-CN" altLang="en-US" dirty="0"/>
               <a:t>关于动态初始化</a:t>
             </a:r>
-          </a:p>
-        </p:txBody>
-      </p:sp>
-      <p:sp>
-        <p:nvSpPr>
-          <p:cNvPr id="3" name="内容占位符 2">
-            <a:extLst>
-              <a:ext uri="{FF2B5EF4-FFF2-40B4-BE49-F238E27FC236}">
-                <a16:creationId xmlns:a16="http://schemas.microsoft.com/office/drawing/2014/main" id="{11126A1C-322C-CF47-A47D-040038ABFB8C}"/>
-              </a:ext>
-            </a:extLst>
-          </p:cNvPr>
+            <a:endParaRPr kumimoji="1" lang="zh-CN" altLang="en-US" dirty="0"/>
+          </a:p>
+        </p:txBody>
+      </p:sp>
+      <p:sp>
+        <p:nvSpPr>
+          <p:cNvPr id="3" name="内容占位符 2"/>
           <p:cNvSpPr>
             <a:spLocks noGrp="1"/>
           </p:cNvSpPr>
@@ -10843,6 +10193,7 @@
               <a:rPr lang="en-US" altLang="zh-CN" dirty="0"/>
               <a:t>-》</a:t>
             </a:r>
+            <a:endParaRPr lang="en-US" altLang="zh-CN" dirty="0"/>
           </a:p>
           <a:p>
             <a:pPr marL="0" indent="0">
@@ -10883,6 +10234,7 @@
               <a:rPr lang="en-US" altLang="zh-CN" dirty="0"/>
               <a:t>];</a:t>
             </a:r>
+            <a:endParaRPr lang="en-US" altLang="zh-CN" dirty="0"/>
           </a:p>
           <a:p>
             <a:pPr marL="0" indent="0">
@@ -10963,6 +10315,7 @@
               <a:rPr kumimoji="1" lang="en-US" altLang="zh-CN" dirty="0"/>
               <a:t>];</a:t>
             </a:r>
+            <a:endParaRPr kumimoji="1" lang="en-US" altLang="zh-CN" dirty="0"/>
           </a:p>
           <a:p>
             <a:pPr marL="0" indent="0">
@@ -10983,6 +10336,7 @@
               <a:rPr kumimoji="1" lang="en-US" altLang="zh-CN" dirty="0"/>
               <a:t>-》</a:t>
             </a:r>
+            <a:endParaRPr kumimoji="1" lang="en-US" altLang="zh-CN" dirty="0"/>
           </a:p>
           <a:p>
             <a:pPr marL="0" indent="0">
@@ -11015,6 +10369,7 @@
               <a:rPr lang="en-US" altLang="zh-CN" dirty="0"/>
               <a:t>];</a:t>
             </a:r>
+            <a:endParaRPr lang="en-US" altLang="zh-CN" dirty="0"/>
           </a:p>
           <a:p>
             <a:pPr marL="0" indent="0">
@@ -11048,11 +10403,6 @@
         </p:txBody>
       </p:sp>
     </p:spTree>
-    <p:extLst>
-      <p:ext uri="{BB962C8B-B14F-4D97-AF65-F5344CB8AC3E}">
-        <p14:creationId xmlns:p14="http://schemas.microsoft.com/office/powerpoint/2010/main" val="3483568956"/>
-      </p:ext>
-    </p:extLst>
   </p:cSld>
   <p:clrMapOvr>
     <a:masterClrMapping/>
@@ -11079,13 +10429,7 @@
       </p:grpSpPr>
       <p:sp>
         <p:nvSpPr>
-          <p:cNvPr id="2" name="标题 1">
-            <a:extLst>
-              <a:ext uri="{FF2B5EF4-FFF2-40B4-BE49-F238E27FC236}">
-                <a16:creationId xmlns:a16="http://schemas.microsoft.com/office/drawing/2014/main" id="{536AFBC6-F6C5-5746-AF05-32071BEC98E0}"/>
-              </a:ext>
-            </a:extLst>
-          </p:cNvPr>
+          <p:cNvPr id="2" name="标题 1"/>
           <p:cNvSpPr>
             <a:spLocks noGrp="1"/>
           </p:cNvSpPr>
@@ -11102,18 +10446,13 @@
               <a:rPr kumimoji="1" lang="zh-CN" altLang="en-US" dirty="0"/>
               <a:t>关于动态初始化</a:t>
             </a:r>
-          </a:p>
-        </p:txBody>
-      </p:sp>
-      <p:sp>
-        <p:nvSpPr>
-          <p:cNvPr id="3" name="内容占位符 2">
-            <a:extLst>
-              <a:ext uri="{FF2B5EF4-FFF2-40B4-BE49-F238E27FC236}">
-                <a16:creationId xmlns:a16="http://schemas.microsoft.com/office/drawing/2014/main" id="{0C2B464E-77CF-0C4F-9331-463622AE3409}"/>
-              </a:ext>
-            </a:extLst>
-          </p:cNvPr>
+            <a:endParaRPr kumimoji="1" lang="zh-CN" altLang="en-US" dirty="0"/>
+          </a:p>
+        </p:txBody>
+      </p:sp>
+      <p:sp>
+        <p:nvSpPr>
+          <p:cNvPr id="3" name="内容占位符 2"/>
           <p:cNvSpPr>
             <a:spLocks noGrp="1"/>
           </p:cNvSpPr>
@@ -11146,6 +10485,7 @@
               <a:rPr lang="en-US" altLang="zh-CN" dirty="0"/>
               <a:t>[]; </a:t>
             </a:r>
+            <a:endParaRPr lang="en-US" altLang="zh-CN" dirty="0"/>
           </a:p>
           <a:p>
             <a:pPr marL="0" indent="0">
@@ -11191,6 +10531,7 @@
               <a:rPr lang="en-US" altLang="zh-CN" sz="2400" dirty="0"/>
               <a:t>null</a:t>
             </a:r>
+            <a:endParaRPr lang="en-US" altLang="zh-CN" sz="2400" dirty="0"/>
           </a:p>
           <a:p>
             <a:pPr marL="0" indent="0">
@@ -11207,6 +10548,7 @@
               <a:rPr lang="en-US" altLang="zh-CN" sz="2400" dirty="0"/>
               <a:t> = new String[3];</a:t>
             </a:r>
+            <a:endParaRPr lang="en-US" altLang="zh-CN" sz="2400" dirty="0"/>
           </a:p>
           <a:p>
             <a:pPr marL="0" indent="0">
@@ -11234,7 +10576,7 @@
             </a:r>
             <a:r>
               <a:rPr lang="en-US" altLang="zh-CN" dirty="0">
-                <a:latin typeface="Times New Roman" panose="02020603050405020304" pitchFamily="18" charset="0"/>
+                <a:latin typeface="Times New Roman" panose="02020503050405090304" pitchFamily="18" charset="0"/>
               </a:rPr>
               <a:t>“</a:t>
             </a:r>
@@ -11244,7 +10586,7 @@
             </a:r>
             <a:r>
               <a:rPr lang="en-US" altLang="zh-CN" dirty="0">
-                <a:latin typeface="Times New Roman" panose="02020603050405020304" pitchFamily="18" charset="0"/>
+                <a:latin typeface="Times New Roman" panose="02020503050405090304" pitchFamily="18" charset="0"/>
               </a:rPr>
               <a:t>”</a:t>
             </a:r>
@@ -11252,6 +10594,7 @@
               <a:rPr lang="en-US" altLang="zh-CN" dirty="0"/>
               <a:t>);</a:t>
             </a:r>
+            <a:endParaRPr lang="en-US" altLang="zh-CN" dirty="0"/>
           </a:p>
           <a:p>
             <a:pPr marL="0" indent="0">
@@ -11270,7 +10613,7 @@
             </a:r>
             <a:r>
               <a:rPr lang="en-US" altLang="zh-CN" dirty="0">
-                <a:latin typeface="Times New Roman" panose="02020603050405020304" pitchFamily="18" charset="0"/>
+                <a:latin typeface="Times New Roman" panose="02020503050405090304" pitchFamily="18" charset="0"/>
               </a:rPr>
               <a:t>“</a:t>
             </a:r>
@@ -11280,7 +10623,7 @@
             </a:r>
             <a:r>
               <a:rPr lang="en-US" altLang="zh-CN" dirty="0">
-                <a:latin typeface="Times New Roman" panose="02020603050405020304" pitchFamily="18" charset="0"/>
+                <a:latin typeface="Times New Roman" panose="02020503050405090304" pitchFamily="18" charset="0"/>
               </a:rPr>
               <a:t>”</a:t>
             </a:r>
@@ -11288,6 +10631,7 @@
               <a:rPr lang="en-US" altLang="zh-CN" dirty="0"/>
               <a:t>);</a:t>
             </a:r>
+            <a:endParaRPr lang="en-US" altLang="zh-CN" dirty="0"/>
           </a:p>
           <a:p>
             <a:pPr marL="0" indent="0">
@@ -11306,7 +10650,7 @@
             </a:r>
             <a:r>
               <a:rPr lang="en-US" altLang="zh-CN" dirty="0">
-                <a:latin typeface="Times New Roman" panose="02020603050405020304" pitchFamily="18" charset="0"/>
+                <a:latin typeface="Times New Roman" panose="02020503050405090304" pitchFamily="18" charset="0"/>
               </a:rPr>
               <a:t>“</a:t>
             </a:r>
@@ -11316,7 +10660,7 @@
             </a:r>
             <a:r>
               <a:rPr lang="en-US" altLang="zh-CN" dirty="0">
-                <a:latin typeface="Times New Roman" panose="02020603050405020304" pitchFamily="18" charset="0"/>
+                <a:latin typeface="Times New Roman" panose="02020503050405090304" pitchFamily="18" charset="0"/>
               </a:rPr>
               <a:t>”</a:t>
             </a:r>
@@ -11324,6 +10668,7 @@
               <a:rPr lang="en-US" altLang="zh-CN" dirty="0"/>
               <a:t>);</a:t>
             </a:r>
+            <a:endParaRPr lang="en-US" altLang="zh-CN" dirty="0"/>
           </a:p>
           <a:p>
             <a:endParaRPr kumimoji="1" lang="zh-CN" altLang="en-US" dirty="0"/>
@@ -11331,11 +10676,6 @@
         </p:txBody>
       </p:sp>
     </p:spTree>
-    <p:extLst>
-      <p:ext uri="{BB962C8B-B14F-4D97-AF65-F5344CB8AC3E}">
-        <p14:creationId xmlns:p14="http://schemas.microsoft.com/office/powerpoint/2010/main" val="2267865069"/>
-      </p:ext>
-    </p:extLst>
   </p:cSld>
   <p:clrMapOvr>
     <a:masterClrMapping/>
@@ -11362,13 +10702,7 @@
       </p:grpSpPr>
       <p:sp>
         <p:nvSpPr>
-          <p:cNvPr id="2" name="标题 1">
-            <a:extLst>
-              <a:ext uri="{FF2B5EF4-FFF2-40B4-BE49-F238E27FC236}">
-                <a16:creationId xmlns:a16="http://schemas.microsoft.com/office/drawing/2014/main" id="{20DB2613-B197-E44B-9F1F-74AE0D1B6BE3}"/>
-              </a:ext>
-            </a:extLst>
-          </p:cNvPr>
+          <p:cNvPr id="2" name="标题 1"/>
           <p:cNvSpPr>
             <a:spLocks noGrp="1"/>
           </p:cNvSpPr>
@@ -11385,18 +10719,13 @@
               <a:rPr kumimoji="1" lang="zh-CN" altLang="en-US" dirty="0"/>
               <a:t>引用元素</a:t>
             </a:r>
-          </a:p>
-        </p:txBody>
-      </p:sp>
-      <p:sp>
-        <p:nvSpPr>
-          <p:cNvPr id="3" name="内容占位符 2">
-            <a:extLst>
-              <a:ext uri="{FF2B5EF4-FFF2-40B4-BE49-F238E27FC236}">
-                <a16:creationId xmlns:a16="http://schemas.microsoft.com/office/drawing/2014/main" id="{CAF54C41-2F30-4241-9001-D3C4C6340FEB}"/>
-              </a:ext>
-            </a:extLst>
-          </p:cNvPr>
+            <a:endParaRPr kumimoji="1" lang="zh-CN" altLang="en-US" dirty="0"/>
+          </a:p>
+        </p:txBody>
+      </p:sp>
+      <p:sp>
+        <p:nvSpPr>
+          <p:cNvPr id="3" name="内容占位符 2"/>
           <p:cNvSpPr>
             <a:spLocks noGrp="1"/>
           </p:cNvSpPr>
@@ -11427,6 +10756,7 @@
               <a:rPr lang="zh-CN" altLang="en-US" dirty="0"/>
               <a:t>为它分配了内存空间后，就可以引用数组中的每一个元素了。元素的引用方式为： </a:t>
             </a:r>
+            <a:endParaRPr lang="zh-CN" altLang="en-US" dirty="0"/>
           </a:p>
           <a:p>
             <a:pPr marL="0" indent="0">
@@ -11450,6 +10780,7 @@
               <a:rPr lang="en-US" altLang="zh-CN" dirty="0"/>
               <a:t>[index]</a:t>
             </a:r>
+            <a:endParaRPr lang="en-US" altLang="zh-CN" dirty="0"/>
           </a:p>
           <a:p>
             <a:pPr marL="0" indent="0">
@@ -11537,6 +10868,7 @@
               <a:rPr lang="zh-CN" altLang="en-US" dirty="0"/>
               <a:t>。</a:t>
             </a:r>
+            <a:endParaRPr lang="zh-CN" altLang="en-US" dirty="0"/>
           </a:p>
           <a:p>
             <a:endParaRPr kumimoji="1" lang="zh-CN" altLang="en-US" dirty="0"/>
@@ -11544,11 +10876,6 @@
         </p:txBody>
       </p:sp>
     </p:spTree>
-    <p:extLst>
-      <p:ext uri="{BB962C8B-B14F-4D97-AF65-F5344CB8AC3E}">
-        <p14:creationId xmlns:p14="http://schemas.microsoft.com/office/powerpoint/2010/main" val="2692737753"/>
-      </p:ext>
-    </p:extLst>
   </p:cSld>
   <p:clrMapOvr>
     <a:masterClrMapping/>
@@ -11575,13 +10902,7 @@
       </p:grpSpPr>
       <p:sp>
         <p:nvSpPr>
-          <p:cNvPr id="2" name="标题 1">
-            <a:extLst>
-              <a:ext uri="{FF2B5EF4-FFF2-40B4-BE49-F238E27FC236}">
-                <a16:creationId xmlns:a16="http://schemas.microsoft.com/office/drawing/2014/main" id="{F5AD3408-BD13-D848-9AB3-A351DE0A692E}"/>
-              </a:ext>
-            </a:extLst>
-          </p:cNvPr>
+          <p:cNvPr id="2" name="标题 1"/>
           <p:cNvSpPr>
             <a:spLocks noGrp="1"/>
           </p:cNvSpPr>
@@ -11596,7 +10917,7 @@
           <a:p>
             <a:r>
               <a:rPr lang="zh-CN" altLang="en-US" b="1" dirty="0">
-                <a:latin typeface="Times New Roman" panose="02020603050405020304" pitchFamily="18" charset="0"/>
+                <a:latin typeface="Times New Roman" panose="02020503050405090304" pitchFamily="18" charset="0"/>
               </a:rPr>
               <a:t>多维数组</a:t>
             </a:r>
@@ -11606,13 +10927,7 @@
       </p:sp>
       <p:sp>
         <p:nvSpPr>
-          <p:cNvPr id="3" name="内容占位符 2">
-            <a:extLst>
-              <a:ext uri="{FF2B5EF4-FFF2-40B4-BE49-F238E27FC236}">
-                <a16:creationId xmlns:a16="http://schemas.microsoft.com/office/drawing/2014/main" id="{12DB1C3E-C123-DF41-A27D-26240BD1C8D4}"/>
-              </a:ext>
-            </a:extLst>
-          </p:cNvPr>
+          <p:cNvPr id="3" name="内容占位符 2"/>
           <p:cNvSpPr>
             <a:spLocks noGrp="1"/>
           </p:cNvSpPr>
@@ -11639,11 +10954,6 @@
         </p:txBody>
       </p:sp>
     </p:spTree>
-    <p:extLst>
-      <p:ext uri="{BB962C8B-B14F-4D97-AF65-F5344CB8AC3E}">
-        <p14:creationId xmlns:p14="http://schemas.microsoft.com/office/powerpoint/2010/main" val="2438060852"/>
-      </p:ext>
-    </p:extLst>
   </p:cSld>
   <p:clrMapOvr>
     <a:masterClrMapping/>
@@ -11694,7 +11004,7 @@
     </a:clrScheme>
     <a:fontScheme name="Office">
       <a:majorFont>
-        <a:latin typeface="等线 Light" panose="020F0302020204030204"/>
+        <a:latin typeface="等线 Light"/>
         <a:ea typeface=""/>
         <a:cs typeface=""/>
         <a:font script="Jpan" typeface="游ゴシック Light"/>
@@ -11727,26 +11037,9 @@
         <a:font script="Viet" typeface="Times New Roman"/>
         <a:font script="Uigh" typeface="Microsoft Uighur"/>
         <a:font script="Geor" typeface="Sylfaen"/>
-        <a:font script="Armn" typeface="Arial"/>
-        <a:font script="Bugi" typeface="Leelawadee UI"/>
-        <a:font script="Bopo" typeface="Microsoft JhengHei"/>
-        <a:font script="Java" typeface="Javanese Text"/>
-        <a:font script="Lisu" typeface="Segoe UI"/>
-        <a:font script="Mymr" typeface="Myanmar Text"/>
-        <a:font script="Nkoo" typeface="Ebrima"/>
-        <a:font script="Olck" typeface="Nirmala UI"/>
-        <a:font script="Osma" typeface="Ebrima"/>
-        <a:font script="Phag" typeface="Phagspa"/>
-        <a:font script="Syrn" typeface="Estrangelo Edessa"/>
-        <a:font script="Syrj" typeface="Estrangelo Edessa"/>
-        <a:font script="Syre" typeface="Estrangelo Edessa"/>
-        <a:font script="Sora" typeface="Nirmala UI"/>
-        <a:font script="Tale" typeface="Microsoft Tai Le"/>
-        <a:font script="Talu" typeface="Microsoft New Tai Lue"/>
-        <a:font script="Tfng" typeface="Ebrima"/>
       </a:majorFont>
       <a:minorFont>
-        <a:latin typeface="等线" panose="020F0502020204030204"/>
+        <a:latin typeface="等线"/>
         <a:ea typeface=""/>
         <a:cs typeface=""/>
         <a:font script="Jpan" typeface="游ゴシック"/>
@@ -11779,23 +11072,6 @@
         <a:font script="Viet" typeface="Arial"/>
         <a:font script="Uigh" typeface="Microsoft Uighur"/>
         <a:font script="Geor" typeface="Sylfaen"/>
-        <a:font script="Armn" typeface="Arial"/>
-        <a:font script="Bugi" typeface="Leelawadee UI"/>
-        <a:font script="Bopo" typeface="Microsoft JhengHei"/>
-        <a:font script="Java" typeface="Javanese Text"/>
-        <a:font script="Lisu" typeface="Segoe UI"/>
-        <a:font script="Mymr" typeface="Myanmar Text"/>
-        <a:font script="Nkoo" typeface="Ebrima"/>
-        <a:font script="Olck" typeface="Nirmala UI"/>
-        <a:font script="Osma" typeface="Ebrima"/>
-        <a:font script="Phag" typeface="Phagspa"/>
-        <a:font script="Syrn" typeface="Estrangelo Edessa"/>
-        <a:font script="Syrj" typeface="Estrangelo Edessa"/>
-        <a:font script="Syre" typeface="Estrangelo Edessa"/>
-        <a:font script="Sora" typeface="Nirmala UI"/>
-        <a:font script="Tale" typeface="Microsoft Tai Le"/>
-        <a:font script="Talu" typeface="Microsoft New Tai Lue"/>
-        <a:font script="Tfng" typeface="Ebrima"/>
       </a:minorFont>
     </a:fontScheme>
     <a:fmtScheme name="Office">
@@ -11936,8 +11212,6 @@
       </a:bgFillStyleLst>
     </a:fmtScheme>
   </a:themeElements>
-  <a:objectDefaults/>
-  <a:extraClrSchemeLst/>
   <a:extLst>
     <a:ext uri="{05A4C25C-085E-4340-85A3-A5531E510DB2}">
       <thm15:themeFamily xmlns:thm15="http://schemas.microsoft.com/office/thememl/2012/main" name="Office Theme" id="{62F939B6-93AF-4DB8-9C6B-D6C7DFDC589F}" vid="{4A3C46E8-61CC-4603-A589-7422A47A8E4A}"/>
